--- a/doc/gui/Bilder/Präsentation1.pptx
+++ b/doc/gui/Bilder/Präsentation1.pptx
@@ -7,6 +7,7 @@
   <p:sldIdLst>
     <p:sldId id="256" r:id="rId2"/>
     <p:sldId id="257" r:id="rId3"/>
+    <p:sldId id="258" r:id="rId4"/>
   </p:sldIdLst>
   <p:sldSz cx="12192000" cy="6858000"/>
   <p:notesSz cx="6858000" cy="9144000"/>
@@ -3251,6 +3252,74 @@
           <a:prstGeom prst="rect">
             <a:avLst/>
           </a:prstGeom>
+          <a:gradFill>
+            <a:gsLst>
+              <a:gs pos="0">
+                <a:schemeClr val="accent5">
+                  <a:lumMod val="20000"/>
+                  <a:lumOff val="80000"/>
+                </a:schemeClr>
+              </a:gs>
+              <a:gs pos="50000">
+                <a:schemeClr val="accent5">
+                  <a:lumMod val="60000"/>
+                  <a:lumOff val="40000"/>
+                </a:schemeClr>
+              </a:gs>
+              <a:gs pos="100000">
+                <a:schemeClr val="accent5">
+                  <a:lumMod val="60000"/>
+                  <a:lumOff val="40000"/>
+                </a:schemeClr>
+              </a:gs>
+            </a:gsLst>
+          </a:gradFill>
+        </p:spPr>
+        <p:style>
+          <a:lnRef idx="0">
+            <a:schemeClr val="accent5"/>
+          </a:lnRef>
+          <a:fillRef idx="3">
+            <a:schemeClr val="accent5"/>
+          </a:fillRef>
+          <a:effectRef idx="3">
+            <a:schemeClr val="accent5"/>
+          </a:effectRef>
+          <a:fontRef idx="minor">
+            <a:schemeClr val="lt1"/>
+          </a:fontRef>
+        </p:style>
+        <p:txBody>
+          <a:bodyPr rtlCol="0" anchor="ctr"/>
+          <a:lstStyle/>
+          <a:p>
+            <a:pPr algn="ctr"/>
+            <a:r>
+              <a:rPr lang="de-DE" dirty="0" err="1">
+                <a:latin typeface="Arial Rounded MT Bold" panose="020F0704030504030204" pitchFamily="34" charset="0"/>
+              </a:rPr>
+              <a:t>ViewModel</a:t>
+            </a:r>
+            <a:endParaRPr lang="de-DE" dirty="0">
+              <a:latin typeface="Arial Rounded MT Bold" panose="020F0704030504030204" pitchFamily="34" charset="0"/>
+            </a:endParaRPr>
+          </a:p>
+        </p:txBody>
+      </p:sp>
+      <p:sp>
+        <p:nvSpPr>
+          <p:cNvPr id="6" name="Rechteck 5"/>
+          <p:cNvSpPr/>
+          <p:nvPr/>
+        </p:nvSpPr>
+        <p:spPr>
+          <a:xfrm>
+            <a:off x="4137834" y="4152347"/>
+            <a:ext cx="1842052" cy="1020418"/>
+          </a:xfrm>
+          <a:prstGeom prst="rect">
+            <a:avLst/>
+          </a:prstGeom>
         </p:spPr>
         <p:style>
           <a:lnRef idx="0">
@@ -3272,52 +3341,6 @@
           <a:p>
             <a:pPr algn="ctr"/>
             <a:r>
-              <a:rPr lang="de-DE" dirty="0" err="1">
-                <a:latin typeface="Arial Rounded MT Bold" panose="020F0704030504030204" pitchFamily="34" charset="0"/>
-              </a:rPr>
-              <a:t>ViewModel</a:t>
-            </a:r>
-            <a:endParaRPr lang="de-DE" dirty="0">
-              <a:latin typeface="Arial Rounded MT Bold" panose="020F0704030504030204" pitchFamily="34" charset="0"/>
-            </a:endParaRPr>
-          </a:p>
-        </p:txBody>
-      </p:sp>
-      <p:sp>
-        <p:nvSpPr>
-          <p:cNvPr id="6" name="Rechteck 5"/>
-          <p:cNvSpPr/>
-          <p:nvPr/>
-        </p:nvSpPr>
-        <p:spPr>
-          <a:xfrm>
-            <a:off x="4137834" y="4152347"/>
-            <a:ext cx="1842052" cy="1020418"/>
-          </a:xfrm>
-          <a:prstGeom prst="rect">
-            <a:avLst/>
-          </a:prstGeom>
-        </p:spPr>
-        <p:style>
-          <a:lnRef idx="0">
-            <a:schemeClr val="accent2"/>
-          </a:lnRef>
-          <a:fillRef idx="3">
-            <a:schemeClr val="accent2"/>
-          </a:fillRef>
-          <a:effectRef idx="3">
-            <a:schemeClr val="accent2"/>
-          </a:effectRef>
-          <a:fontRef idx="minor">
-            <a:schemeClr val="lt1"/>
-          </a:fontRef>
-        </p:style>
-        <p:txBody>
-          <a:bodyPr rtlCol="0" anchor="ctr"/>
-          <a:lstStyle/>
-          <a:p>
-            <a:pPr algn="ctr"/>
-            <a:r>
               <a:rPr lang="de-DE" dirty="0">
                 <a:latin typeface="Arial Rounded MT Bold" panose="020F0704030504030204" pitchFamily="34" charset="0"/>
               </a:rPr>
@@ -3346,7 +3369,7 @@
           </a:prstGeom>
           <a:ln w="28575" cap="flat" cmpd="sng" algn="ctr">
             <a:solidFill>
-              <a:schemeClr val="accent1"/>
+              <a:schemeClr val="accent5"/>
             </a:solidFill>
             <a:prstDash val="solid"/>
             <a:round/>
@@ -3458,6 +3481,11 @@
             </a:avLst>
           </a:prstGeom>
           <a:ln>
+            <a:solidFill>
+              <a:schemeClr val="bg1">
+                <a:lumMod val="50000"/>
+              </a:schemeClr>
+            </a:solidFill>
             <a:tailEnd type="triangle"/>
           </a:ln>
         </p:spPr>
@@ -3494,7 +3522,10 @@
           </a:prstGeom>
           <a:ln w="28575">
             <a:solidFill>
-              <a:schemeClr val="accent6"/>
+              <a:schemeClr val="accent5">
+                <a:lumMod val="60000"/>
+                <a:lumOff val="40000"/>
+              </a:schemeClr>
             </a:solidFill>
             <a:tailEnd type="triangle"/>
           </a:ln>
@@ -3532,7 +3563,7 @@
           </a:prstGeom>
           <a:ln w="28575">
             <a:solidFill>
-              <a:schemeClr val="accent2"/>
+              <a:schemeClr val="accent6"/>
             </a:solidFill>
             <a:prstDash val="sysDash"/>
             <a:tailEnd type="triangle"/>
@@ -3627,6 +3658,11 @@
             </a:avLst>
           </a:prstGeom>
           <a:ln>
+            <a:solidFill>
+              <a:schemeClr val="bg1">
+                <a:lumMod val="50000"/>
+              </a:schemeClr>
+            </a:solidFill>
             <a:tailEnd type="triangle"/>
           </a:ln>
         </p:spPr>
@@ -3719,6 +3755,11 @@
             </a:avLst>
           </a:prstGeom>
           <a:ln>
+            <a:solidFill>
+              <a:schemeClr val="bg1">
+                <a:lumMod val="50000"/>
+              </a:schemeClr>
+            </a:solidFill>
             <a:tailEnd type="triangle"/>
           </a:ln>
         </p:spPr>
@@ -3761,7 +3802,7 @@
           </a:solidFill>
           <a:ln>
             <a:solidFill>
-              <a:schemeClr val="accent6"/>
+              <a:schemeClr val="accent5"/>
             </a:solidFill>
           </a:ln>
         </p:spPr>
@@ -3822,7 +3863,7 @@
           </a:solidFill>
           <a:ln>
             <a:solidFill>
-              <a:schemeClr val="accent2"/>
+              <a:schemeClr val="accent6"/>
             </a:solidFill>
           </a:ln>
         </p:spPr>
@@ -3883,7 +3924,7 @@
           </a:solidFill>
           <a:ln>
             <a:solidFill>
-              <a:schemeClr val="accent1"/>
+              <a:schemeClr val="accent5"/>
             </a:solidFill>
           </a:ln>
         </p:spPr>
@@ -3920,10 +3961,479 @@
           </a:p>
         </p:txBody>
       </p:sp>
+      <p:sp>
+        <p:nvSpPr>
+          <p:cNvPr id="63" name="Rechteck 62"/>
+          <p:cNvSpPr/>
+          <p:nvPr/>
+        </p:nvSpPr>
+        <p:spPr>
+          <a:xfrm>
+            <a:off x="1683658" y="638629"/>
+            <a:ext cx="6734629" cy="3175273"/>
+          </a:xfrm>
+          <a:prstGeom prst="rect">
+            <a:avLst/>
+          </a:prstGeom>
+          <a:noFill/>
+          <a:ln w="44450">
+            <a:solidFill>
+              <a:schemeClr val="accent5"/>
+            </a:solidFill>
+            <a:prstDash val="sysDash"/>
+          </a:ln>
+        </p:spPr>
+        <p:style>
+          <a:lnRef idx="2">
+            <a:schemeClr val="accent1">
+              <a:shade val="50000"/>
+            </a:schemeClr>
+          </a:lnRef>
+          <a:fillRef idx="1">
+            <a:schemeClr val="accent1"/>
+          </a:fillRef>
+          <a:effectRef idx="0">
+            <a:schemeClr val="accent1"/>
+          </a:effectRef>
+          <a:fontRef idx="minor">
+            <a:schemeClr val="lt1"/>
+          </a:fontRef>
+        </p:style>
+        <p:txBody>
+          <a:bodyPr rtlCol="0" anchor="t"/>
+          <a:lstStyle/>
+          <a:p>
+            <a:r>
+              <a:rPr lang="de-DE" sz="2000" dirty="0">
+                <a:solidFill>
+                  <a:schemeClr val="accent5"/>
+                </a:solidFill>
+                <a:latin typeface="Arial Rounded MT Bold" panose="020F0704030504030204" pitchFamily="34" charset="0"/>
+              </a:rPr>
+              <a:t>Präsentation</a:t>
+            </a:r>
+          </a:p>
+        </p:txBody>
+      </p:sp>
+      <p:sp>
+        <p:nvSpPr>
+          <p:cNvPr id="64" name="Rechteck 63"/>
+          <p:cNvSpPr/>
+          <p:nvPr/>
+        </p:nvSpPr>
+        <p:spPr>
+          <a:xfrm>
+            <a:off x="1683657" y="3812605"/>
+            <a:ext cx="6734629" cy="1443741"/>
+          </a:xfrm>
+          <a:prstGeom prst="rect">
+            <a:avLst/>
+          </a:prstGeom>
+          <a:noFill/>
+          <a:ln w="44450">
+            <a:solidFill>
+              <a:schemeClr val="accent6"/>
+            </a:solidFill>
+            <a:prstDash val="sysDash"/>
+          </a:ln>
+        </p:spPr>
+        <p:style>
+          <a:lnRef idx="2">
+            <a:schemeClr val="accent1">
+              <a:shade val="50000"/>
+            </a:schemeClr>
+          </a:lnRef>
+          <a:fillRef idx="1">
+            <a:schemeClr val="accent1"/>
+          </a:fillRef>
+          <a:effectRef idx="0">
+            <a:schemeClr val="accent1"/>
+          </a:effectRef>
+          <a:fontRef idx="minor">
+            <a:schemeClr val="lt1"/>
+          </a:fontRef>
+        </p:style>
+        <p:txBody>
+          <a:bodyPr rtlCol="0" anchor="t"/>
+          <a:lstStyle/>
+          <a:p>
+            <a:r>
+              <a:rPr lang="de-DE" sz="2000" dirty="0">
+                <a:solidFill>
+                  <a:schemeClr val="accent6"/>
+                </a:solidFill>
+                <a:latin typeface="Arial Rounded MT Bold" panose="020F0704030504030204" pitchFamily="34" charset="0"/>
+              </a:rPr>
+              <a:t>Business Logik</a:t>
+            </a:r>
+          </a:p>
+        </p:txBody>
+      </p:sp>
     </p:spTree>
     <p:extLst>
       <p:ext uri="{BB962C8B-B14F-4D97-AF65-F5344CB8AC3E}">
         <p14:creationId xmlns:p14="http://schemas.microsoft.com/office/powerpoint/2010/main" val="3782286617"/>
+      </p:ext>
+    </p:extLst>
+  </p:cSld>
+  <p:clrMapOvr>
+    <a:masterClrMapping/>
+  </p:clrMapOvr>
+</p:sld>
+</file>
+
+<file path=ppt/slides/slide3.xml><?xml version="1.0" encoding="utf-8"?>
+<p:sld xmlns:a="http://schemas.openxmlformats.org/drawingml/2006/main" xmlns:r="http://schemas.openxmlformats.org/officeDocument/2006/relationships" xmlns:p="http://schemas.openxmlformats.org/presentationml/2006/main">
+  <p:cSld>
+    <p:spTree>
+      <p:nvGrpSpPr>
+        <p:cNvPr id="1" name=""/>
+        <p:cNvGrpSpPr/>
+        <p:nvPr/>
+      </p:nvGrpSpPr>
+      <p:grpSpPr>
+        <a:xfrm>
+          <a:off x="0" y="0"/>
+          <a:ext cx="0" cy="0"/>
+          <a:chOff x="0" y="0"/>
+          <a:chExt cx="0" cy="0"/>
+        </a:xfrm>
+      </p:grpSpPr>
+      <p:sp>
+        <p:nvSpPr>
+          <p:cNvPr id="4" name="Rechteck 3"/>
+          <p:cNvSpPr/>
+          <p:nvPr/>
+        </p:nvSpPr>
+        <p:spPr>
+          <a:xfrm>
+            <a:off x="2207986" y="812800"/>
+            <a:ext cx="1611085" cy="812800"/>
+          </a:xfrm>
+          <a:prstGeom prst="rect">
+            <a:avLst/>
+          </a:prstGeom>
+        </p:spPr>
+        <p:style>
+          <a:lnRef idx="0">
+            <a:schemeClr val="accent5"/>
+          </a:lnRef>
+          <a:fillRef idx="3">
+            <a:schemeClr val="accent5"/>
+          </a:fillRef>
+          <a:effectRef idx="3">
+            <a:schemeClr val="accent5"/>
+          </a:effectRef>
+          <a:fontRef idx="minor">
+            <a:schemeClr val="lt1"/>
+          </a:fontRef>
+        </p:style>
+        <p:txBody>
+          <a:bodyPr rtlCol="0" anchor="ctr"/>
+          <a:lstStyle/>
+          <a:p>
+            <a:pPr algn="ctr"/>
+            <a:r>
+              <a:rPr lang="de-DE" dirty="0">
+                <a:latin typeface="Arial Rounded MT Bold" panose="020F0704030504030204" pitchFamily="34" charset="0"/>
+              </a:rPr>
+              <a:t>WPF-</a:t>
+            </a:r>
+            <a:r>
+              <a:rPr lang="de-DE" dirty="0" err="1">
+                <a:latin typeface="Arial Rounded MT Bold" panose="020F0704030504030204" pitchFamily="34" charset="0"/>
+              </a:rPr>
+              <a:t>ViewModel</a:t>
+            </a:r>
+            <a:endParaRPr lang="de-DE" dirty="0">
+              <a:latin typeface="Arial Rounded MT Bold" panose="020F0704030504030204" pitchFamily="34" charset="0"/>
+            </a:endParaRPr>
+          </a:p>
+        </p:txBody>
+      </p:sp>
+      <p:sp>
+        <p:nvSpPr>
+          <p:cNvPr id="5" name="Rechteck 4"/>
+          <p:cNvSpPr/>
+          <p:nvPr/>
+        </p:nvSpPr>
+        <p:spPr>
+          <a:xfrm>
+            <a:off x="4278086" y="812800"/>
+            <a:ext cx="1836057" cy="812800"/>
+          </a:xfrm>
+          <a:prstGeom prst="rect">
+            <a:avLst/>
+          </a:prstGeom>
+        </p:spPr>
+        <p:style>
+          <a:lnRef idx="0">
+            <a:schemeClr val="accent2"/>
+          </a:lnRef>
+          <a:fillRef idx="3">
+            <a:schemeClr val="accent2"/>
+          </a:fillRef>
+          <a:effectRef idx="3">
+            <a:schemeClr val="accent2"/>
+          </a:effectRef>
+          <a:fontRef idx="minor">
+            <a:schemeClr val="lt1"/>
+          </a:fontRef>
+        </p:style>
+        <p:txBody>
+          <a:bodyPr rtlCol="0" anchor="ctr"/>
+          <a:lstStyle/>
+          <a:p>
+            <a:pPr algn="ctr"/>
+            <a:r>
+              <a:rPr lang="de-DE" dirty="0">
+                <a:latin typeface="Arial Rounded MT Bold" panose="020F0704030504030204" pitchFamily="34" charset="0"/>
+              </a:rPr>
+              <a:t>&lt;&lt;</a:t>
+            </a:r>
+            <a:r>
+              <a:rPr lang="de-DE" dirty="0" err="1">
+                <a:latin typeface="Arial Rounded MT Bold" panose="020F0704030504030204" pitchFamily="34" charset="0"/>
+              </a:rPr>
+              <a:t>interface</a:t>
+            </a:r>
+            <a:r>
+              <a:rPr lang="de-DE" dirty="0">
+                <a:latin typeface="Arial Rounded MT Bold" panose="020F0704030504030204" pitchFamily="34" charset="0"/>
+              </a:rPr>
+              <a:t>&gt;&gt;</a:t>
+            </a:r>
+          </a:p>
+          <a:p>
+            <a:pPr algn="ctr"/>
+            <a:r>
+              <a:rPr lang="de-DE" dirty="0" err="1">
+                <a:latin typeface="Arial Rounded MT Bold" panose="020F0704030504030204" pitchFamily="34" charset="0"/>
+              </a:rPr>
+              <a:t>IRepository</a:t>
+            </a:r>
+            <a:endParaRPr lang="de-DE" dirty="0">
+              <a:latin typeface="Arial Rounded MT Bold" panose="020F0704030504030204" pitchFamily="34" charset="0"/>
+            </a:endParaRPr>
+          </a:p>
+        </p:txBody>
+      </p:sp>
+      <p:sp>
+        <p:nvSpPr>
+          <p:cNvPr id="6" name="Rechteck 5"/>
+          <p:cNvSpPr/>
+          <p:nvPr/>
+        </p:nvSpPr>
+        <p:spPr>
+          <a:xfrm>
+            <a:off x="2220688" y="2895600"/>
+            <a:ext cx="2808000" cy="812800"/>
+          </a:xfrm>
+          <a:prstGeom prst="rect">
+            <a:avLst/>
+          </a:prstGeom>
+        </p:spPr>
+        <p:style>
+          <a:lnRef idx="0">
+            <a:schemeClr val="accent2"/>
+          </a:lnRef>
+          <a:fillRef idx="3">
+            <a:schemeClr val="accent2"/>
+          </a:fillRef>
+          <a:effectRef idx="3">
+            <a:schemeClr val="accent2"/>
+          </a:effectRef>
+          <a:fontRef idx="minor">
+            <a:schemeClr val="lt1"/>
+          </a:fontRef>
+        </p:style>
+        <p:txBody>
+          <a:bodyPr rtlCol="0" anchor="ctr"/>
+          <a:lstStyle/>
+          <a:p>
+            <a:pPr algn="ctr"/>
+            <a:r>
+              <a:rPr lang="de-DE" dirty="0" err="1">
+                <a:latin typeface="Arial Rounded MT Bold" panose="020F0704030504030204" pitchFamily="34" charset="0"/>
+              </a:rPr>
+              <a:t>SensorDataRepository</a:t>
+            </a:r>
+            <a:endParaRPr lang="de-DE" dirty="0">
+              <a:latin typeface="Arial Rounded MT Bold" panose="020F0704030504030204" pitchFamily="34" charset="0"/>
+            </a:endParaRPr>
+          </a:p>
+        </p:txBody>
+      </p:sp>
+      <p:sp>
+        <p:nvSpPr>
+          <p:cNvPr id="7" name="Rechteck 6"/>
+          <p:cNvSpPr/>
+          <p:nvPr/>
+        </p:nvSpPr>
+        <p:spPr>
+          <a:xfrm>
+            <a:off x="5196115" y="2895600"/>
+            <a:ext cx="2808000" cy="812800"/>
+          </a:xfrm>
+          <a:prstGeom prst="rect">
+            <a:avLst/>
+          </a:prstGeom>
+        </p:spPr>
+        <p:style>
+          <a:lnRef idx="0">
+            <a:schemeClr val="accent2"/>
+          </a:lnRef>
+          <a:fillRef idx="3">
+            <a:schemeClr val="accent2"/>
+          </a:fillRef>
+          <a:effectRef idx="3">
+            <a:schemeClr val="accent2"/>
+          </a:effectRef>
+          <a:fontRef idx="minor">
+            <a:schemeClr val="lt1"/>
+          </a:fontRef>
+        </p:style>
+        <p:txBody>
+          <a:bodyPr rtlCol="0" anchor="ctr"/>
+          <a:lstStyle/>
+          <a:p>
+            <a:pPr algn="ctr"/>
+            <a:r>
+              <a:rPr lang="de-DE" dirty="0" err="1">
+                <a:latin typeface="Arial Rounded MT Bold" panose="020F0704030504030204" pitchFamily="34" charset="0"/>
+              </a:rPr>
+              <a:t>MockRepository</a:t>
+            </a:r>
+            <a:endParaRPr lang="de-DE" dirty="0">
+              <a:latin typeface="Arial Rounded MT Bold" panose="020F0704030504030204" pitchFamily="34" charset="0"/>
+            </a:endParaRPr>
+          </a:p>
+        </p:txBody>
+      </p:sp>
+      <p:cxnSp>
+        <p:nvCxnSpPr>
+          <p:cNvPr id="9" name="Gerade Verbindung mit Pfeil 8"/>
+          <p:cNvCxnSpPr>
+            <a:cxnSpLocks/>
+            <a:stCxn id="6" idx="0"/>
+            <a:endCxn id="5" idx="2"/>
+          </p:cNvCxnSpPr>
+          <p:nvPr/>
+        </p:nvCxnSpPr>
+        <p:spPr>
+          <a:xfrm flipV="1">
+            <a:off x="3624688" y="1625600"/>
+            <a:ext cx="1571427" cy="1270000"/>
+          </a:xfrm>
+          <a:prstGeom prst="straightConnector1">
+            <a:avLst/>
+          </a:prstGeom>
+          <a:ln w="28575">
+            <a:solidFill>
+              <a:schemeClr val="accent2"/>
+            </a:solidFill>
+            <a:tailEnd type="triangle" w="lg" len="lg"/>
+          </a:ln>
+        </p:spPr>
+        <p:style>
+          <a:lnRef idx="1">
+            <a:schemeClr val="accent1"/>
+          </a:lnRef>
+          <a:fillRef idx="0">
+            <a:schemeClr val="accent1"/>
+          </a:fillRef>
+          <a:effectRef idx="0">
+            <a:schemeClr val="accent1"/>
+          </a:effectRef>
+          <a:fontRef idx="minor">
+            <a:schemeClr val="tx1"/>
+          </a:fontRef>
+        </p:style>
+      </p:cxnSp>
+      <p:cxnSp>
+        <p:nvCxnSpPr>
+          <p:cNvPr id="11" name="Gerade Verbindung mit Pfeil 10"/>
+          <p:cNvCxnSpPr>
+            <a:cxnSpLocks/>
+            <a:stCxn id="7" idx="0"/>
+            <a:endCxn id="5" idx="2"/>
+          </p:cNvCxnSpPr>
+          <p:nvPr/>
+        </p:nvCxnSpPr>
+        <p:spPr>
+          <a:xfrm flipH="1" flipV="1">
+            <a:off x="5196115" y="1625600"/>
+            <a:ext cx="1404000" cy="1270000"/>
+          </a:xfrm>
+          <a:prstGeom prst="straightConnector1">
+            <a:avLst/>
+          </a:prstGeom>
+          <a:ln w="28575">
+            <a:solidFill>
+              <a:schemeClr val="accent2"/>
+            </a:solidFill>
+            <a:tailEnd type="triangle" w="lg" len="lg"/>
+          </a:ln>
+        </p:spPr>
+        <p:style>
+          <a:lnRef idx="1">
+            <a:schemeClr val="accent1"/>
+          </a:lnRef>
+          <a:fillRef idx="0">
+            <a:schemeClr val="accent1"/>
+          </a:fillRef>
+          <a:effectRef idx="0">
+            <a:schemeClr val="accent1"/>
+          </a:effectRef>
+          <a:fontRef idx="minor">
+            <a:schemeClr val="tx1"/>
+          </a:fontRef>
+        </p:style>
+      </p:cxnSp>
+      <p:cxnSp>
+        <p:nvCxnSpPr>
+          <p:cNvPr id="17" name="Gerade Verbindung mit Pfeil 16"/>
+          <p:cNvCxnSpPr>
+            <a:cxnSpLocks/>
+            <a:stCxn id="4" idx="3"/>
+            <a:endCxn id="5" idx="1"/>
+          </p:cNvCxnSpPr>
+          <p:nvPr/>
+        </p:nvCxnSpPr>
+        <p:spPr>
+          <a:xfrm>
+            <a:off x="3819071" y="1219200"/>
+            <a:ext cx="459015" cy="0"/>
+          </a:xfrm>
+          <a:prstGeom prst="straightConnector1">
+            <a:avLst/>
+          </a:prstGeom>
+          <a:ln w="28575">
+            <a:solidFill>
+              <a:schemeClr val="accent5"/>
+            </a:solidFill>
+            <a:tailEnd type="arrow" w="lg" len="lg"/>
+          </a:ln>
+        </p:spPr>
+        <p:style>
+          <a:lnRef idx="1">
+            <a:schemeClr val="accent1"/>
+          </a:lnRef>
+          <a:fillRef idx="0">
+            <a:schemeClr val="accent1"/>
+          </a:fillRef>
+          <a:effectRef idx="0">
+            <a:schemeClr val="accent1"/>
+          </a:effectRef>
+          <a:fontRef idx="minor">
+            <a:schemeClr val="tx1"/>
+          </a:fontRef>
+        </p:style>
+      </p:cxnSp>
+    </p:spTree>
+    <p:extLst>
+      <p:ext uri="{BB962C8B-B14F-4D97-AF65-F5344CB8AC3E}">
+        <p14:creationId xmlns:p14="http://schemas.microsoft.com/office/powerpoint/2010/main" val="647452769"/>
       </p:ext>
     </p:extLst>
   </p:cSld>

--- a/doc/gui/Bilder/Präsentation1.pptx
+++ b/doc/gui/Bilder/Präsentation1.pptx
@@ -8,6 +8,7 @@
     <p:sldId id="256" r:id="rId2"/>
     <p:sldId id="257" r:id="rId3"/>
     <p:sldId id="258" r:id="rId4"/>
+    <p:sldId id="259" r:id="rId5"/>
   </p:sldIdLst>
   <p:sldSz cx="12192000" cy="6858000"/>
   <p:notesSz cx="6858000" cy="9144000"/>
@@ -112,6 +113,4044 @@
     </p:ext>
   </p:extLst>
 </p:presentation>
+</file>
+
+<file path=ppt/diagrams/colors1.xml><?xml version="1.0" encoding="utf-8"?>
+<dgm:colorsDef xmlns:dgm="http://schemas.openxmlformats.org/drawingml/2006/diagram" xmlns:a="http://schemas.openxmlformats.org/drawingml/2006/main" uniqueId="urn:microsoft.com/office/officeart/2005/8/colors/accent1_2">
+  <dgm:title val=""/>
+  <dgm:desc val=""/>
+  <dgm:catLst>
+    <dgm:cat type="accent1" pri="11200"/>
+  </dgm:catLst>
+  <dgm:styleLbl name="node0">
+    <dgm:fillClrLst meth="repeat">
+      <a:schemeClr val="accent1"/>
+    </dgm:fillClrLst>
+    <dgm:linClrLst meth="repeat">
+      <a:schemeClr val="lt1"/>
+    </dgm:linClrLst>
+    <dgm:effectClrLst/>
+    <dgm:txLinClrLst/>
+    <dgm:txFillClrLst/>
+    <dgm:txEffectClrLst/>
+  </dgm:styleLbl>
+  <dgm:styleLbl name="alignNode1">
+    <dgm:fillClrLst meth="repeat">
+      <a:schemeClr val="accent1"/>
+    </dgm:fillClrLst>
+    <dgm:linClrLst meth="repeat">
+      <a:schemeClr val="accent1"/>
+    </dgm:linClrLst>
+    <dgm:effectClrLst/>
+    <dgm:txLinClrLst/>
+    <dgm:txFillClrLst/>
+    <dgm:txEffectClrLst/>
+  </dgm:styleLbl>
+  <dgm:styleLbl name="node1">
+    <dgm:fillClrLst meth="repeat">
+      <a:schemeClr val="accent1"/>
+    </dgm:fillClrLst>
+    <dgm:linClrLst meth="repeat">
+      <a:schemeClr val="lt1"/>
+    </dgm:linClrLst>
+    <dgm:effectClrLst/>
+    <dgm:txLinClrLst/>
+    <dgm:txFillClrLst/>
+    <dgm:txEffectClrLst/>
+  </dgm:styleLbl>
+  <dgm:styleLbl name="lnNode1">
+    <dgm:fillClrLst meth="repeat">
+      <a:schemeClr val="accent1"/>
+    </dgm:fillClrLst>
+    <dgm:linClrLst meth="repeat">
+      <a:schemeClr val="lt1"/>
+    </dgm:linClrLst>
+    <dgm:effectClrLst/>
+    <dgm:txLinClrLst/>
+    <dgm:txFillClrLst/>
+    <dgm:txEffectClrLst/>
+  </dgm:styleLbl>
+  <dgm:styleLbl name="vennNode1">
+    <dgm:fillClrLst meth="repeat">
+      <a:schemeClr val="accent1">
+        <a:alpha val="50000"/>
+      </a:schemeClr>
+    </dgm:fillClrLst>
+    <dgm:linClrLst meth="repeat">
+      <a:schemeClr val="lt1"/>
+    </dgm:linClrLst>
+    <dgm:effectClrLst/>
+    <dgm:txLinClrLst/>
+    <dgm:txFillClrLst/>
+    <dgm:txEffectClrLst/>
+  </dgm:styleLbl>
+  <dgm:styleLbl name="node2">
+    <dgm:fillClrLst meth="repeat">
+      <a:schemeClr val="accent1"/>
+    </dgm:fillClrLst>
+    <dgm:linClrLst meth="repeat">
+      <a:schemeClr val="lt1"/>
+    </dgm:linClrLst>
+    <dgm:effectClrLst/>
+    <dgm:txLinClrLst/>
+    <dgm:txFillClrLst/>
+    <dgm:txEffectClrLst/>
+  </dgm:styleLbl>
+  <dgm:styleLbl name="node3">
+    <dgm:fillClrLst meth="repeat">
+      <a:schemeClr val="accent1"/>
+    </dgm:fillClrLst>
+    <dgm:linClrLst meth="repeat">
+      <a:schemeClr val="lt1"/>
+    </dgm:linClrLst>
+    <dgm:effectClrLst/>
+    <dgm:txLinClrLst/>
+    <dgm:txFillClrLst/>
+    <dgm:txEffectClrLst/>
+  </dgm:styleLbl>
+  <dgm:styleLbl name="node4">
+    <dgm:fillClrLst meth="repeat">
+      <a:schemeClr val="accent1"/>
+    </dgm:fillClrLst>
+    <dgm:linClrLst meth="repeat">
+      <a:schemeClr val="lt1"/>
+    </dgm:linClrLst>
+    <dgm:effectClrLst/>
+    <dgm:txLinClrLst/>
+    <dgm:txFillClrLst/>
+    <dgm:txEffectClrLst/>
+  </dgm:styleLbl>
+  <dgm:styleLbl name="fgImgPlace1">
+    <dgm:fillClrLst meth="repeat">
+      <a:schemeClr val="accent1">
+        <a:tint val="50000"/>
+      </a:schemeClr>
+    </dgm:fillClrLst>
+    <dgm:linClrLst meth="repeat">
+      <a:schemeClr val="lt1"/>
+    </dgm:linClrLst>
+    <dgm:effectClrLst/>
+    <dgm:txLinClrLst/>
+    <dgm:txFillClrLst meth="repeat">
+      <a:schemeClr val="lt1"/>
+    </dgm:txFillClrLst>
+    <dgm:txEffectClrLst/>
+  </dgm:styleLbl>
+  <dgm:styleLbl name="alignImgPlace1">
+    <dgm:fillClrLst meth="repeat">
+      <a:schemeClr val="accent1">
+        <a:tint val="50000"/>
+      </a:schemeClr>
+    </dgm:fillClrLst>
+    <dgm:linClrLst meth="repeat">
+      <a:schemeClr val="lt1"/>
+    </dgm:linClrLst>
+    <dgm:effectClrLst/>
+    <dgm:txLinClrLst/>
+    <dgm:txFillClrLst meth="repeat">
+      <a:schemeClr val="lt1"/>
+    </dgm:txFillClrLst>
+    <dgm:txEffectClrLst/>
+  </dgm:styleLbl>
+  <dgm:styleLbl name="bgImgPlace1">
+    <dgm:fillClrLst meth="repeat">
+      <a:schemeClr val="accent1">
+        <a:tint val="50000"/>
+      </a:schemeClr>
+    </dgm:fillClrLst>
+    <dgm:linClrLst meth="repeat">
+      <a:schemeClr val="lt1"/>
+    </dgm:linClrLst>
+    <dgm:effectClrLst/>
+    <dgm:txLinClrLst/>
+    <dgm:txFillClrLst meth="repeat">
+      <a:schemeClr val="lt1"/>
+    </dgm:txFillClrLst>
+    <dgm:txEffectClrLst/>
+  </dgm:styleLbl>
+  <dgm:styleLbl name="sibTrans2D1">
+    <dgm:fillClrLst meth="repeat">
+      <a:schemeClr val="accent1">
+        <a:tint val="60000"/>
+      </a:schemeClr>
+    </dgm:fillClrLst>
+    <dgm:linClrLst meth="repeat">
+      <a:schemeClr val="accent1">
+        <a:tint val="60000"/>
+      </a:schemeClr>
+    </dgm:linClrLst>
+    <dgm:effectClrLst/>
+    <dgm:txLinClrLst/>
+    <dgm:txFillClrLst/>
+    <dgm:txEffectClrLst/>
+  </dgm:styleLbl>
+  <dgm:styleLbl name="fgSibTrans2D1">
+    <dgm:fillClrLst meth="repeat">
+      <a:schemeClr val="accent1">
+        <a:tint val="60000"/>
+      </a:schemeClr>
+    </dgm:fillClrLst>
+    <dgm:linClrLst meth="repeat">
+      <a:schemeClr val="accent1">
+        <a:tint val="60000"/>
+      </a:schemeClr>
+    </dgm:linClrLst>
+    <dgm:effectClrLst/>
+    <dgm:txLinClrLst/>
+    <dgm:txFillClrLst/>
+    <dgm:txEffectClrLst/>
+  </dgm:styleLbl>
+  <dgm:styleLbl name="bgSibTrans2D1">
+    <dgm:fillClrLst meth="repeat">
+      <a:schemeClr val="accent1">
+        <a:tint val="60000"/>
+      </a:schemeClr>
+    </dgm:fillClrLst>
+    <dgm:linClrLst meth="repeat">
+      <a:schemeClr val="accent1">
+        <a:tint val="60000"/>
+      </a:schemeClr>
+    </dgm:linClrLst>
+    <dgm:effectClrLst/>
+    <dgm:txLinClrLst/>
+    <dgm:txFillClrLst/>
+    <dgm:txEffectClrLst/>
+  </dgm:styleLbl>
+  <dgm:styleLbl name="sibTrans1D1">
+    <dgm:fillClrLst meth="repeat">
+      <a:schemeClr val="accent1"/>
+    </dgm:fillClrLst>
+    <dgm:linClrLst meth="repeat">
+      <a:schemeClr val="accent1"/>
+    </dgm:linClrLst>
+    <dgm:effectClrLst/>
+    <dgm:txLinClrLst/>
+    <dgm:txFillClrLst meth="repeat">
+      <a:schemeClr val="tx1"/>
+    </dgm:txFillClrLst>
+    <dgm:txEffectClrLst/>
+  </dgm:styleLbl>
+  <dgm:styleLbl name="callout">
+    <dgm:fillClrLst meth="repeat">
+      <a:schemeClr val="accent1"/>
+    </dgm:fillClrLst>
+    <dgm:linClrLst meth="repeat">
+      <a:schemeClr val="accent1">
+        <a:tint val="50000"/>
+      </a:schemeClr>
+    </dgm:linClrLst>
+    <dgm:effectClrLst/>
+    <dgm:txLinClrLst/>
+    <dgm:txFillClrLst meth="repeat">
+      <a:schemeClr val="tx1"/>
+    </dgm:txFillClrLst>
+    <dgm:txEffectClrLst/>
+  </dgm:styleLbl>
+  <dgm:styleLbl name="asst0">
+    <dgm:fillClrLst meth="repeat">
+      <a:schemeClr val="accent1"/>
+    </dgm:fillClrLst>
+    <dgm:linClrLst meth="repeat">
+      <a:schemeClr val="lt1"/>
+    </dgm:linClrLst>
+    <dgm:effectClrLst/>
+    <dgm:txLinClrLst/>
+    <dgm:txFillClrLst/>
+    <dgm:txEffectClrLst/>
+  </dgm:styleLbl>
+  <dgm:styleLbl name="asst1">
+    <dgm:fillClrLst meth="repeat">
+      <a:schemeClr val="accent1"/>
+    </dgm:fillClrLst>
+    <dgm:linClrLst meth="repeat">
+      <a:schemeClr val="lt1"/>
+    </dgm:linClrLst>
+    <dgm:effectClrLst/>
+    <dgm:txLinClrLst/>
+    <dgm:txFillClrLst/>
+    <dgm:txEffectClrLst/>
+  </dgm:styleLbl>
+  <dgm:styleLbl name="asst2">
+    <dgm:fillClrLst meth="repeat">
+      <a:schemeClr val="accent1"/>
+    </dgm:fillClrLst>
+    <dgm:linClrLst meth="repeat">
+      <a:schemeClr val="lt1"/>
+    </dgm:linClrLst>
+    <dgm:effectClrLst/>
+    <dgm:txLinClrLst/>
+    <dgm:txFillClrLst/>
+    <dgm:txEffectClrLst/>
+  </dgm:styleLbl>
+  <dgm:styleLbl name="asst3">
+    <dgm:fillClrLst meth="repeat">
+      <a:schemeClr val="accent1"/>
+    </dgm:fillClrLst>
+    <dgm:linClrLst meth="repeat">
+      <a:schemeClr val="lt1"/>
+    </dgm:linClrLst>
+    <dgm:effectClrLst/>
+    <dgm:txLinClrLst/>
+    <dgm:txFillClrLst/>
+    <dgm:txEffectClrLst/>
+  </dgm:styleLbl>
+  <dgm:styleLbl name="asst4">
+    <dgm:fillClrLst meth="repeat">
+      <a:schemeClr val="accent1"/>
+    </dgm:fillClrLst>
+    <dgm:linClrLst meth="repeat">
+      <a:schemeClr val="lt1"/>
+    </dgm:linClrLst>
+    <dgm:effectClrLst/>
+    <dgm:txLinClrLst/>
+    <dgm:txFillClrLst/>
+    <dgm:txEffectClrLst/>
+  </dgm:styleLbl>
+  <dgm:styleLbl name="parChTrans2D1">
+    <dgm:fillClrLst meth="repeat">
+      <a:schemeClr val="accent1">
+        <a:tint val="60000"/>
+      </a:schemeClr>
+    </dgm:fillClrLst>
+    <dgm:linClrLst meth="repeat">
+      <a:schemeClr val="accent1">
+        <a:tint val="60000"/>
+      </a:schemeClr>
+    </dgm:linClrLst>
+    <dgm:effectClrLst/>
+    <dgm:txLinClrLst/>
+    <dgm:txFillClrLst meth="repeat">
+      <a:schemeClr val="lt1"/>
+    </dgm:txFillClrLst>
+    <dgm:txEffectClrLst/>
+  </dgm:styleLbl>
+  <dgm:styleLbl name="parChTrans2D2">
+    <dgm:fillClrLst meth="repeat">
+      <a:schemeClr val="accent1"/>
+    </dgm:fillClrLst>
+    <dgm:linClrLst meth="repeat">
+      <a:schemeClr val="accent1"/>
+    </dgm:linClrLst>
+    <dgm:effectClrLst/>
+    <dgm:txLinClrLst/>
+    <dgm:txFillClrLst meth="repeat">
+      <a:schemeClr val="lt1"/>
+    </dgm:txFillClrLst>
+    <dgm:txEffectClrLst/>
+  </dgm:styleLbl>
+  <dgm:styleLbl name="parChTrans2D3">
+    <dgm:fillClrLst meth="repeat">
+      <a:schemeClr val="accent1"/>
+    </dgm:fillClrLst>
+    <dgm:linClrLst meth="repeat">
+      <a:schemeClr val="accent1"/>
+    </dgm:linClrLst>
+    <dgm:effectClrLst/>
+    <dgm:txLinClrLst/>
+    <dgm:txFillClrLst meth="repeat">
+      <a:schemeClr val="lt1"/>
+    </dgm:txFillClrLst>
+    <dgm:txEffectClrLst/>
+  </dgm:styleLbl>
+  <dgm:styleLbl name="parChTrans2D4">
+    <dgm:fillClrLst meth="repeat">
+      <a:schemeClr val="accent1"/>
+    </dgm:fillClrLst>
+    <dgm:linClrLst meth="repeat">
+      <a:schemeClr val="accent1"/>
+    </dgm:linClrLst>
+    <dgm:effectClrLst/>
+    <dgm:txLinClrLst/>
+    <dgm:txFillClrLst meth="repeat">
+      <a:schemeClr val="lt1"/>
+    </dgm:txFillClrLst>
+    <dgm:txEffectClrLst/>
+  </dgm:styleLbl>
+  <dgm:styleLbl name="parChTrans1D1">
+    <dgm:fillClrLst meth="repeat">
+      <a:schemeClr val="accent1"/>
+    </dgm:fillClrLst>
+    <dgm:linClrLst meth="repeat">
+      <a:schemeClr val="accent1">
+        <a:shade val="60000"/>
+      </a:schemeClr>
+    </dgm:linClrLst>
+    <dgm:effectClrLst/>
+    <dgm:txLinClrLst/>
+    <dgm:txFillClrLst meth="repeat">
+      <a:schemeClr val="tx1"/>
+    </dgm:txFillClrLst>
+    <dgm:txEffectClrLst/>
+  </dgm:styleLbl>
+  <dgm:styleLbl name="parChTrans1D2">
+    <dgm:fillClrLst meth="repeat">
+      <a:schemeClr val="accent1"/>
+    </dgm:fillClrLst>
+    <dgm:linClrLst meth="repeat">
+      <a:schemeClr val="accent1">
+        <a:shade val="60000"/>
+      </a:schemeClr>
+    </dgm:linClrLst>
+    <dgm:effectClrLst/>
+    <dgm:txLinClrLst/>
+    <dgm:txFillClrLst meth="repeat">
+      <a:schemeClr val="tx1"/>
+    </dgm:txFillClrLst>
+    <dgm:txEffectClrLst/>
+  </dgm:styleLbl>
+  <dgm:styleLbl name="parChTrans1D3">
+    <dgm:fillClrLst meth="repeat">
+      <a:schemeClr val="accent1"/>
+    </dgm:fillClrLst>
+    <dgm:linClrLst meth="repeat">
+      <a:schemeClr val="accent1">
+        <a:shade val="80000"/>
+      </a:schemeClr>
+    </dgm:linClrLst>
+    <dgm:effectClrLst/>
+    <dgm:txLinClrLst/>
+    <dgm:txFillClrLst meth="repeat">
+      <a:schemeClr val="tx1"/>
+    </dgm:txFillClrLst>
+    <dgm:txEffectClrLst/>
+  </dgm:styleLbl>
+  <dgm:styleLbl name="parChTrans1D4">
+    <dgm:fillClrLst meth="repeat">
+      <a:schemeClr val="accent1"/>
+    </dgm:fillClrLst>
+    <dgm:linClrLst meth="repeat">
+      <a:schemeClr val="accent1">
+        <a:shade val="80000"/>
+      </a:schemeClr>
+    </dgm:linClrLst>
+    <dgm:effectClrLst/>
+    <dgm:txLinClrLst/>
+    <dgm:txFillClrLst meth="repeat">
+      <a:schemeClr val="tx1"/>
+    </dgm:txFillClrLst>
+    <dgm:txEffectClrLst/>
+  </dgm:styleLbl>
+  <dgm:styleLbl name="fgAcc1">
+    <dgm:fillClrLst meth="repeat">
+      <a:schemeClr val="lt1">
+        <a:alpha val="90000"/>
+      </a:schemeClr>
+    </dgm:fillClrLst>
+    <dgm:linClrLst meth="repeat">
+      <a:schemeClr val="accent1"/>
+    </dgm:linClrLst>
+    <dgm:effectClrLst/>
+    <dgm:txLinClrLst/>
+    <dgm:txFillClrLst meth="repeat">
+      <a:schemeClr val="dk1"/>
+    </dgm:txFillClrLst>
+    <dgm:txEffectClrLst/>
+  </dgm:styleLbl>
+  <dgm:styleLbl name="conFgAcc1">
+    <dgm:fillClrLst meth="repeat">
+      <a:schemeClr val="lt1">
+        <a:alpha val="90000"/>
+      </a:schemeClr>
+    </dgm:fillClrLst>
+    <dgm:linClrLst meth="repeat">
+      <a:schemeClr val="accent1"/>
+    </dgm:linClrLst>
+    <dgm:effectClrLst/>
+    <dgm:txLinClrLst/>
+    <dgm:txFillClrLst meth="repeat">
+      <a:schemeClr val="dk1"/>
+    </dgm:txFillClrLst>
+    <dgm:txEffectClrLst/>
+  </dgm:styleLbl>
+  <dgm:styleLbl name="alignAcc1">
+    <dgm:fillClrLst meth="repeat">
+      <a:schemeClr val="lt1">
+        <a:alpha val="90000"/>
+      </a:schemeClr>
+    </dgm:fillClrLst>
+    <dgm:linClrLst meth="repeat">
+      <a:schemeClr val="accent1"/>
+    </dgm:linClrLst>
+    <dgm:effectClrLst/>
+    <dgm:txLinClrLst/>
+    <dgm:txFillClrLst meth="repeat">
+      <a:schemeClr val="dk1"/>
+    </dgm:txFillClrLst>
+    <dgm:txEffectClrLst/>
+  </dgm:styleLbl>
+  <dgm:styleLbl name="trAlignAcc1">
+    <dgm:fillClrLst meth="repeat">
+      <a:schemeClr val="lt1">
+        <a:alpha val="40000"/>
+      </a:schemeClr>
+    </dgm:fillClrLst>
+    <dgm:linClrLst meth="repeat">
+      <a:schemeClr val="accent1"/>
+    </dgm:linClrLst>
+    <dgm:effectClrLst/>
+    <dgm:txLinClrLst/>
+    <dgm:txFillClrLst meth="repeat">
+      <a:schemeClr val="dk1"/>
+    </dgm:txFillClrLst>
+    <dgm:txEffectClrLst/>
+  </dgm:styleLbl>
+  <dgm:styleLbl name="bgAcc1">
+    <dgm:fillClrLst meth="repeat">
+      <a:schemeClr val="lt1">
+        <a:alpha val="90000"/>
+      </a:schemeClr>
+    </dgm:fillClrLst>
+    <dgm:linClrLst meth="repeat">
+      <a:schemeClr val="accent1"/>
+    </dgm:linClrLst>
+    <dgm:effectClrLst/>
+    <dgm:txLinClrLst/>
+    <dgm:txFillClrLst meth="repeat">
+      <a:schemeClr val="dk1"/>
+    </dgm:txFillClrLst>
+    <dgm:txEffectClrLst/>
+  </dgm:styleLbl>
+  <dgm:styleLbl name="solidFgAcc1">
+    <dgm:fillClrLst meth="repeat">
+      <a:schemeClr val="lt1"/>
+    </dgm:fillClrLst>
+    <dgm:linClrLst meth="repeat">
+      <a:schemeClr val="accent1"/>
+    </dgm:linClrLst>
+    <dgm:effectClrLst/>
+    <dgm:txLinClrLst/>
+    <dgm:txFillClrLst meth="repeat">
+      <a:schemeClr val="dk1"/>
+    </dgm:txFillClrLst>
+    <dgm:txEffectClrLst/>
+  </dgm:styleLbl>
+  <dgm:styleLbl name="solidAlignAcc1">
+    <dgm:fillClrLst meth="repeat">
+      <a:schemeClr val="lt1"/>
+    </dgm:fillClrLst>
+    <dgm:linClrLst meth="repeat">
+      <a:schemeClr val="accent1"/>
+    </dgm:linClrLst>
+    <dgm:effectClrLst/>
+    <dgm:txLinClrLst/>
+    <dgm:txFillClrLst meth="repeat">
+      <a:schemeClr val="dk1"/>
+    </dgm:txFillClrLst>
+    <dgm:txEffectClrLst/>
+  </dgm:styleLbl>
+  <dgm:styleLbl name="solidBgAcc1">
+    <dgm:fillClrLst meth="repeat">
+      <a:schemeClr val="lt1"/>
+    </dgm:fillClrLst>
+    <dgm:linClrLst meth="repeat">
+      <a:schemeClr val="accent1"/>
+    </dgm:linClrLst>
+    <dgm:effectClrLst/>
+    <dgm:txLinClrLst/>
+    <dgm:txFillClrLst meth="repeat">
+      <a:schemeClr val="dk1"/>
+    </dgm:txFillClrLst>
+    <dgm:txEffectClrLst/>
+  </dgm:styleLbl>
+  <dgm:styleLbl name="fgAccFollowNode1">
+    <dgm:fillClrLst meth="repeat">
+      <a:schemeClr val="accent1">
+        <a:alpha val="90000"/>
+        <a:tint val="40000"/>
+      </a:schemeClr>
+    </dgm:fillClrLst>
+    <dgm:linClrLst meth="repeat">
+      <a:schemeClr val="accent1">
+        <a:alpha val="90000"/>
+        <a:tint val="40000"/>
+      </a:schemeClr>
+    </dgm:linClrLst>
+    <dgm:effectClrLst/>
+    <dgm:txLinClrLst/>
+    <dgm:txFillClrLst meth="repeat">
+      <a:schemeClr val="dk1"/>
+    </dgm:txFillClrLst>
+    <dgm:txEffectClrLst/>
+  </dgm:styleLbl>
+  <dgm:styleLbl name="alignAccFollowNode1">
+    <dgm:fillClrLst meth="repeat">
+      <a:schemeClr val="accent1">
+        <a:alpha val="90000"/>
+        <a:tint val="40000"/>
+      </a:schemeClr>
+    </dgm:fillClrLst>
+    <dgm:linClrLst meth="repeat">
+      <a:schemeClr val="accent1">
+        <a:alpha val="90000"/>
+        <a:tint val="40000"/>
+      </a:schemeClr>
+    </dgm:linClrLst>
+    <dgm:effectClrLst/>
+    <dgm:txLinClrLst/>
+    <dgm:txFillClrLst meth="repeat">
+      <a:schemeClr val="dk1"/>
+    </dgm:txFillClrLst>
+    <dgm:txEffectClrLst/>
+  </dgm:styleLbl>
+  <dgm:styleLbl name="bgAccFollowNode1">
+    <dgm:fillClrLst meth="repeat">
+      <a:schemeClr val="accent1">
+        <a:alpha val="90000"/>
+        <a:tint val="40000"/>
+      </a:schemeClr>
+    </dgm:fillClrLst>
+    <dgm:linClrLst meth="repeat">
+      <a:schemeClr val="accent1">
+        <a:alpha val="90000"/>
+        <a:tint val="40000"/>
+      </a:schemeClr>
+    </dgm:linClrLst>
+    <dgm:effectClrLst/>
+    <dgm:txLinClrLst/>
+    <dgm:txFillClrLst meth="repeat">
+      <a:schemeClr val="dk1"/>
+    </dgm:txFillClrLst>
+    <dgm:txEffectClrLst/>
+  </dgm:styleLbl>
+  <dgm:styleLbl name="fgAcc0">
+    <dgm:fillClrLst meth="repeat">
+      <a:schemeClr val="lt1">
+        <a:alpha val="90000"/>
+      </a:schemeClr>
+    </dgm:fillClrLst>
+    <dgm:linClrLst meth="repeat">
+      <a:schemeClr val="accent1"/>
+    </dgm:linClrLst>
+    <dgm:effectClrLst/>
+    <dgm:txLinClrLst/>
+    <dgm:txFillClrLst meth="repeat">
+      <a:schemeClr val="dk1"/>
+    </dgm:txFillClrLst>
+    <dgm:txEffectClrLst/>
+  </dgm:styleLbl>
+  <dgm:styleLbl name="fgAcc2">
+    <dgm:fillClrLst meth="repeat">
+      <a:schemeClr val="lt1">
+        <a:alpha val="90000"/>
+      </a:schemeClr>
+    </dgm:fillClrLst>
+    <dgm:linClrLst meth="repeat">
+      <a:schemeClr val="accent1"/>
+    </dgm:linClrLst>
+    <dgm:effectClrLst/>
+    <dgm:txLinClrLst/>
+    <dgm:txFillClrLst meth="repeat">
+      <a:schemeClr val="dk1"/>
+    </dgm:txFillClrLst>
+    <dgm:txEffectClrLst/>
+  </dgm:styleLbl>
+  <dgm:styleLbl name="fgAcc3">
+    <dgm:fillClrLst meth="repeat">
+      <a:schemeClr val="lt1">
+        <a:alpha val="90000"/>
+      </a:schemeClr>
+    </dgm:fillClrLst>
+    <dgm:linClrLst meth="repeat">
+      <a:schemeClr val="accent1"/>
+    </dgm:linClrLst>
+    <dgm:effectClrLst/>
+    <dgm:txLinClrLst/>
+    <dgm:txFillClrLst meth="repeat">
+      <a:schemeClr val="dk1"/>
+    </dgm:txFillClrLst>
+    <dgm:txEffectClrLst/>
+  </dgm:styleLbl>
+  <dgm:styleLbl name="fgAcc4">
+    <dgm:fillClrLst meth="repeat">
+      <a:schemeClr val="lt1">
+        <a:alpha val="90000"/>
+      </a:schemeClr>
+    </dgm:fillClrLst>
+    <dgm:linClrLst meth="repeat">
+      <a:schemeClr val="accent1"/>
+    </dgm:linClrLst>
+    <dgm:effectClrLst/>
+    <dgm:txLinClrLst/>
+    <dgm:txFillClrLst meth="repeat">
+      <a:schemeClr val="dk1"/>
+    </dgm:txFillClrLst>
+    <dgm:txEffectClrLst/>
+  </dgm:styleLbl>
+  <dgm:styleLbl name="bgShp">
+    <dgm:fillClrLst meth="repeat">
+      <a:schemeClr val="accent1">
+        <a:tint val="40000"/>
+      </a:schemeClr>
+    </dgm:fillClrLst>
+    <dgm:linClrLst meth="repeat">
+      <a:schemeClr val="accent1"/>
+    </dgm:linClrLst>
+    <dgm:effectClrLst/>
+    <dgm:txLinClrLst/>
+    <dgm:txFillClrLst meth="repeat">
+      <a:schemeClr val="dk1"/>
+    </dgm:txFillClrLst>
+    <dgm:txEffectClrLst/>
+  </dgm:styleLbl>
+  <dgm:styleLbl name="dkBgShp">
+    <dgm:fillClrLst meth="repeat">
+      <a:schemeClr val="accent1">
+        <a:shade val="80000"/>
+      </a:schemeClr>
+    </dgm:fillClrLst>
+    <dgm:linClrLst meth="repeat">
+      <a:schemeClr val="accent1"/>
+    </dgm:linClrLst>
+    <dgm:effectClrLst/>
+    <dgm:txLinClrLst/>
+    <dgm:txFillClrLst meth="repeat">
+      <a:schemeClr val="lt1"/>
+    </dgm:txFillClrLst>
+    <dgm:txEffectClrLst/>
+  </dgm:styleLbl>
+  <dgm:styleLbl name="trBgShp">
+    <dgm:fillClrLst meth="repeat">
+      <a:schemeClr val="accent1">
+        <a:tint val="50000"/>
+        <a:alpha val="40000"/>
+      </a:schemeClr>
+    </dgm:fillClrLst>
+    <dgm:linClrLst meth="repeat">
+      <a:schemeClr val="accent1"/>
+    </dgm:linClrLst>
+    <dgm:effectClrLst/>
+    <dgm:txLinClrLst/>
+    <dgm:txFillClrLst meth="repeat">
+      <a:schemeClr val="lt1"/>
+    </dgm:txFillClrLst>
+    <dgm:txEffectClrLst/>
+  </dgm:styleLbl>
+  <dgm:styleLbl name="fgShp">
+    <dgm:fillClrLst meth="repeat">
+      <a:schemeClr val="accent1">
+        <a:tint val="60000"/>
+      </a:schemeClr>
+    </dgm:fillClrLst>
+    <dgm:linClrLst meth="repeat">
+      <a:schemeClr val="lt1"/>
+    </dgm:linClrLst>
+    <dgm:effectClrLst/>
+    <dgm:txLinClrLst/>
+    <dgm:txFillClrLst meth="repeat">
+      <a:schemeClr val="dk1"/>
+    </dgm:txFillClrLst>
+    <dgm:txEffectClrLst/>
+  </dgm:styleLbl>
+  <dgm:styleLbl name="revTx">
+    <dgm:fillClrLst meth="repeat">
+      <a:schemeClr val="lt1">
+        <a:alpha val="0"/>
+      </a:schemeClr>
+    </dgm:fillClrLst>
+    <dgm:linClrLst meth="repeat">
+      <a:schemeClr val="dk1">
+        <a:alpha val="0"/>
+      </a:schemeClr>
+    </dgm:linClrLst>
+    <dgm:effectClrLst/>
+    <dgm:txLinClrLst/>
+    <dgm:txFillClrLst meth="repeat">
+      <a:schemeClr val="tx1"/>
+    </dgm:txFillClrLst>
+    <dgm:txEffectClrLst/>
+  </dgm:styleLbl>
+</dgm:colorsDef>
+</file>
+
+<file path=ppt/diagrams/data1.xml><?xml version="1.0" encoding="utf-8"?>
+<dgm:dataModel xmlns:dgm="http://schemas.openxmlformats.org/drawingml/2006/diagram" xmlns:a="http://schemas.openxmlformats.org/drawingml/2006/main">
+  <dgm:ptLst>
+    <dgm:pt modelId="{2F058922-472F-4CEA-AB5B-5B82067F8782}" type="doc">
+      <dgm:prSet loTypeId="urn:microsoft.com/office/officeart/2005/8/layout/arrow2" loCatId="process" qsTypeId="urn:microsoft.com/office/officeart/2005/8/quickstyle/simple1" qsCatId="simple" csTypeId="urn:microsoft.com/office/officeart/2005/8/colors/accent1_2" csCatId="accent1" phldr="1"/>
+      <dgm:spPr/>
+    </dgm:pt>
+    <dgm:pt modelId="{2A486A22-4B4C-43D9-9B49-5ECD17476EE8}">
+      <dgm:prSet phldrT="[Text]" custT="1"/>
+      <dgm:spPr/>
+      <dgm:t>
+        <a:bodyPr/>
+        <a:lstStyle/>
+        <a:p>
+          <a:r>
+            <a:rPr lang="de-DE" sz="2800" dirty="0">
+              <a:latin typeface="Arial Rounded MT Bold" panose="020F0704030504030204" pitchFamily="34" charset="0"/>
+            </a:rPr>
+            <a:t>Vergangenheit</a:t>
+          </a:r>
+          <a:endParaRPr lang="de-DE" sz="3600" dirty="0">
+            <a:latin typeface="Arial Rounded MT Bold" panose="020F0704030504030204" pitchFamily="34" charset="0"/>
+          </a:endParaRPr>
+        </a:p>
+      </dgm:t>
+    </dgm:pt>
+    <dgm:pt modelId="{2BD90EB0-FFBD-4964-88DB-F4D7A9440B1D}" type="parTrans" cxnId="{C5F25B8A-6299-4E68-9A3E-BD63FAA2AD66}">
+      <dgm:prSet/>
+      <dgm:spPr/>
+      <dgm:t>
+        <a:bodyPr/>
+        <a:lstStyle/>
+        <a:p>
+          <a:endParaRPr lang="de-DE"/>
+        </a:p>
+      </dgm:t>
+    </dgm:pt>
+    <dgm:pt modelId="{5A61ACAF-00FA-43B6-91D7-AE9B1C73519F}" type="sibTrans" cxnId="{C5F25B8A-6299-4E68-9A3E-BD63FAA2AD66}">
+      <dgm:prSet/>
+      <dgm:spPr/>
+      <dgm:t>
+        <a:bodyPr/>
+        <a:lstStyle/>
+        <a:p>
+          <a:endParaRPr lang="de-DE"/>
+        </a:p>
+      </dgm:t>
+    </dgm:pt>
+    <dgm:pt modelId="{BEAEC00F-C405-4855-BB98-4E8677A2EA4F}">
+      <dgm:prSet phldrT="[Text]" custT="1"/>
+      <dgm:spPr/>
+      <dgm:t>
+        <a:bodyPr/>
+        <a:lstStyle/>
+        <a:p>
+          <a:r>
+            <a:rPr lang="de-DE" sz="3200" dirty="0">
+              <a:latin typeface="Arial Rounded MT Bold" panose="020F0704030504030204" pitchFamily="34" charset="0"/>
+            </a:rPr>
+            <a:t>Gegenwart</a:t>
+          </a:r>
+          <a:endParaRPr lang="de-DE" sz="3600" dirty="0">
+            <a:latin typeface="Arial Rounded MT Bold" panose="020F0704030504030204" pitchFamily="34" charset="0"/>
+          </a:endParaRPr>
+        </a:p>
+      </dgm:t>
+    </dgm:pt>
+    <dgm:pt modelId="{2C28254B-CD35-48D9-8007-37433E8B8D8C}" type="parTrans" cxnId="{75EA5697-E4BF-4FE4-A201-444B1693185B}">
+      <dgm:prSet/>
+      <dgm:spPr/>
+      <dgm:t>
+        <a:bodyPr/>
+        <a:lstStyle/>
+        <a:p>
+          <a:endParaRPr lang="de-DE"/>
+        </a:p>
+      </dgm:t>
+    </dgm:pt>
+    <dgm:pt modelId="{ACA82496-7502-4099-BF6F-AFDCE68B7B58}" type="sibTrans" cxnId="{75EA5697-E4BF-4FE4-A201-444B1693185B}">
+      <dgm:prSet/>
+      <dgm:spPr/>
+      <dgm:t>
+        <a:bodyPr/>
+        <a:lstStyle/>
+        <a:p>
+          <a:endParaRPr lang="de-DE"/>
+        </a:p>
+      </dgm:t>
+    </dgm:pt>
+    <dgm:pt modelId="{13749633-4523-4041-ABC8-C4663E343964}">
+      <dgm:prSet phldrT="[Text]" custT="1"/>
+      <dgm:spPr/>
+      <dgm:t>
+        <a:bodyPr/>
+        <a:lstStyle/>
+        <a:p>
+          <a:r>
+            <a:rPr lang="de-DE" sz="4400" dirty="0">
+              <a:latin typeface="Arial Rounded MT Bold" panose="020F0704030504030204" pitchFamily="34" charset="0"/>
+            </a:rPr>
+            <a:t>Zukunft</a:t>
+          </a:r>
+          <a:endParaRPr lang="de-DE" sz="3600" dirty="0">
+            <a:latin typeface="Arial Rounded MT Bold" panose="020F0704030504030204" pitchFamily="34" charset="0"/>
+          </a:endParaRPr>
+        </a:p>
+      </dgm:t>
+    </dgm:pt>
+    <dgm:pt modelId="{9715F796-8BA7-4E4F-8F1D-5FE8DFAC3E67}" type="parTrans" cxnId="{19D97C84-1B89-428C-83FB-2F0D74DF5A80}">
+      <dgm:prSet/>
+      <dgm:spPr/>
+      <dgm:t>
+        <a:bodyPr/>
+        <a:lstStyle/>
+        <a:p>
+          <a:endParaRPr lang="de-DE"/>
+        </a:p>
+      </dgm:t>
+    </dgm:pt>
+    <dgm:pt modelId="{31E9C3BA-D87D-4A04-A3F9-1891A15418E8}" type="sibTrans" cxnId="{19D97C84-1B89-428C-83FB-2F0D74DF5A80}">
+      <dgm:prSet/>
+      <dgm:spPr/>
+      <dgm:t>
+        <a:bodyPr/>
+        <a:lstStyle/>
+        <a:p>
+          <a:endParaRPr lang="de-DE"/>
+        </a:p>
+      </dgm:t>
+    </dgm:pt>
+    <dgm:pt modelId="{FEACCE6F-A158-41CB-B962-258B17CDCC09}" type="pres">
+      <dgm:prSet presAssocID="{2F058922-472F-4CEA-AB5B-5B82067F8782}" presName="arrowDiagram" presStyleCnt="0">
+        <dgm:presLayoutVars>
+          <dgm:chMax val="5"/>
+          <dgm:dir/>
+          <dgm:resizeHandles val="exact"/>
+        </dgm:presLayoutVars>
+      </dgm:prSet>
+      <dgm:spPr/>
+    </dgm:pt>
+    <dgm:pt modelId="{A74BCE77-3F74-4D88-B142-1D856077086D}" type="pres">
+      <dgm:prSet presAssocID="{2F058922-472F-4CEA-AB5B-5B82067F8782}" presName="arrow" presStyleLbl="bgShp" presStyleIdx="0" presStyleCnt="1" custScaleX="102688"/>
+      <dgm:spPr/>
+    </dgm:pt>
+    <dgm:pt modelId="{4A81DD64-1B74-46A7-A422-A4DCF6F4AD9A}" type="pres">
+      <dgm:prSet presAssocID="{2F058922-472F-4CEA-AB5B-5B82067F8782}" presName="arrowDiagram3" presStyleCnt="0"/>
+      <dgm:spPr/>
+    </dgm:pt>
+    <dgm:pt modelId="{E9DC373C-9315-4C2F-8E0E-2E7C2C6C9DDC}" type="pres">
+      <dgm:prSet presAssocID="{2A486A22-4B4C-43D9-9B49-5ECD17476EE8}" presName="bullet3a" presStyleLbl="node1" presStyleIdx="0" presStyleCnt="3" custScaleX="102688"/>
+      <dgm:spPr/>
+    </dgm:pt>
+    <dgm:pt modelId="{720553E1-200D-4C3C-BF25-752694D2D038}" type="pres">
+      <dgm:prSet presAssocID="{2A486A22-4B4C-43D9-9B49-5ECD17476EE8}" presName="textBox3a" presStyleLbl="revTx" presStyleIdx="0" presStyleCnt="3" custScaleX="132913" custScaleY="26712" custLinFactNeighborX="28605" custLinFactNeighborY="-36203">
+        <dgm:presLayoutVars>
+          <dgm:bulletEnabled val="1"/>
+        </dgm:presLayoutVars>
+      </dgm:prSet>
+      <dgm:spPr/>
+    </dgm:pt>
+    <dgm:pt modelId="{08225884-7B2D-4BDB-81E3-69EF77114523}" type="pres">
+      <dgm:prSet presAssocID="{BEAEC00F-C405-4855-BB98-4E8677A2EA4F}" presName="bullet3b" presStyleLbl="node1" presStyleIdx="1" presStyleCnt="3" custScaleX="102688"/>
+      <dgm:spPr/>
+    </dgm:pt>
+    <dgm:pt modelId="{E31CB48E-94A2-4E84-8CDD-FCADC68E3729}" type="pres">
+      <dgm:prSet presAssocID="{BEAEC00F-C405-4855-BB98-4E8677A2EA4F}" presName="textBox3b" presStyleLbl="revTx" presStyleIdx="1" presStyleCnt="3" custScaleX="115798" custScaleY="15398" custLinFactNeighborX="16244" custLinFactNeighborY="-43644">
+        <dgm:presLayoutVars>
+          <dgm:bulletEnabled val="1"/>
+        </dgm:presLayoutVars>
+      </dgm:prSet>
+      <dgm:spPr/>
+    </dgm:pt>
+    <dgm:pt modelId="{612B8E35-2B32-495A-97CA-C57C07E693B2}" type="pres">
+      <dgm:prSet presAssocID="{13749633-4523-4041-ABC8-C4663E343964}" presName="bullet3c" presStyleLbl="node1" presStyleIdx="2" presStyleCnt="3" custScaleX="102688"/>
+      <dgm:spPr/>
+    </dgm:pt>
+    <dgm:pt modelId="{A0E16BAD-C0EC-4C1C-945A-9314D9084FED}" type="pres">
+      <dgm:prSet presAssocID="{13749633-4523-4041-ABC8-C4663E343964}" presName="textBox3c" presStyleLbl="revTx" presStyleIdx="2" presStyleCnt="3" custScaleX="102688" custScaleY="12569" custLinFactNeighborX="16767" custLinFactNeighborY="-43137">
+        <dgm:presLayoutVars>
+          <dgm:bulletEnabled val="1"/>
+        </dgm:presLayoutVars>
+      </dgm:prSet>
+      <dgm:spPr/>
+    </dgm:pt>
+  </dgm:ptLst>
+  <dgm:cxnLst>
+    <dgm:cxn modelId="{1D37EBCE-2A50-4089-B66B-211414FE02F3}" type="presOf" srcId="{2F058922-472F-4CEA-AB5B-5B82067F8782}" destId="{FEACCE6F-A158-41CB-B962-258B17CDCC09}" srcOrd="0" destOrd="0" presId="urn:microsoft.com/office/officeart/2005/8/layout/arrow2"/>
+    <dgm:cxn modelId="{726053B2-18A9-4F48-B4EB-662C8F1807D4}" type="presOf" srcId="{13749633-4523-4041-ABC8-C4663E343964}" destId="{A0E16BAD-C0EC-4C1C-945A-9314D9084FED}" srcOrd="0" destOrd="0" presId="urn:microsoft.com/office/officeart/2005/8/layout/arrow2"/>
+    <dgm:cxn modelId="{19D97C84-1B89-428C-83FB-2F0D74DF5A80}" srcId="{2F058922-472F-4CEA-AB5B-5B82067F8782}" destId="{13749633-4523-4041-ABC8-C4663E343964}" srcOrd="2" destOrd="0" parTransId="{9715F796-8BA7-4E4F-8F1D-5FE8DFAC3E67}" sibTransId="{31E9C3BA-D87D-4A04-A3F9-1891A15418E8}"/>
+    <dgm:cxn modelId="{C5F25B8A-6299-4E68-9A3E-BD63FAA2AD66}" srcId="{2F058922-472F-4CEA-AB5B-5B82067F8782}" destId="{2A486A22-4B4C-43D9-9B49-5ECD17476EE8}" srcOrd="0" destOrd="0" parTransId="{2BD90EB0-FFBD-4964-88DB-F4D7A9440B1D}" sibTransId="{5A61ACAF-00FA-43B6-91D7-AE9B1C73519F}"/>
+    <dgm:cxn modelId="{F57A9403-72C1-4833-B81D-CD50C6DDFC46}" type="presOf" srcId="{BEAEC00F-C405-4855-BB98-4E8677A2EA4F}" destId="{E31CB48E-94A2-4E84-8CDD-FCADC68E3729}" srcOrd="0" destOrd="0" presId="urn:microsoft.com/office/officeart/2005/8/layout/arrow2"/>
+    <dgm:cxn modelId="{75EA5697-E4BF-4FE4-A201-444B1693185B}" srcId="{2F058922-472F-4CEA-AB5B-5B82067F8782}" destId="{BEAEC00F-C405-4855-BB98-4E8677A2EA4F}" srcOrd="1" destOrd="0" parTransId="{2C28254B-CD35-48D9-8007-37433E8B8D8C}" sibTransId="{ACA82496-7502-4099-BF6F-AFDCE68B7B58}"/>
+    <dgm:cxn modelId="{8F7E3FBE-3B39-481E-A684-8CCE1711E7C8}" type="presOf" srcId="{2A486A22-4B4C-43D9-9B49-5ECD17476EE8}" destId="{720553E1-200D-4C3C-BF25-752694D2D038}" srcOrd="0" destOrd="0" presId="urn:microsoft.com/office/officeart/2005/8/layout/arrow2"/>
+    <dgm:cxn modelId="{65B09CA6-0E21-4297-A2FB-CF79033A2A29}" type="presParOf" srcId="{FEACCE6F-A158-41CB-B962-258B17CDCC09}" destId="{A74BCE77-3F74-4D88-B142-1D856077086D}" srcOrd="0" destOrd="0" presId="urn:microsoft.com/office/officeart/2005/8/layout/arrow2"/>
+    <dgm:cxn modelId="{C9A2672B-A0F1-4179-A823-0B6ADE58DCF8}" type="presParOf" srcId="{FEACCE6F-A158-41CB-B962-258B17CDCC09}" destId="{4A81DD64-1B74-46A7-A422-A4DCF6F4AD9A}" srcOrd="1" destOrd="0" presId="urn:microsoft.com/office/officeart/2005/8/layout/arrow2"/>
+    <dgm:cxn modelId="{ED4B7C44-F17A-4AB6-AA68-543D571B7262}" type="presParOf" srcId="{4A81DD64-1B74-46A7-A422-A4DCF6F4AD9A}" destId="{E9DC373C-9315-4C2F-8E0E-2E7C2C6C9DDC}" srcOrd="0" destOrd="0" presId="urn:microsoft.com/office/officeart/2005/8/layout/arrow2"/>
+    <dgm:cxn modelId="{BE59EB40-39D5-4542-AF18-F222F2DDC876}" type="presParOf" srcId="{4A81DD64-1B74-46A7-A422-A4DCF6F4AD9A}" destId="{720553E1-200D-4C3C-BF25-752694D2D038}" srcOrd="1" destOrd="0" presId="urn:microsoft.com/office/officeart/2005/8/layout/arrow2"/>
+    <dgm:cxn modelId="{6C459F5B-8F9F-4950-AE5E-7A0EB0B8AD84}" type="presParOf" srcId="{4A81DD64-1B74-46A7-A422-A4DCF6F4AD9A}" destId="{08225884-7B2D-4BDB-81E3-69EF77114523}" srcOrd="2" destOrd="0" presId="urn:microsoft.com/office/officeart/2005/8/layout/arrow2"/>
+    <dgm:cxn modelId="{AD211B3B-64DE-4AE8-A9D3-70375A1A024B}" type="presParOf" srcId="{4A81DD64-1B74-46A7-A422-A4DCF6F4AD9A}" destId="{E31CB48E-94A2-4E84-8CDD-FCADC68E3729}" srcOrd="3" destOrd="0" presId="urn:microsoft.com/office/officeart/2005/8/layout/arrow2"/>
+    <dgm:cxn modelId="{A624AD22-8994-4448-8727-467F829FFB0E}" type="presParOf" srcId="{4A81DD64-1B74-46A7-A422-A4DCF6F4AD9A}" destId="{612B8E35-2B32-495A-97CA-C57C07E693B2}" srcOrd="4" destOrd="0" presId="urn:microsoft.com/office/officeart/2005/8/layout/arrow2"/>
+    <dgm:cxn modelId="{A162DE80-171F-49EC-81E1-078C87851840}" type="presParOf" srcId="{4A81DD64-1B74-46A7-A422-A4DCF6F4AD9A}" destId="{A0E16BAD-C0EC-4C1C-945A-9314D9084FED}" srcOrd="5" destOrd="0" presId="urn:microsoft.com/office/officeart/2005/8/layout/arrow2"/>
+  </dgm:cxnLst>
+  <dgm:bg/>
+  <dgm:whole/>
+  <dgm:extLst>
+    <a:ext uri="http://schemas.microsoft.com/office/drawing/2008/diagram">
+      <dsp:dataModelExt xmlns:dsp="http://schemas.microsoft.com/office/drawing/2008/diagram" relId="rId6" minVer="http://schemas.openxmlformats.org/drawingml/2006/diagram"/>
+    </a:ext>
+  </dgm:extLst>
+</dgm:dataModel>
+</file>
+
+<file path=ppt/diagrams/drawing1.xml><?xml version="1.0" encoding="utf-8"?>
+<dsp:drawing xmlns:dgm="http://schemas.openxmlformats.org/drawingml/2006/diagram" xmlns:dsp="http://schemas.microsoft.com/office/drawing/2008/diagram" xmlns:a="http://schemas.openxmlformats.org/drawingml/2006/main">
+  <dsp:spTree>
+    <dsp:nvGrpSpPr>
+      <dsp:cNvPr id="0" name=""/>
+      <dsp:cNvGrpSpPr/>
+    </dsp:nvGrpSpPr>
+    <dsp:grpSpPr/>
+    <dsp:sp modelId="{A74BCE77-3F74-4D88-B142-1D856077086D}">
+      <dsp:nvSpPr>
+        <dsp:cNvPr id="0" name=""/>
+        <dsp:cNvSpPr/>
+      </dsp:nvSpPr>
+      <dsp:spPr>
+        <a:xfrm>
+          <a:off x="1420797" y="0"/>
+          <a:ext cx="10821394" cy="6586331"/>
+        </a:xfrm>
+        <a:prstGeom prst="swooshArrow">
+          <a:avLst>
+            <a:gd name="adj1" fmla="val 25000"/>
+            <a:gd name="adj2" fmla="val 25000"/>
+          </a:avLst>
+        </a:prstGeom>
+        <a:solidFill>
+          <a:schemeClr val="accent1">
+            <a:tint val="40000"/>
+            <a:hueOff val="0"/>
+            <a:satOff val="0"/>
+            <a:lumOff val="0"/>
+            <a:alphaOff val="0"/>
+          </a:schemeClr>
+        </a:solidFill>
+        <a:ln>
+          <a:noFill/>
+        </a:ln>
+        <a:effectLst/>
+      </dsp:spPr>
+      <dsp:style>
+        <a:lnRef idx="0">
+          <a:scrgbClr r="0" g="0" b="0"/>
+        </a:lnRef>
+        <a:fillRef idx="1">
+          <a:scrgbClr r="0" g="0" b="0"/>
+        </a:fillRef>
+        <a:effectRef idx="0">
+          <a:scrgbClr r="0" g="0" b="0"/>
+        </a:effectRef>
+        <a:fontRef idx="minor"/>
+      </dsp:style>
+    </dsp:sp>
+    <dsp:sp modelId="{E9DC373C-9315-4C2F-8E0E-2E7C2C6C9DDC}">
+      <dsp:nvSpPr>
+        <dsp:cNvPr id="0" name=""/>
+        <dsp:cNvSpPr/>
+      </dsp:nvSpPr>
+      <dsp:spPr>
+        <a:xfrm>
+          <a:off x="2897090" y="4545885"/>
+          <a:ext cx="281356" cy="273991"/>
+        </a:xfrm>
+        <a:prstGeom prst="ellipse">
+          <a:avLst/>
+        </a:prstGeom>
+        <a:solidFill>
+          <a:schemeClr val="accent1">
+            <a:hueOff val="0"/>
+            <a:satOff val="0"/>
+            <a:lumOff val="0"/>
+            <a:alphaOff val="0"/>
+          </a:schemeClr>
+        </a:solidFill>
+        <a:ln w="12700" cap="flat" cmpd="sng" algn="ctr">
+          <a:solidFill>
+            <a:schemeClr val="lt1">
+              <a:hueOff val="0"/>
+              <a:satOff val="0"/>
+              <a:lumOff val="0"/>
+              <a:alphaOff val="0"/>
+            </a:schemeClr>
+          </a:solidFill>
+          <a:prstDash val="solid"/>
+          <a:miter lim="800000"/>
+        </a:ln>
+        <a:effectLst/>
+      </dsp:spPr>
+      <dsp:style>
+        <a:lnRef idx="2">
+          <a:scrgbClr r="0" g="0" b="0"/>
+        </a:lnRef>
+        <a:fillRef idx="1">
+          <a:scrgbClr r="0" g="0" b="0"/>
+        </a:fillRef>
+        <a:effectRef idx="0">
+          <a:scrgbClr r="0" g="0" b="0"/>
+        </a:effectRef>
+        <a:fontRef idx="minor">
+          <a:schemeClr val="lt1"/>
+        </a:fontRef>
+      </dsp:style>
+    </dsp:sp>
+    <dsp:sp modelId="{720553E1-200D-4C3C-BF25-752694D2D038}">
+      <dsp:nvSpPr>
+        <dsp:cNvPr id="0" name=""/>
+        <dsp:cNvSpPr/>
+      </dsp:nvSpPr>
+      <dsp:spPr>
+        <a:xfrm>
+          <a:off x="3336060" y="4691275"/>
+          <a:ext cx="3263524" cy="508449"/>
+        </a:xfrm>
+        <a:prstGeom prst="rect">
+          <a:avLst/>
+        </a:prstGeom>
+        <a:noFill/>
+        <a:ln>
+          <a:noFill/>
+        </a:ln>
+        <a:effectLst/>
+      </dsp:spPr>
+      <dsp:style>
+        <a:lnRef idx="0">
+          <a:scrgbClr r="0" g="0" b="0"/>
+        </a:lnRef>
+        <a:fillRef idx="0">
+          <a:scrgbClr r="0" g="0" b="0"/>
+        </a:fillRef>
+        <a:effectRef idx="0">
+          <a:scrgbClr r="0" g="0" b="0"/>
+        </a:effectRef>
+        <a:fontRef idx="minor"/>
+      </dsp:style>
+      <dsp:txBody>
+        <a:bodyPr spcFirstLastPara="0" vert="horz" wrap="square" lIns="145182" tIns="0" rIns="0" bIns="0" numCol="1" spcCol="1270" anchor="t" anchorCtr="0">
+          <a:noAutofit/>
+        </a:bodyPr>
+        <a:lstStyle/>
+        <a:p>
+          <a:pPr marL="0" lvl="0" indent="0" algn="l" defTabSz="1244600">
+            <a:lnSpc>
+              <a:spcPct val="90000"/>
+            </a:lnSpc>
+            <a:spcBef>
+              <a:spcPct val="0"/>
+            </a:spcBef>
+            <a:spcAft>
+              <a:spcPct val="35000"/>
+            </a:spcAft>
+            <a:buNone/>
+          </a:pPr>
+          <a:r>
+            <a:rPr lang="de-DE" sz="2800" kern="1200" dirty="0">
+              <a:latin typeface="Arial Rounded MT Bold" panose="020F0704030504030204" pitchFamily="34" charset="0"/>
+            </a:rPr>
+            <a:t>Vergangenheit</a:t>
+          </a:r>
+          <a:endParaRPr lang="de-DE" sz="3600" kern="1200" dirty="0">
+            <a:latin typeface="Arial Rounded MT Bold" panose="020F0704030504030204" pitchFamily="34" charset="0"/>
+          </a:endParaRPr>
+        </a:p>
+      </dsp:txBody>
+      <dsp:txXfrm>
+        <a:off x="3336060" y="4691275"/>
+        <a:ext cx="3263524" cy="508449"/>
+      </dsp:txXfrm>
+    </dsp:sp>
+    <dsp:sp modelId="{08225884-7B2D-4BDB-81E3-69EF77114523}">
+      <dsp:nvSpPr>
+        <dsp:cNvPr id="0" name=""/>
+        <dsp:cNvSpPr/>
+      </dsp:nvSpPr>
+      <dsp:spPr>
+        <a:xfrm>
+          <a:off x="5312616" y="2755720"/>
+          <a:ext cx="508605" cy="495292"/>
+        </a:xfrm>
+        <a:prstGeom prst="ellipse">
+          <a:avLst/>
+        </a:prstGeom>
+        <a:solidFill>
+          <a:schemeClr val="accent1">
+            <a:hueOff val="0"/>
+            <a:satOff val="0"/>
+            <a:lumOff val="0"/>
+            <a:alphaOff val="0"/>
+          </a:schemeClr>
+        </a:solidFill>
+        <a:ln w="12700" cap="flat" cmpd="sng" algn="ctr">
+          <a:solidFill>
+            <a:schemeClr val="lt1">
+              <a:hueOff val="0"/>
+              <a:satOff val="0"/>
+              <a:lumOff val="0"/>
+              <a:alphaOff val="0"/>
+            </a:schemeClr>
+          </a:solidFill>
+          <a:prstDash val="solid"/>
+          <a:miter lim="800000"/>
+        </a:ln>
+        <a:effectLst/>
+      </dsp:spPr>
+      <dsp:style>
+        <a:lnRef idx="2">
+          <a:scrgbClr r="0" g="0" b="0"/>
+        </a:lnRef>
+        <a:fillRef idx="1">
+          <a:scrgbClr r="0" g="0" b="0"/>
+        </a:fillRef>
+        <a:effectRef idx="0">
+          <a:scrgbClr r="0" g="0" b="0"/>
+        </a:effectRef>
+        <a:fontRef idx="minor">
+          <a:schemeClr val="lt1"/>
+        </a:fontRef>
+      </dsp:style>
+    </dsp:sp>
+    <dsp:sp modelId="{E31CB48E-94A2-4E84-8CDD-FCADC68E3729}">
+      <dsp:nvSpPr>
+        <dsp:cNvPr id="0" name=""/>
+        <dsp:cNvSpPr/>
+      </dsp:nvSpPr>
+      <dsp:spPr>
+        <a:xfrm>
+          <a:off x="5777977" y="2955247"/>
+          <a:ext cx="2928706" cy="551704"/>
+        </a:xfrm>
+        <a:prstGeom prst="rect">
+          <a:avLst/>
+        </a:prstGeom>
+        <a:noFill/>
+        <a:ln>
+          <a:noFill/>
+        </a:ln>
+        <a:effectLst/>
+      </dsp:spPr>
+      <dsp:style>
+        <a:lnRef idx="0">
+          <a:scrgbClr r="0" g="0" b="0"/>
+        </a:lnRef>
+        <a:fillRef idx="0">
+          <a:scrgbClr r="0" g="0" b="0"/>
+        </a:fillRef>
+        <a:effectRef idx="0">
+          <a:scrgbClr r="0" g="0" b="0"/>
+        </a:effectRef>
+        <a:fontRef idx="minor"/>
+      </dsp:style>
+      <dsp:txBody>
+        <a:bodyPr spcFirstLastPara="0" vert="horz" wrap="square" lIns="262445" tIns="0" rIns="0" bIns="0" numCol="1" spcCol="1270" anchor="t" anchorCtr="0">
+          <a:noAutofit/>
+        </a:bodyPr>
+        <a:lstStyle/>
+        <a:p>
+          <a:pPr marL="0" lvl="0" indent="0" algn="l" defTabSz="1422400">
+            <a:lnSpc>
+              <a:spcPct val="90000"/>
+            </a:lnSpc>
+            <a:spcBef>
+              <a:spcPct val="0"/>
+            </a:spcBef>
+            <a:spcAft>
+              <a:spcPct val="35000"/>
+            </a:spcAft>
+            <a:buNone/>
+          </a:pPr>
+          <a:r>
+            <a:rPr lang="de-DE" sz="3200" kern="1200" dirty="0">
+              <a:latin typeface="Arial Rounded MT Bold" panose="020F0704030504030204" pitchFamily="34" charset="0"/>
+            </a:rPr>
+            <a:t>Gegenwart</a:t>
+          </a:r>
+          <a:endParaRPr lang="de-DE" sz="3600" kern="1200" dirty="0">
+            <a:latin typeface="Arial Rounded MT Bold" panose="020F0704030504030204" pitchFamily="34" charset="0"/>
+          </a:endParaRPr>
+        </a:p>
+      </dsp:txBody>
+      <dsp:txXfrm>
+        <a:off x="5777977" y="2955247"/>
+        <a:ext cx="2928706" cy="551704"/>
+      </dsp:txXfrm>
+    </dsp:sp>
+    <dsp:sp modelId="{612B8E35-2B32-495A-97CA-C57C07E693B2}">
+      <dsp:nvSpPr>
+        <dsp:cNvPr id="0" name=""/>
+        <dsp:cNvSpPr/>
+      </dsp:nvSpPr>
+      <dsp:spPr>
+        <a:xfrm>
+          <a:off x="8218591" y="1666341"/>
+          <a:ext cx="703390" cy="684978"/>
+        </a:xfrm>
+        <a:prstGeom prst="ellipse">
+          <a:avLst/>
+        </a:prstGeom>
+        <a:solidFill>
+          <a:schemeClr val="accent1">
+            <a:hueOff val="0"/>
+            <a:satOff val="0"/>
+            <a:lumOff val="0"/>
+            <a:alphaOff val="0"/>
+          </a:schemeClr>
+        </a:solidFill>
+        <a:ln w="12700" cap="flat" cmpd="sng" algn="ctr">
+          <a:solidFill>
+            <a:schemeClr val="lt1">
+              <a:hueOff val="0"/>
+              <a:satOff val="0"/>
+              <a:lumOff val="0"/>
+              <a:alphaOff val="0"/>
+            </a:schemeClr>
+          </a:solidFill>
+          <a:prstDash val="solid"/>
+          <a:miter lim="800000"/>
+        </a:ln>
+        <a:effectLst/>
+      </dsp:spPr>
+      <dsp:style>
+        <a:lnRef idx="2">
+          <a:scrgbClr r="0" g="0" b="0"/>
+        </a:lnRef>
+        <a:fillRef idx="1">
+          <a:scrgbClr r="0" g="0" b="0"/>
+        </a:fillRef>
+        <a:effectRef idx="0">
+          <a:scrgbClr r="0" g="0" b="0"/>
+        </a:effectRef>
+        <a:fontRef idx="minor">
+          <a:schemeClr val="lt1"/>
+        </a:fontRef>
+      </dsp:style>
+    </dsp:sp>
+    <dsp:sp modelId="{A0E16BAD-C0EC-4C1C-945A-9314D9084FED}">
+      <dsp:nvSpPr>
+        <dsp:cNvPr id="0" name=""/>
+        <dsp:cNvSpPr/>
+      </dsp:nvSpPr>
+      <dsp:spPr>
+        <a:xfrm>
+          <a:off x="8960357" y="2035311"/>
+          <a:ext cx="2597134" cy="575345"/>
+        </a:xfrm>
+        <a:prstGeom prst="rect">
+          <a:avLst/>
+        </a:prstGeom>
+        <a:noFill/>
+        <a:ln>
+          <a:noFill/>
+        </a:ln>
+        <a:effectLst/>
+      </dsp:spPr>
+      <dsp:style>
+        <a:lnRef idx="0">
+          <a:scrgbClr r="0" g="0" b="0"/>
+        </a:lnRef>
+        <a:fillRef idx="0">
+          <a:scrgbClr r="0" g="0" b="0"/>
+        </a:fillRef>
+        <a:effectRef idx="0">
+          <a:scrgbClr r="0" g="0" b="0"/>
+        </a:effectRef>
+        <a:fontRef idx="minor"/>
+      </dsp:style>
+      <dsp:txBody>
+        <a:bodyPr spcFirstLastPara="0" vert="horz" wrap="square" lIns="362956" tIns="0" rIns="0" bIns="0" numCol="1" spcCol="1270" anchor="t" anchorCtr="0">
+          <a:noAutofit/>
+        </a:bodyPr>
+        <a:lstStyle/>
+        <a:p>
+          <a:pPr marL="0" lvl="0" indent="0" algn="l" defTabSz="1955800">
+            <a:lnSpc>
+              <a:spcPct val="90000"/>
+            </a:lnSpc>
+            <a:spcBef>
+              <a:spcPct val="0"/>
+            </a:spcBef>
+            <a:spcAft>
+              <a:spcPct val="35000"/>
+            </a:spcAft>
+            <a:buNone/>
+          </a:pPr>
+          <a:r>
+            <a:rPr lang="de-DE" sz="4400" kern="1200" dirty="0">
+              <a:latin typeface="Arial Rounded MT Bold" panose="020F0704030504030204" pitchFamily="34" charset="0"/>
+            </a:rPr>
+            <a:t>Zukunft</a:t>
+          </a:r>
+          <a:endParaRPr lang="de-DE" sz="3600" kern="1200" dirty="0">
+            <a:latin typeface="Arial Rounded MT Bold" panose="020F0704030504030204" pitchFamily="34" charset="0"/>
+          </a:endParaRPr>
+        </a:p>
+      </dsp:txBody>
+      <dsp:txXfrm>
+        <a:off x="8960357" y="2035311"/>
+        <a:ext cx="2597134" cy="575345"/>
+      </dsp:txXfrm>
+    </dsp:sp>
+  </dsp:spTree>
+</dsp:drawing>
+</file>
+
+<file path=ppt/diagrams/layout1.xml><?xml version="1.0" encoding="utf-8"?>
+<dgm:layoutDef xmlns:dgm="http://schemas.openxmlformats.org/drawingml/2006/diagram" xmlns:a="http://schemas.openxmlformats.org/drawingml/2006/main" uniqueId="urn:microsoft.com/office/officeart/2005/8/layout/arrow2">
+  <dgm:title val=""/>
+  <dgm:desc val=""/>
+  <dgm:catLst>
+    <dgm:cat type="process" pri="23000"/>
+  </dgm:catLst>
+  <dgm:sampData useDef="1">
+    <dgm:dataModel>
+      <dgm:ptLst/>
+      <dgm:bg/>
+      <dgm:whole/>
+    </dgm:dataModel>
+  </dgm:sampData>
+  <dgm:styleData>
+    <dgm:dataModel>
+      <dgm:ptLst>
+        <dgm:pt modelId="0" type="doc"/>
+        <dgm:pt modelId="1"/>
+        <dgm:pt modelId="2"/>
+      </dgm:ptLst>
+      <dgm:cxnLst>
+        <dgm:cxn modelId="3" srcId="0" destId="1" srcOrd="0" destOrd="0"/>
+        <dgm:cxn modelId="4" srcId="0" destId="2" srcOrd="1" destOrd="0"/>
+      </dgm:cxnLst>
+      <dgm:bg/>
+      <dgm:whole/>
+    </dgm:dataModel>
+  </dgm:styleData>
+  <dgm:clrData>
+    <dgm:dataModel>
+      <dgm:ptLst>
+        <dgm:pt modelId="0" type="doc"/>
+        <dgm:pt modelId="1"/>
+        <dgm:pt modelId="2"/>
+        <dgm:pt modelId="3"/>
+        <dgm:pt modelId="4"/>
+      </dgm:ptLst>
+      <dgm:cxnLst>
+        <dgm:cxn modelId="5" srcId="0" destId="1" srcOrd="0" destOrd="0"/>
+        <dgm:cxn modelId="6" srcId="0" destId="2" srcOrd="1" destOrd="0"/>
+        <dgm:cxn modelId="7" srcId="0" destId="3" srcOrd="2" destOrd="0"/>
+        <dgm:cxn modelId="8" srcId="0" destId="4" srcOrd="3" destOrd="0"/>
+      </dgm:cxnLst>
+      <dgm:bg/>
+      <dgm:whole/>
+    </dgm:dataModel>
+  </dgm:clrData>
+  <dgm:layoutNode name="arrowDiagram">
+    <dgm:varLst>
+      <dgm:chMax val="5"/>
+      <dgm:dir/>
+      <dgm:resizeHandles val="exact"/>
+    </dgm:varLst>
+    <dgm:alg type="composite">
+      <dgm:param type="ar" val="1.6"/>
+    </dgm:alg>
+    <dgm:shape xmlns:r="http://schemas.openxmlformats.org/officeDocument/2006/relationships" r:blip="">
+      <dgm:adjLst/>
+    </dgm:shape>
+    <dgm:presOf/>
+    <dgm:constrLst>
+      <dgm:constr type="l" for="ch" forName="arrow"/>
+      <dgm:constr type="t" for="ch" forName="arrow"/>
+      <dgm:constr type="w" for="ch" forName="arrow" refType="w"/>
+      <dgm:constr type="h" for="ch" forName="arrow" refType="h"/>
+      <dgm:constr type="ctrX" for="ch" forName="arrowDiagram1" refType="w" fact="0.5"/>
+      <dgm:constr type="ctrY" for="ch" forName="arrowDiagram1" refType="h" fact="0.5"/>
+      <dgm:constr type="w" for="ch" forName="arrowDiagram1" refType="w"/>
+      <dgm:constr type="h" for="ch" forName="arrowDiagram1" refType="h"/>
+      <dgm:constr type="ctrX" for="ch" forName="arrowDiagram2" refType="w" fact="0.5"/>
+      <dgm:constr type="ctrY" for="ch" forName="arrowDiagram2" refType="h" fact="0.5"/>
+      <dgm:constr type="w" for="ch" forName="arrowDiagram2" refType="w"/>
+      <dgm:constr type="h" for="ch" forName="arrowDiagram2" refType="h"/>
+      <dgm:constr type="ctrX" for="ch" forName="arrowDiagram3" refType="w" fact="0.5"/>
+      <dgm:constr type="ctrY" for="ch" forName="arrowDiagram3" refType="h" fact="0.5"/>
+      <dgm:constr type="w" for="ch" forName="arrowDiagram3" refType="w"/>
+      <dgm:constr type="h" for="ch" forName="arrowDiagram3" refType="h"/>
+      <dgm:constr type="ctrX" for="ch" forName="arrowDiagram4" refType="w" fact="0.5"/>
+      <dgm:constr type="ctrY" for="ch" forName="arrowDiagram4" refType="h" fact="0.5"/>
+      <dgm:constr type="w" for="ch" forName="arrowDiagram4" refType="w"/>
+      <dgm:constr type="h" for="ch" forName="arrowDiagram4" refType="h"/>
+      <dgm:constr type="ctrX" for="ch" forName="arrowDiagram5" refType="w" fact="0.5"/>
+      <dgm:constr type="ctrY" for="ch" forName="arrowDiagram5" refType="h" fact="0.5"/>
+      <dgm:constr type="w" for="ch" forName="arrowDiagram5" refType="w"/>
+      <dgm:constr type="h" for="ch" forName="arrowDiagram5" refType="h"/>
+    </dgm:constrLst>
+    <dgm:ruleLst/>
+    <dgm:choose name="Name0">
+      <dgm:if name="Name1" axis="ch" ptType="node" func="cnt" op="gte" val="1">
+        <dgm:layoutNode name="arrow" styleLbl="bgShp">
+          <dgm:alg type="sp"/>
+          <dgm:shape xmlns:r="http://schemas.openxmlformats.org/officeDocument/2006/relationships" type="swooshArrow" r:blip="">
+            <dgm:adjLst>
+              <dgm:adj idx="2" val="0.25"/>
+            </dgm:adjLst>
+          </dgm:shape>
+          <dgm:presOf/>
+          <dgm:constrLst/>
+          <dgm:ruleLst/>
+        </dgm:layoutNode>
+        <dgm:choose name="Name2">
+          <dgm:if name="Name3" axis="ch" ptType="node" func="cnt" op="lt" val="1"/>
+          <dgm:if name="Name4" axis="ch" ptType="node" func="cnt" op="equ" val="1">
+            <dgm:layoutNode name="arrowDiagram1">
+              <dgm:varLst>
+                <dgm:bulletEnabled val="1"/>
+              </dgm:varLst>
+              <dgm:alg type="composite">
+                <dgm:param type="vertAlign" val="none"/>
+                <dgm:param type="horzAlign" val="none"/>
+              </dgm:alg>
+              <dgm:shape xmlns:r="http://schemas.openxmlformats.org/officeDocument/2006/relationships" r:blip="">
+                <dgm:adjLst/>
+              </dgm:shape>
+              <dgm:presOf/>
+              <dgm:constrLst>
+                <dgm:constr type="ctrX" for="ch" forName="bullet1" refType="w" fact="0.8"/>
+                <dgm:constr type="ctrY" for="ch" forName="bullet1" refType="h" fact="0.262"/>
+                <dgm:constr type="w" for="ch" forName="bullet1" refType="w" fact="0.074"/>
+                <dgm:constr type="h" for="ch" forName="bullet1" refType="w" refFor="ch" refForName="bullet1"/>
+                <dgm:constr type="r" for="ch" forName="textBox1" refType="ctrX" refFor="ch" refForName="bullet1"/>
+                <dgm:constr type="t" for="ch" forName="textBox1" refType="ctrY" refFor="ch" refForName="bullet1"/>
+                <dgm:constr type="w" for="ch" forName="textBox1" refType="w" fact="0.4"/>
+                <dgm:constr type="h" for="ch" forName="textBox1" refType="h" fact="0.738"/>
+                <dgm:constr type="userA" refType="h" refFor="ch" refForName="bullet1" fact="0.53"/>
+                <dgm:constr type="rMarg" for="ch" forName="textBox1" refType="userA" fact="2.834"/>
+                <dgm:constr type="primFontSz" for="ch" ptType="node" op="equ" val="65"/>
+              </dgm:constrLst>
+              <dgm:ruleLst/>
+              <dgm:forEach name="Name5" axis="ch" ptType="node" cnt="1">
+                <dgm:layoutNode name="bullet1" styleLbl="node1">
+                  <dgm:alg type="sp"/>
+                  <dgm:shape xmlns:r="http://schemas.openxmlformats.org/officeDocument/2006/relationships" type="ellipse" r:blip="">
+                    <dgm:adjLst/>
+                  </dgm:shape>
+                  <dgm:presOf/>
+                  <dgm:constrLst/>
+                  <dgm:ruleLst/>
+                </dgm:layoutNode>
+                <dgm:layoutNode name="textBox1" styleLbl="revTx">
+                  <dgm:varLst>
+                    <dgm:bulletEnabled val="1"/>
+                  </dgm:varLst>
+                  <dgm:alg type="tx">
+                    <dgm:param type="txAnchorVert" val="t"/>
+                    <dgm:param type="parTxLTRAlign" val="r"/>
+                    <dgm:param type="parTxRTLAlign" val="r"/>
+                  </dgm:alg>
+                  <dgm:shape xmlns:r="http://schemas.openxmlformats.org/officeDocument/2006/relationships" type="round2DiagRect" r:blip="">
+                    <dgm:adjLst/>
+                  </dgm:shape>
+                  <dgm:presOf axis="desOrSelf" ptType="node"/>
+                  <dgm:constrLst>
+                    <dgm:constr type="lMarg"/>
+                    <dgm:constr type="tMarg"/>
+                    <dgm:constr type="bMarg"/>
+                  </dgm:constrLst>
+                  <dgm:ruleLst>
+                    <dgm:rule type="primFontSz" val="5" fact="NaN" max="NaN"/>
+                  </dgm:ruleLst>
+                </dgm:layoutNode>
+              </dgm:forEach>
+            </dgm:layoutNode>
+          </dgm:if>
+          <dgm:if name="Name6" axis="ch" ptType="node" func="cnt" op="equ" val="2">
+            <dgm:layoutNode name="arrowDiagram2">
+              <dgm:alg type="composite">
+                <dgm:param type="vertAlign" val="none"/>
+                <dgm:param type="horzAlign" val="none"/>
+              </dgm:alg>
+              <dgm:shape xmlns:r="http://schemas.openxmlformats.org/officeDocument/2006/relationships" r:blip="">
+                <dgm:adjLst/>
+              </dgm:shape>
+              <dgm:presOf/>
+              <dgm:choose name="Name7">
+                <dgm:if name="Name8" func="var" arg="dir" op="equ" val="norm">
+                  <dgm:constrLst>
+                    <dgm:constr type="ctrX" for="ch" forName="bullet2a" refType="w" fact="0.25"/>
+                    <dgm:constr type="ctrY" for="ch" forName="bullet2a" refType="h" fact="0.573"/>
+                    <dgm:constr type="w" for="ch" forName="bullet2a" refType="w" fact="0.035"/>
+                    <dgm:constr type="h" for="ch" forName="bullet2a" refType="w" refFor="ch" refForName="bullet2a"/>
+                    <dgm:constr type="l" for="ch" forName="textBox2a" refType="ctrX" refFor="ch" refForName="bullet2a"/>
+                    <dgm:constr type="t" for="ch" forName="textBox2a" refType="ctrY" refFor="ch" refForName="bullet2a"/>
+                    <dgm:constr type="w" for="ch" forName="textBox2a" refType="w" fact="0.325"/>
+                    <dgm:constr type="h" for="ch" forName="textBox2a" refType="h" fact="0.427"/>
+                    <dgm:constr type="userA" refType="h" refFor="ch" refForName="bullet2a" fact="0.53"/>
+                    <dgm:constr type="lMarg" for="ch" forName="textBox2a" refType="userA" fact="2.834"/>
+                    <dgm:constr type="ctrX" for="ch" forName="bullet2b" refType="w" fact="0.585"/>
+                    <dgm:constr type="ctrY" for="ch" forName="bullet2b" refType="h" fact="0.338"/>
+                    <dgm:constr type="w" for="ch" forName="bullet2b" refType="w" fact="0.06"/>
+                    <dgm:constr type="h" for="ch" forName="bullet2b" refType="w" refFor="ch" refForName="bullet2b"/>
+                    <dgm:constr type="l" for="ch" forName="textBox2b" refType="ctrX" refFor="ch" refForName="bullet2b"/>
+                    <dgm:constr type="t" for="ch" forName="textBox2b" refType="ctrY" refFor="ch" refForName="bullet2b"/>
+                    <dgm:constr type="w" for="ch" forName="textBox2b" refType="w" fact="0.325"/>
+                    <dgm:constr type="h" for="ch" forName="textBox2b" refType="h" fact="0.662"/>
+                    <dgm:constr type="userB" refType="h" refFor="ch" refForName="bullet2b" fact="0.53"/>
+                    <dgm:constr type="lMarg" for="ch" forName="textBox2b" refType="userB" fact="2.834"/>
+                    <dgm:constr type="primFontSz" for="ch" ptType="node" op="equ" val="65"/>
+                  </dgm:constrLst>
+                </dgm:if>
+                <dgm:else name="Name9">
+                  <dgm:constrLst>
+                    <dgm:constr type="ctrX" for="ch" forName="bullet2a" refType="w" fact="0.25"/>
+                    <dgm:constr type="ctrY" for="ch" forName="bullet2a" refType="h" fact="0.573"/>
+                    <dgm:constr type="w" for="ch" forName="bullet2a" refType="w" fact="0.035"/>
+                    <dgm:constr type="h" for="ch" forName="bullet2a" refType="w" refFor="ch" refForName="bullet2a"/>
+                    <dgm:constr type="r" for="ch" forName="textBox2a" refType="ctrX" refFor="ch" refForName="bullet2a"/>
+                    <dgm:constr type="b" for="ch" forName="textBox2a" refType="ctrY" refFor="ch" refForName="bullet2a"/>
+                    <dgm:constr type="w" for="ch" forName="textBox2a" refType="w" fact="0.25"/>
+                    <dgm:constr type="h" for="ch" forName="textBox2a" refType="h" fact="0.573"/>
+                    <dgm:constr type="userA" refType="h" refFor="ch" refForName="bullet2a" fact="0.53"/>
+                    <dgm:constr type="rMarg" for="ch" forName="textBox2a" refType="userA" fact="2.834"/>
+                    <dgm:constr type="ctrX" for="ch" forName="bullet2b" refType="w" fact="0.585"/>
+                    <dgm:constr type="ctrY" for="ch" forName="bullet2b" refType="h" fact="0.338"/>
+                    <dgm:constr type="w" for="ch" forName="bullet2b" refType="w" fact="0.06"/>
+                    <dgm:constr type="h" for="ch" forName="bullet2b" refType="w" refFor="ch" refForName="bullet2b"/>
+                    <dgm:constr type="r" for="ch" forName="textBox2b" refType="ctrX" refFor="ch" refForName="bullet2b"/>
+                    <dgm:constr type="b" for="ch" forName="textBox2b" refType="ctrY" refFor="ch" refForName="bullet2b"/>
+                    <dgm:constr type="w" for="ch" forName="textBox2b" refType="w" fact="0.28"/>
+                    <dgm:constr type="h" for="ch" forName="textBox2b" refType="h" fact="0.338"/>
+                    <dgm:constr type="userB" refType="h" refFor="ch" refForName="bullet2b" fact="0.53"/>
+                    <dgm:constr type="rMarg" for="ch" forName="textBox2b" refType="userB" fact="2.834"/>
+                    <dgm:constr type="primFontSz" for="ch" ptType="node" op="equ" val="65"/>
+                  </dgm:constrLst>
+                </dgm:else>
+              </dgm:choose>
+              <dgm:ruleLst/>
+              <dgm:forEach name="Name10" axis="ch" ptType="node" cnt="1">
+                <dgm:layoutNode name="bullet2a" styleLbl="node1">
+                  <dgm:alg type="sp"/>
+                  <dgm:shape xmlns:r="http://schemas.openxmlformats.org/officeDocument/2006/relationships" type="ellipse" r:blip="">
+                    <dgm:adjLst/>
+                  </dgm:shape>
+                  <dgm:presOf/>
+                  <dgm:constrLst/>
+                  <dgm:ruleLst/>
+                </dgm:layoutNode>
+                <dgm:layoutNode name="textBox2a" styleLbl="revTx">
+                  <dgm:varLst>
+                    <dgm:bulletEnabled val="1"/>
+                  </dgm:varLst>
+                  <dgm:choose name="Name11">
+                    <dgm:if name="Name12" func="var" arg="dir" op="equ" val="norm">
+                      <dgm:choose name="Name13">
+                        <dgm:if name="Name14" axis="root des" ptType="all node" func="maxDepth" op="gt" val="1">
+                          <dgm:alg type="tx">
+                            <dgm:param type="txAnchorVert" val="t"/>
+                            <dgm:param type="parTxLTRAlign" val="l"/>
+                            <dgm:param type="parTxRTLAlign" val="r"/>
+                          </dgm:alg>
+                        </dgm:if>
+                        <dgm:else name="Name15">
+                          <dgm:alg type="tx">
+                            <dgm:param type="txAnchorVert" val="t"/>
+                            <dgm:param type="parTxLTRAlign" val="l"/>
+                            <dgm:param type="parTxRTLAlign" val="l"/>
+                          </dgm:alg>
+                        </dgm:else>
+                      </dgm:choose>
+                    </dgm:if>
+                    <dgm:else name="Name16">
+                      <dgm:choose name="Name17">
+                        <dgm:if name="Name18" axis="root des" ptType="all node" func="maxDepth" op="gt" val="1">
+                          <dgm:alg type="tx">
+                            <dgm:param type="txAnchorVert" val="b"/>
+                            <dgm:param type="txAnchorVertCh" val="b"/>
+                            <dgm:param type="parTxLTRAlign" val="l"/>
+                            <dgm:param type="parTxRTLAlign" val="r"/>
+                          </dgm:alg>
+                        </dgm:if>
+                        <dgm:else name="Name19">
+                          <dgm:alg type="tx">
+                            <dgm:param type="txAnchorVert" val="b"/>
+                            <dgm:param type="parTxLTRAlign" val="r"/>
+                            <dgm:param type="parTxRTLAlign" val="r"/>
+                          </dgm:alg>
+                        </dgm:else>
+                      </dgm:choose>
+                    </dgm:else>
+                  </dgm:choose>
+                  <dgm:shape xmlns:r="http://schemas.openxmlformats.org/officeDocument/2006/relationships" type="rect" r:blip="">
+                    <dgm:adjLst/>
+                  </dgm:shape>
+                  <dgm:presOf axis="desOrSelf" ptType="node"/>
+                  <dgm:choose name="Name20">
+                    <dgm:if name="Name21" func="var" arg="dir" op="equ" val="norm">
+                      <dgm:constrLst>
+                        <dgm:constr type="rMarg"/>
+                        <dgm:constr type="tMarg"/>
+                        <dgm:constr type="bMarg"/>
+                      </dgm:constrLst>
+                    </dgm:if>
+                    <dgm:else name="Name22">
+                      <dgm:constrLst>
+                        <dgm:constr type="lMarg"/>
+                        <dgm:constr type="tMarg"/>
+                        <dgm:constr type="bMarg"/>
+                      </dgm:constrLst>
+                    </dgm:else>
+                  </dgm:choose>
+                  <dgm:ruleLst>
+                    <dgm:rule type="primFontSz" val="5" fact="NaN" max="NaN"/>
+                  </dgm:ruleLst>
+                </dgm:layoutNode>
+              </dgm:forEach>
+              <dgm:forEach name="Name23" axis="ch" ptType="node" st="2" cnt="1">
+                <dgm:layoutNode name="bullet2b" styleLbl="node1">
+                  <dgm:alg type="sp"/>
+                  <dgm:shape xmlns:r="http://schemas.openxmlformats.org/officeDocument/2006/relationships" type="ellipse" r:blip="">
+                    <dgm:adjLst/>
+                  </dgm:shape>
+                  <dgm:presOf/>
+                  <dgm:constrLst/>
+                  <dgm:ruleLst/>
+                </dgm:layoutNode>
+                <dgm:layoutNode name="textBox2b" styleLbl="revTx">
+                  <dgm:varLst>
+                    <dgm:bulletEnabled val="1"/>
+                  </dgm:varLst>
+                  <dgm:choose name="Name24">
+                    <dgm:if name="Name25" func="var" arg="dir" op="equ" val="norm">
+                      <dgm:choose name="Name26">
+                        <dgm:if name="Name27" axis="root des" ptType="all node" func="maxDepth" op="gt" val="1">
+                          <dgm:alg type="tx">
+                            <dgm:param type="txAnchorVert" val="t"/>
+                            <dgm:param type="parTxLTRAlign" val="l"/>
+                            <dgm:param type="parTxRTLAlign" val="r"/>
+                          </dgm:alg>
+                        </dgm:if>
+                        <dgm:else name="Name28">
+                          <dgm:alg type="tx">
+                            <dgm:param type="txAnchorVert" val="t"/>
+                            <dgm:param type="parTxLTRAlign" val="l"/>
+                            <dgm:param type="parTxRTLAlign" val="l"/>
+                          </dgm:alg>
+                        </dgm:else>
+                      </dgm:choose>
+                    </dgm:if>
+                    <dgm:else name="Name29">
+                      <dgm:choose name="Name30">
+                        <dgm:if name="Name31" axis="root des" ptType="all node" func="maxDepth" op="gt" val="1">
+                          <dgm:alg type="tx">
+                            <dgm:param type="txAnchorVert" val="b"/>
+                            <dgm:param type="txAnchorVertCh" val="b"/>
+                            <dgm:param type="parTxLTRAlign" val="l"/>
+                            <dgm:param type="parTxRTLAlign" val="r"/>
+                          </dgm:alg>
+                        </dgm:if>
+                        <dgm:else name="Name32">
+                          <dgm:alg type="tx">
+                            <dgm:param type="txAnchorVert" val="b"/>
+                            <dgm:param type="parTxLTRAlign" val="r"/>
+                            <dgm:param type="parTxRTLAlign" val="r"/>
+                          </dgm:alg>
+                        </dgm:else>
+                      </dgm:choose>
+                    </dgm:else>
+                  </dgm:choose>
+                  <dgm:shape xmlns:r="http://schemas.openxmlformats.org/officeDocument/2006/relationships" type="rect" r:blip="">
+                    <dgm:adjLst/>
+                  </dgm:shape>
+                  <dgm:presOf axis="desOrSelf" ptType="node"/>
+                  <dgm:choose name="Name33">
+                    <dgm:if name="Name34" func="var" arg="dir" op="equ" val="norm">
+                      <dgm:constrLst>
+                        <dgm:constr type="rMarg"/>
+                        <dgm:constr type="tMarg"/>
+                        <dgm:constr type="bMarg"/>
+                      </dgm:constrLst>
+                    </dgm:if>
+                    <dgm:else name="Name35">
+                      <dgm:constrLst>
+                        <dgm:constr type="lMarg"/>
+                        <dgm:constr type="tMarg"/>
+                        <dgm:constr type="bMarg"/>
+                      </dgm:constrLst>
+                    </dgm:else>
+                  </dgm:choose>
+                  <dgm:ruleLst>
+                    <dgm:rule type="primFontSz" val="5" fact="NaN" max="NaN"/>
+                  </dgm:ruleLst>
+                </dgm:layoutNode>
+              </dgm:forEach>
+            </dgm:layoutNode>
+          </dgm:if>
+          <dgm:if name="Name36" axis="ch" ptType="node" func="cnt" op="equ" val="3">
+            <dgm:layoutNode name="arrowDiagram3">
+              <dgm:alg type="composite">
+                <dgm:param type="vertAlign" val="none"/>
+                <dgm:param type="horzAlign" val="none"/>
+              </dgm:alg>
+              <dgm:shape xmlns:r="http://schemas.openxmlformats.org/officeDocument/2006/relationships" r:blip="">
+                <dgm:adjLst/>
+              </dgm:shape>
+              <dgm:presOf/>
+              <dgm:choose name="Name37">
+                <dgm:if name="Name38" func="var" arg="dir" op="equ" val="norm">
+                  <dgm:constrLst>
+                    <dgm:constr type="ctrX" for="ch" forName="bullet3a" refType="w" fact="0.14"/>
+                    <dgm:constr type="ctrY" for="ch" forName="bullet3a" refType="h" fact="0.711"/>
+                    <dgm:constr type="w" for="ch" forName="bullet3a" refType="w" fact="0.026"/>
+                    <dgm:constr type="h" for="ch" forName="bullet3a" refType="w" refFor="ch" refForName="bullet3a"/>
+                    <dgm:constr type="l" for="ch" forName="textBox3a" refType="ctrX" refFor="ch" refForName="bullet3a"/>
+                    <dgm:constr type="t" for="ch" forName="textBox3a" refType="ctrY" refFor="ch" refForName="bullet3a"/>
+                    <dgm:constr type="w" for="ch" forName="textBox3a" refType="w" fact="0.233"/>
+                    <dgm:constr type="h" for="ch" forName="textBox3a" refType="h" fact="0.289"/>
+                    <dgm:constr type="userA" refType="h" refFor="ch" refForName="bullet3a" fact="0.53"/>
+                    <dgm:constr type="lMarg" for="ch" forName="textBox3a" refType="userA" fact="2.834"/>
+                    <dgm:constr type="ctrX" for="ch" forName="bullet3b" refType="w" fact="0.38"/>
+                    <dgm:constr type="ctrY" for="ch" forName="bullet3b" refType="h" fact="0.456"/>
+                    <dgm:constr type="w" for="ch" forName="bullet3b" refType="w" fact="0.047"/>
+                    <dgm:constr type="h" for="ch" forName="bullet3b" refType="w" refFor="ch" refForName="bullet3b"/>
+                    <dgm:constr type="l" for="ch" forName="textBox3b" refType="ctrX" refFor="ch" refForName="bullet3b"/>
+                    <dgm:constr type="t" for="ch" forName="textBox3b" refType="ctrY" refFor="ch" refForName="bullet3b"/>
+                    <dgm:constr type="w" for="ch" forName="textBox3b" refType="w" fact="0.24"/>
+                    <dgm:constr type="h" for="ch" forName="textBox3b" refType="h" fact="0.544"/>
+                    <dgm:constr type="userB" refType="h" refFor="ch" refForName="bullet3b" fact="0.53"/>
+                    <dgm:constr type="lMarg" for="ch" forName="textBox3b" refType="userB" fact="2.834"/>
+                    <dgm:constr type="ctrX" for="ch" forName="bullet3c" refType="w" fact="0.665"/>
+                    <dgm:constr type="ctrY" for="ch" forName="bullet3c" refType="h" fact="0.305"/>
+                    <dgm:constr type="w" for="ch" forName="bullet3c" refType="w" fact="0.065"/>
+                    <dgm:constr type="h" for="ch" forName="bullet3c" refType="w" refFor="ch" refForName="bullet3c"/>
+                    <dgm:constr type="l" for="ch" forName="textBox3c" refType="ctrX" refFor="ch" refForName="bullet3c"/>
+                    <dgm:constr type="t" for="ch" forName="textBox3c" refType="ctrY" refFor="ch" refForName="bullet3c"/>
+                    <dgm:constr type="w" for="ch" forName="textBox3c" refType="w" fact="0.24"/>
+                    <dgm:constr type="h" for="ch" forName="textBox3c" refType="h" fact="0.695"/>
+                    <dgm:constr type="userC" refType="h" refFor="ch" refForName="bullet3c" fact="0.53"/>
+                    <dgm:constr type="lMarg" for="ch" forName="textBox3c" refType="userC" fact="2.834"/>
+                    <dgm:constr type="primFontSz" for="ch" ptType="node" op="equ" val="65"/>
+                  </dgm:constrLst>
+                </dgm:if>
+                <dgm:else name="Name39">
+                  <dgm:constrLst>
+                    <dgm:constr type="ctrX" for="ch" forName="bullet3a" refType="w" fact="0.14"/>
+                    <dgm:constr type="ctrY" for="ch" forName="bullet3a" refType="h" fact="0.711"/>
+                    <dgm:constr type="w" for="ch" forName="bullet3a" refType="w" fact="0.026"/>
+                    <dgm:constr type="h" for="ch" forName="bullet3a" refType="w" refFor="ch" refForName="bullet3a"/>
+                    <dgm:constr type="r" for="ch" forName="textBox3a" refType="ctrX" refFor="ch" refForName="bullet3a"/>
+                    <dgm:constr type="b" for="ch" forName="textBox3a" refType="ctrY" refFor="ch" refForName="bullet3a"/>
+                    <dgm:constr type="w" for="ch" forName="textBox3a" refType="w" fact="0.14"/>
+                    <dgm:constr type="h" for="ch" forName="textBox3a" refType="h" fact="0.711"/>
+                    <dgm:constr type="userA" refType="h" refFor="ch" refForName="bullet3a" fact="0.53"/>
+                    <dgm:constr type="rMarg" for="ch" forName="textBox3a" refType="userA" fact="2.834"/>
+                    <dgm:constr type="ctrX" for="ch" forName="bullet3b" refType="w" fact="0.38"/>
+                    <dgm:constr type="ctrY" for="ch" forName="bullet3b" refType="h" fact="0.456"/>
+                    <dgm:constr type="w" for="ch" forName="bullet3b" refType="w" fact="0.047"/>
+                    <dgm:constr type="h" for="ch" forName="bullet3b" refType="w" refFor="ch" refForName="bullet3b"/>
+                    <dgm:constr type="r" for="ch" forName="textBox3b" refType="ctrX" refFor="ch" refForName="bullet3b"/>
+                    <dgm:constr type="b" for="ch" forName="textBox3b" refType="ctrY" refFor="ch" refForName="bullet3b"/>
+                    <dgm:constr type="w" for="ch" forName="textBox3b" refType="w" fact="0.24"/>
+                    <dgm:constr type="h" for="ch" forName="textBox3b" refType="h" fact="0.456"/>
+                    <dgm:constr type="userB" refType="h" refFor="ch" refForName="bullet3b" fact="0.53"/>
+                    <dgm:constr type="rMarg" for="ch" forName="textBox3b" refType="userB" fact="2.834"/>
+                    <dgm:constr type="ctrX" for="ch" forName="bullet3c" refType="w" fact="0.665"/>
+                    <dgm:constr type="ctrY" for="ch" forName="bullet3c" refType="h" fact="0.305"/>
+                    <dgm:constr type="w" for="ch" forName="bullet3c" refType="w" fact="0.065"/>
+                    <dgm:constr type="h" for="ch" forName="bullet3c" refType="w" refFor="ch" refForName="bullet3c"/>
+                    <dgm:constr type="r" for="ch" forName="textBox3c" refType="ctrX" refFor="ch" refForName="bullet3c"/>
+                    <dgm:constr type="b" for="ch" forName="textBox3c" refType="ctrY" refFor="ch" refForName="bullet3c"/>
+                    <dgm:constr type="w" for="ch" forName="textBox3c" refType="w" fact="0.24"/>
+                    <dgm:constr type="h" for="ch" forName="textBox3c" refType="h" fact="0.305"/>
+                    <dgm:constr type="userC" refType="h" refFor="ch" refForName="bullet3c" fact="0.53"/>
+                    <dgm:constr type="rMarg" for="ch" forName="textBox3c" refType="userC" fact="2.834"/>
+                    <dgm:constr type="primFontSz" for="ch" ptType="node" op="equ" val="65"/>
+                  </dgm:constrLst>
+                </dgm:else>
+              </dgm:choose>
+              <dgm:ruleLst/>
+              <dgm:forEach name="Name40" axis="ch" ptType="node" cnt="1">
+                <dgm:layoutNode name="bullet3a" styleLbl="node1">
+                  <dgm:alg type="sp"/>
+                  <dgm:shape xmlns:r="http://schemas.openxmlformats.org/officeDocument/2006/relationships" type="ellipse" r:blip="">
+                    <dgm:adjLst/>
+                  </dgm:shape>
+                  <dgm:presOf/>
+                  <dgm:constrLst/>
+                  <dgm:ruleLst/>
+                </dgm:layoutNode>
+                <dgm:layoutNode name="textBox3a" styleLbl="revTx">
+                  <dgm:varLst>
+                    <dgm:bulletEnabled val="1"/>
+                  </dgm:varLst>
+                  <dgm:choose name="Name41">
+                    <dgm:if name="Name42" func="var" arg="dir" op="equ" val="norm">
+                      <dgm:choose name="Name43">
+                        <dgm:if name="Name44" axis="root des" ptType="all node" func="maxDepth" op="gt" val="1">
+                          <dgm:alg type="tx">
+                            <dgm:param type="txAnchorVert" val="t"/>
+                            <dgm:param type="parTxLTRAlign" val="l"/>
+                            <dgm:param type="parTxRTLAlign" val="r"/>
+                          </dgm:alg>
+                        </dgm:if>
+                        <dgm:else name="Name45">
+                          <dgm:alg type="tx">
+                            <dgm:param type="txAnchorVert" val="t"/>
+                            <dgm:param type="parTxLTRAlign" val="l"/>
+                            <dgm:param type="parTxRTLAlign" val="l"/>
+                          </dgm:alg>
+                        </dgm:else>
+                      </dgm:choose>
+                    </dgm:if>
+                    <dgm:else name="Name46">
+                      <dgm:choose name="Name47">
+                        <dgm:if name="Name48" axis="root des" ptType="all node" func="maxDepth" op="gt" val="1">
+                          <dgm:alg type="tx">
+                            <dgm:param type="txAnchorVert" val="b"/>
+                            <dgm:param type="txAnchorVertCh" val="b"/>
+                            <dgm:param type="parTxLTRAlign" val="l"/>
+                            <dgm:param type="parTxRTLAlign" val="r"/>
+                          </dgm:alg>
+                        </dgm:if>
+                        <dgm:else name="Name49">
+                          <dgm:alg type="tx">
+                            <dgm:param type="txAnchorVert" val="b"/>
+                            <dgm:param type="parTxLTRAlign" val="r"/>
+                            <dgm:param type="parTxRTLAlign" val="r"/>
+                          </dgm:alg>
+                        </dgm:else>
+                      </dgm:choose>
+                    </dgm:else>
+                  </dgm:choose>
+                  <dgm:shape xmlns:r="http://schemas.openxmlformats.org/officeDocument/2006/relationships" type="rect" r:blip="">
+                    <dgm:adjLst/>
+                  </dgm:shape>
+                  <dgm:presOf axis="desOrSelf" ptType="node"/>
+                  <dgm:choose name="Name50">
+                    <dgm:if name="Name51" func="var" arg="dir" op="equ" val="norm">
+                      <dgm:constrLst>
+                        <dgm:constr type="rMarg"/>
+                        <dgm:constr type="tMarg"/>
+                        <dgm:constr type="bMarg"/>
+                      </dgm:constrLst>
+                    </dgm:if>
+                    <dgm:else name="Name52">
+                      <dgm:constrLst>
+                        <dgm:constr type="lMarg"/>
+                        <dgm:constr type="tMarg"/>
+                        <dgm:constr type="bMarg"/>
+                      </dgm:constrLst>
+                    </dgm:else>
+                  </dgm:choose>
+                  <dgm:ruleLst>
+                    <dgm:rule type="primFontSz" val="5" fact="NaN" max="NaN"/>
+                  </dgm:ruleLst>
+                </dgm:layoutNode>
+              </dgm:forEach>
+              <dgm:forEach name="Name53" axis="ch" ptType="node" st="2" cnt="1">
+                <dgm:layoutNode name="bullet3b" styleLbl="node1">
+                  <dgm:alg type="sp"/>
+                  <dgm:shape xmlns:r="http://schemas.openxmlformats.org/officeDocument/2006/relationships" type="ellipse" r:blip="">
+                    <dgm:adjLst/>
+                  </dgm:shape>
+                  <dgm:presOf/>
+                  <dgm:constrLst/>
+                  <dgm:ruleLst/>
+                </dgm:layoutNode>
+                <dgm:layoutNode name="textBox3b" styleLbl="revTx">
+                  <dgm:varLst>
+                    <dgm:bulletEnabled val="1"/>
+                  </dgm:varLst>
+                  <dgm:choose name="Name54">
+                    <dgm:if name="Name55" func="var" arg="dir" op="equ" val="norm">
+                      <dgm:choose name="Name56">
+                        <dgm:if name="Name57" axis="root des" ptType="all node" func="maxDepth" op="gt" val="1">
+                          <dgm:alg type="tx">
+                            <dgm:param type="txAnchorVert" val="t"/>
+                            <dgm:param type="parTxLTRAlign" val="l"/>
+                            <dgm:param type="parTxRTLAlign" val="r"/>
+                          </dgm:alg>
+                        </dgm:if>
+                        <dgm:else name="Name58">
+                          <dgm:alg type="tx">
+                            <dgm:param type="txAnchorVert" val="t"/>
+                            <dgm:param type="parTxLTRAlign" val="l"/>
+                            <dgm:param type="parTxRTLAlign" val="l"/>
+                          </dgm:alg>
+                        </dgm:else>
+                      </dgm:choose>
+                    </dgm:if>
+                    <dgm:else name="Name59">
+                      <dgm:choose name="Name60">
+                        <dgm:if name="Name61" axis="root des" ptType="all node" func="maxDepth" op="gt" val="1">
+                          <dgm:alg type="tx">
+                            <dgm:param type="txAnchorVert" val="b"/>
+                            <dgm:param type="txAnchorVertCh" val="b"/>
+                            <dgm:param type="parTxLTRAlign" val="l"/>
+                            <dgm:param type="parTxRTLAlign" val="r"/>
+                          </dgm:alg>
+                        </dgm:if>
+                        <dgm:else name="Name62">
+                          <dgm:alg type="tx">
+                            <dgm:param type="txAnchorVert" val="b"/>
+                            <dgm:param type="parTxLTRAlign" val="r"/>
+                            <dgm:param type="parTxRTLAlign" val="r"/>
+                          </dgm:alg>
+                        </dgm:else>
+                      </dgm:choose>
+                    </dgm:else>
+                  </dgm:choose>
+                  <dgm:shape xmlns:r="http://schemas.openxmlformats.org/officeDocument/2006/relationships" type="rect" r:blip="">
+                    <dgm:adjLst/>
+                  </dgm:shape>
+                  <dgm:presOf axis="desOrSelf" ptType="node"/>
+                  <dgm:choose name="Name63">
+                    <dgm:if name="Name64" func="var" arg="dir" op="equ" val="norm">
+                      <dgm:constrLst>
+                        <dgm:constr type="rMarg"/>
+                        <dgm:constr type="tMarg"/>
+                        <dgm:constr type="bMarg"/>
+                      </dgm:constrLst>
+                    </dgm:if>
+                    <dgm:else name="Name65">
+                      <dgm:constrLst>
+                        <dgm:constr type="lMarg"/>
+                        <dgm:constr type="tMarg"/>
+                        <dgm:constr type="bMarg"/>
+                      </dgm:constrLst>
+                    </dgm:else>
+                  </dgm:choose>
+                  <dgm:ruleLst>
+                    <dgm:rule type="primFontSz" val="5" fact="NaN" max="NaN"/>
+                  </dgm:ruleLst>
+                </dgm:layoutNode>
+              </dgm:forEach>
+              <dgm:forEach name="Name66" axis="ch" ptType="node" st="3" cnt="1">
+                <dgm:layoutNode name="bullet3c" styleLbl="node1">
+                  <dgm:alg type="sp"/>
+                  <dgm:shape xmlns:r="http://schemas.openxmlformats.org/officeDocument/2006/relationships" type="ellipse" r:blip="">
+                    <dgm:adjLst/>
+                  </dgm:shape>
+                  <dgm:presOf/>
+                  <dgm:constrLst/>
+                  <dgm:ruleLst/>
+                </dgm:layoutNode>
+                <dgm:layoutNode name="textBox3c" styleLbl="revTx">
+                  <dgm:varLst>
+                    <dgm:bulletEnabled val="1"/>
+                  </dgm:varLst>
+                  <dgm:choose name="Name67">
+                    <dgm:if name="Name68" func="var" arg="dir" op="equ" val="norm">
+                      <dgm:choose name="Name69">
+                        <dgm:if name="Name70" axis="root des" ptType="all node" func="maxDepth" op="gt" val="1">
+                          <dgm:alg type="tx">
+                            <dgm:param type="txAnchorVert" val="t"/>
+                            <dgm:param type="parTxLTRAlign" val="l"/>
+                            <dgm:param type="parTxRTLAlign" val="r"/>
+                          </dgm:alg>
+                        </dgm:if>
+                        <dgm:else name="Name71">
+                          <dgm:alg type="tx">
+                            <dgm:param type="txAnchorVert" val="t"/>
+                            <dgm:param type="parTxLTRAlign" val="l"/>
+                            <dgm:param type="parTxRTLAlign" val="l"/>
+                          </dgm:alg>
+                        </dgm:else>
+                      </dgm:choose>
+                    </dgm:if>
+                    <dgm:else name="Name72">
+                      <dgm:choose name="Name73">
+                        <dgm:if name="Name74" axis="root des" ptType="all node" func="maxDepth" op="gt" val="1">
+                          <dgm:alg type="tx">
+                            <dgm:param type="txAnchorVert" val="b"/>
+                            <dgm:param type="txAnchorVertCh" val="b"/>
+                            <dgm:param type="parTxLTRAlign" val="l"/>
+                            <dgm:param type="parTxRTLAlign" val="r"/>
+                          </dgm:alg>
+                        </dgm:if>
+                        <dgm:else name="Name75">
+                          <dgm:alg type="tx">
+                            <dgm:param type="txAnchorVert" val="b"/>
+                            <dgm:param type="parTxLTRAlign" val="r"/>
+                            <dgm:param type="parTxRTLAlign" val="r"/>
+                          </dgm:alg>
+                        </dgm:else>
+                      </dgm:choose>
+                    </dgm:else>
+                  </dgm:choose>
+                  <dgm:shape xmlns:r="http://schemas.openxmlformats.org/officeDocument/2006/relationships" type="rect" r:blip="">
+                    <dgm:adjLst/>
+                  </dgm:shape>
+                  <dgm:presOf axis="desOrSelf" ptType="node"/>
+                  <dgm:choose name="Name76">
+                    <dgm:if name="Name77" func="var" arg="dir" op="equ" val="norm">
+                      <dgm:constrLst>
+                        <dgm:constr type="rMarg"/>
+                        <dgm:constr type="tMarg"/>
+                        <dgm:constr type="bMarg"/>
+                      </dgm:constrLst>
+                    </dgm:if>
+                    <dgm:else name="Name78">
+                      <dgm:constrLst>
+                        <dgm:constr type="lMarg"/>
+                        <dgm:constr type="tMarg"/>
+                        <dgm:constr type="bMarg"/>
+                      </dgm:constrLst>
+                    </dgm:else>
+                  </dgm:choose>
+                  <dgm:ruleLst>
+                    <dgm:rule type="primFontSz" val="5" fact="NaN" max="NaN"/>
+                  </dgm:ruleLst>
+                </dgm:layoutNode>
+              </dgm:forEach>
+            </dgm:layoutNode>
+          </dgm:if>
+          <dgm:if name="Name79" axis="ch" ptType="node" func="cnt" op="equ" val="4">
+            <dgm:layoutNode name="arrowDiagram4">
+              <dgm:alg type="composite">
+                <dgm:param type="vertAlign" val="none"/>
+                <dgm:param type="horzAlign" val="none"/>
+              </dgm:alg>
+              <dgm:shape xmlns:r="http://schemas.openxmlformats.org/officeDocument/2006/relationships" r:blip="">
+                <dgm:adjLst/>
+              </dgm:shape>
+              <dgm:presOf/>
+              <dgm:choose name="Name80">
+                <dgm:if name="Name81" func="var" arg="dir" op="equ" val="norm">
+                  <dgm:constrLst>
+                    <dgm:constr type="ctrX" for="ch" forName="bullet4a" refType="w" fact="0.11"/>
+                    <dgm:constr type="ctrY" for="ch" forName="bullet4a" refType="h" fact="0.762"/>
+                    <dgm:constr type="w" for="ch" forName="bullet4a" refType="w" fact="0.023"/>
+                    <dgm:constr type="h" for="ch" forName="bullet4a" refType="w" refFor="ch" refForName="bullet4a"/>
+                    <dgm:constr type="l" for="ch" forName="textBox4a" refType="ctrX" refFor="ch" refForName="bullet4a"/>
+                    <dgm:constr type="t" for="ch" forName="textBox4a" refType="ctrY" refFor="ch" refForName="bullet4a"/>
+                    <dgm:constr type="w" for="ch" forName="textBox4a" refType="w" fact="0.171"/>
+                    <dgm:constr type="h" for="ch" forName="textBox4a" refType="h" fact="0.238"/>
+                    <dgm:constr type="userA" refType="h" refFor="ch" refForName="bullet4a" fact="0.53"/>
+                    <dgm:constr type="lMarg" for="ch" forName="textBox4a" refType="userA" fact="2.834"/>
+                    <dgm:constr type="ctrX" for="ch" forName="bullet4b" refType="w" fact="0.281"/>
+                    <dgm:constr type="ctrY" for="ch" forName="bullet4b" refType="h" fact="0.543"/>
+                    <dgm:constr type="w" for="ch" forName="bullet4b" refType="w" fact="0.04"/>
+                    <dgm:constr type="h" for="ch" forName="bullet4b" refType="w" refFor="ch" refForName="bullet4b"/>
+                    <dgm:constr type="l" for="ch" forName="textBox4b" refType="ctrX" refFor="ch" refForName="bullet4b"/>
+                    <dgm:constr type="t" for="ch" forName="textBox4b" refType="ctrY" refFor="ch" refForName="bullet4b"/>
+                    <dgm:constr type="w" for="ch" forName="textBox4b" refType="w" fact="0.21"/>
+                    <dgm:constr type="h" for="ch" forName="textBox4b" refType="h" fact="0.457"/>
+                    <dgm:constr type="userB" refType="h" refFor="ch" refForName="bullet4b" fact="0.53"/>
+                    <dgm:constr type="lMarg" for="ch" forName="textBox4b" refType="userB" fact="2.834"/>
+                    <dgm:constr type="ctrX" for="ch" forName="bullet4c" refType="w" fact="0.495"/>
+                    <dgm:constr type="ctrY" for="ch" forName="bullet4c" refType="h" fact="0.382"/>
+                    <dgm:constr type="w" for="ch" forName="bullet4c" refType="w" fact="0.053"/>
+                    <dgm:constr type="h" for="ch" forName="bullet4c" refType="w" refFor="ch" refForName="bullet4c"/>
+                    <dgm:constr type="l" for="ch" forName="textBox4c" refType="ctrX" refFor="ch" refForName="bullet4c"/>
+                    <dgm:constr type="t" for="ch" forName="textBox4c" refType="ctrY" refFor="ch" refForName="bullet4c"/>
+                    <dgm:constr type="w" for="ch" forName="textBox4c" refType="w" fact="0.21"/>
+                    <dgm:constr type="h" for="ch" forName="textBox4c" refType="h" fact="0.618"/>
+                    <dgm:constr type="userC" refType="h" refFor="ch" refForName="bullet4c" fact="0.53"/>
+                    <dgm:constr type="lMarg" for="ch" forName="textBox4c" refType="userC" fact="2.834"/>
+                    <dgm:constr type="ctrX" for="ch" forName="bullet4d" refType="w" fact="0.73"/>
+                    <dgm:constr type="ctrY" for="ch" forName="bullet4d" refType="h" fact="0.283"/>
+                    <dgm:constr type="w" for="ch" forName="bullet4d" refType="w" fact="0.071"/>
+                    <dgm:constr type="h" for="ch" forName="bullet4d" refType="w" refFor="ch" refForName="bullet4d"/>
+                    <dgm:constr type="l" for="ch" forName="textBox4d" refType="ctrX" refFor="ch" refForName="bullet4d"/>
+                    <dgm:constr type="t" for="ch" forName="textBox4d" refType="ctrY" refFor="ch" refForName="bullet4d"/>
+                    <dgm:constr type="w" for="ch" forName="textBox4d" refType="w" fact="0.21"/>
+                    <dgm:constr type="h" for="ch" forName="textBox4d" refType="h" fact="0.717"/>
+                    <dgm:constr type="userD" refType="h" refFor="ch" refForName="bullet4d" fact="0.53"/>
+                    <dgm:constr type="lMarg" for="ch" forName="textBox4d" refType="userD" fact="2.834"/>
+                    <dgm:constr type="primFontSz" for="ch" ptType="node" op="equ" val="65"/>
+                  </dgm:constrLst>
+                </dgm:if>
+                <dgm:else name="Name82">
+                  <dgm:constrLst>
+                    <dgm:constr type="ctrX" for="ch" forName="bullet4a" refType="w" fact="0.11"/>
+                    <dgm:constr type="ctrY" for="ch" forName="bullet4a" refType="h" fact="0.762"/>
+                    <dgm:constr type="w" for="ch" forName="bullet4a" refType="w" fact="0.023"/>
+                    <dgm:constr type="h" for="ch" forName="bullet4a" refType="w" refFor="ch" refForName="bullet4a"/>
+                    <dgm:constr type="r" for="ch" forName="textBox4a" refType="ctrX" refFor="ch" refForName="bullet4a"/>
+                    <dgm:constr type="b" for="ch" forName="textBox4a" refType="ctrY" refFor="ch" refForName="bullet4a"/>
+                    <dgm:constr type="w" for="ch" forName="textBox4a" refType="w" fact="0.11"/>
+                    <dgm:constr type="h" for="ch" forName="textBox4a" refType="h" fact="0.762"/>
+                    <dgm:constr type="userA" refType="h" refFor="ch" refForName="bullet4a" fact="0.53"/>
+                    <dgm:constr type="rMarg" for="ch" forName="textBox4a" refType="userA" fact="2.834"/>
+                    <dgm:constr type="ctrX" for="ch" forName="bullet4b" refType="w" fact="0.281"/>
+                    <dgm:constr type="ctrY" for="ch" forName="bullet4b" refType="h" fact="0.543"/>
+                    <dgm:constr type="w" for="ch" forName="bullet4b" refType="w" fact="0.04"/>
+                    <dgm:constr type="h" for="ch" forName="bullet4b" refType="w" refFor="ch" refForName="bullet4b"/>
+                    <dgm:constr type="r" for="ch" forName="textBox4b" refType="ctrX" refFor="ch" refForName="bullet4b"/>
+                    <dgm:constr type="b" for="ch" forName="textBox4b" refType="ctrY" refFor="ch" refForName="bullet4b"/>
+                    <dgm:constr type="w" for="ch" forName="textBox4b" refType="w" fact="0.171"/>
+                    <dgm:constr type="h" for="ch" forName="textBox4b" refType="h" fact="0.543"/>
+                    <dgm:constr type="userB" refType="h" refFor="ch" refForName="bullet4b" fact="0.53"/>
+                    <dgm:constr type="rMarg" for="ch" forName="textBox4b" refType="userB" fact="2.834"/>
+                    <dgm:constr type="ctrX" for="ch" forName="bullet4c" refType="w" fact="0.495"/>
+                    <dgm:constr type="ctrY" for="ch" forName="bullet4c" refType="h" fact="0.382"/>
+                    <dgm:constr type="w" for="ch" forName="bullet4c" refType="w" fact="0.053"/>
+                    <dgm:constr type="h" for="ch" forName="bullet4c" refType="w" refFor="ch" refForName="bullet4c"/>
+                    <dgm:constr type="r" for="ch" forName="textBox4c" refType="ctrX" refFor="ch" refForName="bullet4c"/>
+                    <dgm:constr type="b" for="ch" forName="textBox4c" refType="ctrY" refFor="ch" refForName="bullet4c"/>
+                    <dgm:constr type="w" for="ch" forName="textBox4c" refType="w" fact="0.21"/>
+                    <dgm:constr type="h" for="ch" forName="textBox4c" refType="h" fact="0.382"/>
+                    <dgm:constr type="userC" refType="h" refFor="ch" refForName="bullet4c" fact="0.53"/>
+                    <dgm:constr type="rMarg" for="ch" forName="textBox4c" refType="userC" fact="2.834"/>
+                    <dgm:constr type="ctrX" for="ch" forName="bullet4d" refType="w" fact="0.73"/>
+                    <dgm:constr type="ctrY" for="ch" forName="bullet4d" refType="h" fact="0.283"/>
+                    <dgm:constr type="w" for="ch" forName="bullet4d" refType="w" fact="0.071"/>
+                    <dgm:constr type="h" for="ch" forName="bullet4d" refType="w" refFor="ch" refForName="bullet4d"/>
+                    <dgm:constr type="r" for="ch" forName="textBox4d" refType="ctrX" refFor="ch" refForName="bullet4d"/>
+                    <dgm:constr type="b" for="ch" forName="textBox4d" refType="ctrY" refFor="ch" refForName="bullet4d"/>
+                    <dgm:constr type="w" for="ch" forName="textBox4d" refType="w" fact="0.21"/>
+                    <dgm:constr type="h" for="ch" forName="textBox4d" refType="h" fact="0.283"/>
+                    <dgm:constr type="userD" refType="h" refFor="ch" refForName="bullet4d" fact="0.53"/>
+                    <dgm:constr type="rMarg" for="ch" forName="textBox4d" refType="userD" fact="2.834"/>
+                    <dgm:constr type="primFontSz" for="ch" ptType="node" op="equ" val="65"/>
+                  </dgm:constrLst>
+                </dgm:else>
+              </dgm:choose>
+              <dgm:ruleLst/>
+              <dgm:forEach name="Name83" axis="ch" ptType="node" cnt="1">
+                <dgm:layoutNode name="bullet4a" styleLbl="node1">
+                  <dgm:alg type="sp"/>
+                  <dgm:shape xmlns:r="http://schemas.openxmlformats.org/officeDocument/2006/relationships" type="ellipse" r:blip="">
+                    <dgm:adjLst/>
+                  </dgm:shape>
+                  <dgm:presOf/>
+                  <dgm:constrLst/>
+                  <dgm:ruleLst/>
+                </dgm:layoutNode>
+                <dgm:layoutNode name="textBox4a" styleLbl="revTx">
+                  <dgm:varLst>
+                    <dgm:bulletEnabled val="1"/>
+                  </dgm:varLst>
+                  <dgm:choose name="Name84">
+                    <dgm:if name="Name85" func="var" arg="dir" op="equ" val="norm">
+                      <dgm:choose name="Name86">
+                        <dgm:if name="Name87" axis="root des" ptType="all node" func="maxDepth" op="gt" val="1">
+                          <dgm:alg type="tx">
+                            <dgm:param type="txAnchorVert" val="t"/>
+                            <dgm:param type="parTxLTRAlign" val="l"/>
+                            <dgm:param type="parTxRTLAlign" val="r"/>
+                          </dgm:alg>
+                        </dgm:if>
+                        <dgm:else name="Name88">
+                          <dgm:alg type="tx">
+                            <dgm:param type="txAnchorVert" val="t"/>
+                            <dgm:param type="parTxLTRAlign" val="l"/>
+                            <dgm:param type="parTxRTLAlign" val="l"/>
+                          </dgm:alg>
+                        </dgm:else>
+                      </dgm:choose>
+                    </dgm:if>
+                    <dgm:else name="Name89">
+                      <dgm:choose name="Name90">
+                        <dgm:if name="Name91" axis="root des" ptType="all node" func="maxDepth" op="gt" val="1">
+                          <dgm:alg type="tx">
+                            <dgm:param type="txAnchorVert" val="b"/>
+                            <dgm:param type="txAnchorVertCh" val="b"/>
+                            <dgm:param type="parTxLTRAlign" val="l"/>
+                            <dgm:param type="parTxRTLAlign" val="r"/>
+                          </dgm:alg>
+                        </dgm:if>
+                        <dgm:else name="Name92">
+                          <dgm:alg type="tx">
+                            <dgm:param type="txAnchorVert" val="b"/>
+                            <dgm:param type="parTxLTRAlign" val="r"/>
+                            <dgm:param type="parTxRTLAlign" val="r"/>
+                          </dgm:alg>
+                        </dgm:else>
+                      </dgm:choose>
+                    </dgm:else>
+                  </dgm:choose>
+                  <dgm:shape xmlns:r="http://schemas.openxmlformats.org/officeDocument/2006/relationships" type="rect" r:blip="">
+                    <dgm:adjLst/>
+                  </dgm:shape>
+                  <dgm:presOf axis="desOrSelf" ptType="node"/>
+                  <dgm:choose name="Name93">
+                    <dgm:if name="Name94" func="var" arg="dir" op="equ" val="norm">
+                      <dgm:constrLst>
+                        <dgm:constr type="rMarg"/>
+                        <dgm:constr type="tMarg"/>
+                        <dgm:constr type="bMarg"/>
+                      </dgm:constrLst>
+                    </dgm:if>
+                    <dgm:else name="Name95">
+                      <dgm:constrLst>
+                        <dgm:constr type="lMarg"/>
+                        <dgm:constr type="tMarg"/>
+                        <dgm:constr type="bMarg"/>
+                      </dgm:constrLst>
+                    </dgm:else>
+                  </dgm:choose>
+                  <dgm:ruleLst>
+                    <dgm:rule type="primFontSz" val="5" fact="NaN" max="NaN"/>
+                  </dgm:ruleLst>
+                </dgm:layoutNode>
+              </dgm:forEach>
+              <dgm:forEach name="Name96" axis="ch" ptType="node" st="2" cnt="1">
+                <dgm:layoutNode name="bullet4b" styleLbl="node1">
+                  <dgm:alg type="sp"/>
+                  <dgm:shape xmlns:r="http://schemas.openxmlformats.org/officeDocument/2006/relationships" type="ellipse" r:blip="">
+                    <dgm:adjLst/>
+                  </dgm:shape>
+                  <dgm:presOf/>
+                  <dgm:constrLst/>
+                  <dgm:ruleLst/>
+                </dgm:layoutNode>
+                <dgm:layoutNode name="textBox4b" styleLbl="revTx">
+                  <dgm:varLst>
+                    <dgm:bulletEnabled val="1"/>
+                  </dgm:varLst>
+                  <dgm:choose name="Name97">
+                    <dgm:if name="Name98" func="var" arg="dir" op="equ" val="norm">
+                      <dgm:choose name="Name99">
+                        <dgm:if name="Name100" axis="root des" ptType="all node" func="maxDepth" op="gt" val="1">
+                          <dgm:alg type="tx">
+                            <dgm:param type="txAnchorVert" val="t"/>
+                            <dgm:param type="parTxLTRAlign" val="l"/>
+                            <dgm:param type="parTxRTLAlign" val="r"/>
+                          </dgm:alg>
+                        </dgm:if>
+                        <dgm:else name="Name101">
+                          <dgm:alg type="tx">
+                            <dgm:param type="txAnchorVert" val="t"/>
+                            <dgm:param type="parTxLTRAlign" val="l"/>
+                            <dgm:param type="parTxRTLAlign" val="l"/>
+                          </dgm:alg>
+                        </dgm:else>
+                      </dgm:choose>
+                    </dgm:if>
+                    <dgm:else name="Name102">
+                      <dgm:choose name="Name103">
+                        <dgm:if name="Name104" axis="root des" ptType="all node" func="maxDepth" op="gt" val="1">
+                          <dgm:alg type="tx">
+                            <dgm:param type="txAnchorVert" val="b"/>
+                            <dgm:param type="txAnchorVertCh" val="b"/>
+                            <dgm:param type="parTxLTRAlign" val="l"/>
+                            <dgm:param type="parTxRTLAlign" val="r"/>
+                          </dgm:alg>
+                        </dgm:if>
+                        <dgm:else name="Name105">
+                          <dgm:alg type="tx">
+                            <dgm:param type="txAnchorVert" val="b"/>
+                            <dgm:param type="parTxLTRAlign" val="r"/>
+                            <dgm:param type="parTxRTLAlign" val="r"/>
+                          </dgm:alg>
+                        </dgm:else>
+                      </dgm:choose>
+                    </dgm:else>
+                  </dgm:choose>
+                  <dgm:shape xmlns:r="http://schemas.openxmlformats.org/officeDocument/2006/relationships" type="rect" r:blip="">
+                    <dgm:adjLst/>
+                  </dgm:shape>
+                  <dgm:presOf axis="desOrSelf" ptType="node"/>
+                  <dgm:choose name="Name106">
+                    <dgm:if name="Name107" func="var" arg="dir" op="equ" val="norm">
+                      <dgm:constrLst>
+                        <dgm:constr type="rMarg"/>
+                        <dgm:constr type="tMarg"/>
+                        <dgm:constr type="bMarg"/>
+                      </dgm:constrLst>
+                    </dgm:if>
+                    <dgm:else name="Name108">
+                      <dgm:constrLst>
+                        <dgm:constr type="lMarg"/>
+                        <dgm:constr type="tMarg"/>
+                        <dgm:constr type="bMarg"/>
+                      </dgm:constrLst>
+                    </dgm:else>
+                  </dgm:choose>
+                  <dgm:ruleLst>
+                    <dgm:rule type="primFontSz" val="5" fact="NaN" max="NaN"/>
+                  </dgm:ruleLst>
+                </dgm:layoutNode>
+              </dgm:forEach>
+              <dgm:forEach name="Name109" axis="ch" ptType="node" st="3" cnt="1">
+                <dgm:layoutNode name="bullet4c" styleLbl="node1">
+                  <dgm:alg type="sp"/>
+                  <dgm:shape xmlns:r="http://schemas.openxmlformats.org/officeDocument/2006/relationships" type="ellipse" r:blip="">
+                    <dgm:adjLst/>
+                  </dgm:shape>
+                  <dgm:presOf/>
+                  <dgm:constrLst/>
+                  <dgm:ruleLst/>
+                </dgm:layoutNode>
+                <dgm:layoutNode name="textBox4c" styleLbl="revTx">
+                  <dgm:varLst>
+                    <dgm:bulletEnabled val="1"/>
+                  </dgm:varLst>
+                  <dgm:choose name="Name110">
+                    <dgm:if name="Name111" func="var" arg="dir" op="equ" val="norm">
+                      <dgm:choose name="Name112">
+                        <dgm:if name="Name113" axis="root des" ptType="all node" func="maxDepth" op="gt" val="1">
+                          <dgm:alg type="tx">
+                            <dgm:param type="txAnchorVert" val="t"/>
+                            <dgm:param type="parTxLTRAlign" val="l"/>
+                            <dgm:param type="parTxRTLAlign" val="r"/>
+                          </dgm:alg>
+                        </dgm:if>
+                        <dgm:else name="Name114">
+                          <dgm:alg type="tx">
+                            <dgm:param type="txAnchorVert" val="t"/>
+                            <dgm:param type="parTxLTRAlign" val="l"/>
+                            <dgm:param type="parTxRTLAlign" val="l"/>
+                          </dgm:alg>
+                        </dgm:else>
+                      </dgm:choose>
+                    </dgm:if>
+                    <dgm:else name="Name115">
+                      <dgm:choose name="Name116">
+                        <dgm:if name="Name117" axis="root des" ptType="all node" func="maxDepth" op="gt" val="1">
+                          <dgm:alg type="tx">
+                            <dgm:param type="txAnchorVert" val="b"/>
+                            <dgm:param type="txAnchorVertCh" val="b"/>
+                            <dgm:param type="parTxLTRAlign" val="l"/>
+                            <dgm:param type="parTxRTLAlign" val="r"/>
+                          </dgm:alg>
+                        </dgm:if>
+                        <dgm:else name="Name118">
+                          <dgm:alg type="tx">
+                            <dgm:param type="txAnchorVert" val="b"/>
+                            <dgm:param type="parTxLTRAlign" val="r"/>
+                            <dgm:param type="parTxRTLAlign" val="r"/>
+                          </dgm:alg>
+                        </dgm:else>
+                      </dgm:choose>
+                    </dgm:else>
+                  </dgm:choose>
+                  <dgm:shape xmlns:r="http://schemas.openxmlformats.org/officeDocument/2006/relationships" type="rect" r:blip="">
+                    <dgm:adjLst/>
+                  </dgm:shape>
+                  <dgm:presOf axis="desOrSelf" ptType="node"/>
+                  <dgm:choose name="Name119">
+                    <dgm:if name="Name120" func="var" arg="dir" op="equ" val="norm">
+                      <dgm:constrLst>
+                        <dgm:constr type="rMarg"/>
+                        <dgm:constr type="tMarg"/>
+                        <dgm:constr type="bMarg"/>
+                      </dgm:constrLst>
+                    </dgm:if>
+                    <dgm:else name="Name121">
+                      <dgm:constrLst>
+                        <dgm:constr type="lMarg"/>
+                        <dgm:constr type="tMarg"/>
+                        <dgm:constr type="bMarg"/>
+                      </dgm:constrLst>
+                    </dgm:else>
+                  </dgm:choose>
+                  <dgm:ruleLst>
+                    <dgm:rule type="primFontSz" val="5" fact="NaN" max="NaN"/>
+                  </dgm:ruleLst>
+                </dgm:layoutNode>
+              </dgm:forEach>
+              <dgm:forEach name="Name122" axis="ch" ptType="node" st="4" cnt="1">
+                <dgm:layoutNode name="bullet4d" styleLbl="node1">
+                  <dgm:alg type="sp"/>
+                  <dgm:shape xmlns:r="http://schemas.openxmlformats.org/officeDocument/2006/relationships" type="ellipse" r:blip="">
+                    <dgm:adjLst/>
+                  </dgm:shape>
+                  <dgm:presOf/>
+                  <dgm:constrLst/>
+                  <dgm:ruleLst/>
+                </dgm:layoutNode>
+                <dgm:layoutNode name="textBox4d" styleLbl="revTx">
+                  <dgm:varLst>
+                    <dgm:bulletEnabled val="1"/>
+                  </dgm:varLst>
+                  <dgm:choose name="Name123">
+                    <dgm:if name="Name124" func="var" arg="dir" op="equ" val="norm">
+                      <dgm:choose name="Name125">
+                        <dgm:if name="Name126" axis="root des" ptType="all node" func="maxDepth" op="gt" val="1">
+                          <dgm:alg type="tx">
+                            <dgm:param type="txAnchorVert" val="t"/>
+                            <dgm:param type="parTxLTRAlign" val="l"/>
+                            <dgm:param type="parTxRTLAlign" val="r"/>
+                          </dgm:alg>
+                        </dgm:if>
+                        <dgm:else name="Name127">
+                          <dgm:alg type="tx">
+                            <dgm:param type="txAnchorVert" val="t"/>
+                            <dgm:param type="parTxLTRAlign" val="l"/>
+                            <dgm:param type="parTxRTLAlign" val="l"/>
+                          </dgm:alg>
+                        </dgm:else>
+                      </dgm:choose>
+                    </dgm:if>
+                    <dgm:else name="Name128">
+                      <dgm:choose name="Name129">
+                        <dgm:if name="Name130" axis="root des" ptType="all node" func="maxDepth" op="gt" val="1">
+                          <dgm:alg type="tx">
+                            <dgm:param type="txAnchorVert" val="b"/>
+                            <dgm:param type="txAnchorVertCh" val="b"/>
+                            <dgm:param type="parTxLTRAlign" val="l"/>
+                            <dgm:param type="parTxRTLAlign" val="r"/>
+                          </dgm:alg>
+                        </dgm:if>
+                        <dgm:else name="Name131">
+                          <dgm:alg type="tx">
+                            <dgm:param type="txAnchorVert" val="b"/>
+                            <dgm:param type="parTxLTRAlign" val="r"/>
+                            <dgm:param type="parTxRTLAlign" val="r"/>
+                          </dgm:alg>
+                        </dgm:else>
+                      </dgm:choose>
+                    </dgm:else>
+                  </dgm:choose>
+                  <dgm:shape xmlns:r="http://schemas.openxmlformats.org/officeDocument/2006/relationships" type="rect" r:blip="">
+                    <dgm:adjLst/>
+                  </dgm:shape>
+                  <dgm:presOf axis="desOrSelf" ptType="node"/>
+                  <dgm:choose name="Name132">
+                    <dgm:if name="Name133" func="var" arg="dir" op="equ" val="norm">
+                      <dgm:constrLst>
+                        <dgm:constr type="rMarg"/>
+                        <dgm:constr type="tMarg"/>
+                        <dgm:constr type="bMarg"/>
+                      </dgm:constrLst>
+                    </dgm:if>
+                    <dgm:else name="Name134">
+                      <dgm:constrLst>
+                        <dgm:constr type="lMarg"/>
+                        <dgm:constr type="tMarg"/>
+                        <dgm:constr type="bMarg"/>
+                      </dgm:constrLst>
+                    </dgm:else>
+                  </dgm:choose>
+                  <dgm:ruleLst>
+                    <dgm:rule type="primFontSz" val="5" fact="NaN" max="NaN"/>
+                  </dgm:ruleLst>
+                </dgm:layoutNode>
+              </dgm:forEach>
+            </dgm:layoutNode>
+          </dgm:if>
+          <dgm:else name="Name135">
+            <dgm:layoutNode name="arrowDiagram5">
+              <dgm:alg type="composite">
+                <dgm:param type="vertAlign" val="none"/>
+                <dgm:param type="horzAlign" val="none"/>
+              </dgm:alg>
+              <dgm:shape xmlns:r="http://schemas.openxmlformats.org/officeDocument/2006/relationships" r:blip="">
+                <dgm:adjLst/>
+              </dgm:shape>
+              <dgm:presOf/>
+              <dgm:choose name="Name136">
+                <dgm:if name="Name137" func="var" arg="dir" op="equ" val="norm">
+                  <dgm:constrLst>
+                    <dgm:constr type="ctrX" for="ch" forName="bullet5a" refType="w" fact="0.11"/>
+                    <dgm:constr type="ctrY" for="ch" forName="bullet5a" refType="h" fact="0.762"/>
+                    <dgm:constr type="w" for="ch" forName="bullet5a" refType="w" fact="0.023"/>
+                    <dgm:constr type="h" for="ch" forName="bullet5a" refType="w" refFor="ch" refForName="bullet5a"/>
+                    <dgm:constr type="l" for="ch" forName="textBox5a" refType="ctrX" refFor="ch" refForName="bullet5a"/>
+                    <dgm:constr type="t" for="ch" forName="textBox5a" refType="ctrY" refFor="ch" refForName="bullet5a"/>
+                    <dgm:constr type="w" for="ch" forName="textBox5a" refType="w" fact="0.131"/>
+                    <dgm:constr type="h" for="ch" forName="textBox5a" refType="h" fact="0.238"/>
+                    <dgm:constr type="userA" refType="h" refFor="ch" refForName="bullet5a" fact="0.53"/>
+                    <dgm:constr type="lMarg" for="ch" forName="textBox5a" refType="userA" fact="2.834"/>
+                    <dgm:constr type="ctrX" for="ch" forName="bullet5b" refType="w" fact="0.241"/>
+                    <dgm:constr type="ctrY" for="ch" forName="bullet5b" refType="h" fact="0.581"/>
+                    <dgm:constr type="w" for="ch" forName="bullet5b" refType="w" fact="0.036"/>
+                    <dgm:constr type="h" for="ch" forName="bullet5b" refType="w" refFor="ch" refForName="bullet5b"/>
+                    <dgm:constr type="l" for="ch" forName="textBox5b" refType="ctrX" refFor="ch" refForName="bullet5b"/>
+                    <dgm:constr type="t" for="ch" forName="textBox5b" refType="ctrY" refFor="ch" refForName="bullet5b"/>
+                    <dgm:constr type="w" for="ch" forName="textBox5b" refType="w" fact="0.166"/>
+                    <dgm:constr type="h" for="ch" forName="textBox5b" refType="h" fact="0.419"/>
+                    <dgm:constr type="userB" refType="h" refFor="ch" refForName="bullet5b" fact="0.53"/>
+                    <dgm:constr type="lMarg" for="ch" forName="textBox5b" refType="userB" fact="2.834"/>
+                    <dgm:constr type="ctrX" for="ch" forName="bullet5c" refType="w" fact="0.407"/>
+                    <dgm:constr type="ctrY" for="ch" forName="bullet5c" refType="h" fact="0.438"/>
+                    <dgm:constr type="w" for="ch" forName="bullet5c" refType="w" fact="0.048"/>
+                    <dgm:constr type="h" for="ch" forName="bullet5c" refType="w" refFor="ch" refForName="bullet5c"/>
+                    <dgm:constr type="l" for="ch" forName="textBox5c" refType="ctrX" refFor="ch" refForName="bullet5c"/>
+                    <dgm:constr type="t" for="ch" forName="textBox5c" refType="ctrY" refFor="ch" refForName="bullet5c"/>
+                    <dgm:constr type="w" for="ch" forName="textBox5c" refType="w" fact="0.193"/>
+                    <dgm:constr type="h" for="ch" forName="textBox5c" refType="h" fact="0.562"/>
+                    <dgm:constr type="userC" refType="h" refFor="ch" refForName="bullet5c" fact="0.53"/>
+                    <dgm:constr type="lMarg" for="ch" forName="textBox5c" refType="userC" fact="2.834"/>
+                    <dgm:constr type="ctrX" for="ch" forName="bullet5d" refType="w" fact="0.6"/>
+                    <dgm:constr type="ctrY" for="ch" forName="bullet5d" refType="h" fact="0.33"/>
+                    <dgm:constr type="w" for="ch" forName="bullet5d" refType="w" fact="0.062"/>
+                    <dgm:constr type="h" for="ch" forName="bullet5d" refType="w" refFor="ch" refForName="bullet5d"/>
+                    <dgm:constr type="l" for="ch" forName="textBox5d" refType="ctrX" refFor="ch" refForName="bullet5d"/>
+                    <dgm:constr type="t" for="ch" forName="textBox5d" refType="ctrY" refFor="ch" refForName="bullet5d"/>
+                    <dgm:constr type="w" for="ch" forName="textBox5d" refType="w" fact="0.2"/>
+                    <dgm:constr type="h" for="ch" forName="textBox5d" refType="h" fact="0.67"/>
+                    <dgm:constr type="userD" refType="h" refFor="ch" refForName="bullet5d" fact="0.53"/>
+                    <dgm:constr type="lMarg" for="ch" forName="textBox5d" refType="userD" fact="2.834"/>
+                    <dgm:constr type="ctrX" for="ch" forName="bullet5e" refType="w" fact="0.8"/>
+                    <dgm:constr type="ctrY" for="ch" forName="bullet5e" refType="h" fact="0.264"/>
+                    <dgm:constr type="w" for="ch" forName="bullet5e" refType="w" fact="0.079"/>
+                    <dgm:constr type="h" for="ch" forName="bullet5e" refType="w" refFor="ch" refForName="bullet5e"/>
+                    <dgm:constr type="l" for="ch" forName="textBox5e" refType="ctrX" refFor="ch" refForName="bullet5e"/>
+                    <dgm:constr type="t" for="ch" forName="textBox5e" refType="ctrY" refFor="ch" refForName="bullet5e"/>
+                    <dgm:constr type="w" for="ch" forName="textBox5e" refType="w" fact="0.2"/>
+                    <dgm:constr type="h" for="ch" forName="textBox5e" refType="h" fact="0.736"/>
+                    <dgm:constr type="userE" refType="h" refFor="ch" refForName="bullet5e" fact="0.53"/>
+                    <dgm:constr type="lMarg" for="ch" forName="textBox5e" refType="userE" fact="2.834"/>
+                    <dgm:constr type="primFontSz" for="ch" ptType="node" op="equ" val="65"/>
+                  </dgm:constrLst>
+                </dgm:if>
+                <dgm:else name="Name138">
+                  <dgm:constrLst>
+                    <dgm:constr type="ctrX" for="ch" forName="bullet5a" refType="w" fact="0.11"/>
+                    <dgm:constr type="ctrY" for="ch" forName="bullet5a" refType="h" fact="0.762"/>
+                    <dgm:constr type="w" for="ch" forName="bullet5a" refType="w" fact="0.023"/>
+                    <dgm:constr type="h" for="ch" forName="bullet5a" refType="w" refFor="ch" refForName="bullet5a"/>
+                    <dgm:constr type="r" for="ch" forName="textBox5a" refType="ctrX" refFor="ch" refForName="bullet5a"/>
+                    <dgm:constr type="b" for="ch" forName="textBox5a" refType="ctrY" refFor="ch" refForName="bullet5a"/>
+                    <dgm:constr type="w" for="ch" forName="textBox5a" refType="w" fact="0.11"/>
+                    <dgm:constr type="h" for="ch" forName="textBox5a" refType="h" fact="0.762"/>
+                    <dgm:constr type="userA" refType="h" refFor="ch" refForName="bullet5a" fact="0.53"/>
+                    <dgm:constr type="rMarg" for="ch" forName="textBox5a" refType="userA" fact="2.834"/>
+                    <dgm:constr type="ctrX" for="ch" forName="bullet5b" refType="w" fact="0.241"/>
+                    <dgm:constr type="ctrY" for="ch" forName="bullet5b" refType="h" fact="0.581"/>
+                    <dgm:constr type="w" for="ch" forName="bullet5b" refType="w" fact="0.036"/>
+                    <dgm:constr type="h" for="ch" forName="bullet5b" refType="w" refFor="ch" refForName="bullet5b"/>
+                    <dgm:constr type="r" for="ch" forName="textBox5b" refType="ctrX" refFor="ch" refForName="bullet5b"/>
+                    <dgm:constr type="b" for="ch" forName="textBox5b" refType="ctrY" refFor="ch" refForName="bullet5b"/>
+                    <dgm:constr type="w" for="ch" forName="textBox5b" refType="w" fact="0.131"/>
+                    <dgm:constr type="h" for="ch" forName="textBox5b" refType="h" fact="0.581"/>
+                    <dgm:constr type="userB" refType="h" refFor="ch" refForName="bullet5b" fact="0.53"/>
+                    <dgm:constr type="rMarg" for="ch" forName="textBox5b" refType="userB" fact="2.834"/>
+                    <dgm:constr type="ctrX" for="ch" forName="bullet5c" refType="w" fact="0.407"/>
+                    <dgm:constr type="ctrY" for="ch" forName="bullet5c" refType="h" fact="0.438"/>
+                    <dgm:constr type="w" for="ch" forName="bullet5c" refType="w" fact="0.048"/>
+                    <dgm:constr type="h" for="ch" forName="bullet5c" refType="w" refFor="ch" refForName="bullet5c"/>
+                    <dgm:constr type="r" for="ch" forName="textBox5c" refType="ctrX" refFor="ch" refForName="bullet5c"/>
+                    <dgm:constr type="b" for="ch" forName="textBox5c" refType="ctrY" refFor="ch" refForName="bullet5c"/>
+                    <dgm:constr type="w" for="ch" forName="textBox5c" refType="w" fact="0.166"/>
+                    <dgm:constr type="h" for="ch" forName="textBox5c" refType="h" fact="0.438"/>
+                    <dgm:constr type="userC" refType="h" refFor="ch" refForName="bullet5c" fact="0.53"/>
+                    <dgm:constr type="rMarg" for="ch" forName="textBox5c" refType="userC" fact="2.834"/>
+                    <dgm:constr type="ctrX" for="ch" forName="bullet5d" refType="w" fact="0.6"/>
+                    <dgm:constr type="ctrY" for="ch" forName="bullet5d" refType="h" fact="0.33"/>
+                    <dgm:constr type="w" for="ch" forName="bullet5d" refType="w" fact="0.062"/>
+                    <dgm:constr type="h" for="ch" forName="bullet5d" refType="w" refFor="ch" refForName="bullet5d"/>
+                    <dgm:constr type="r" for="ch" forName="textBox5d" refType="ctrX" refFor="ch" refForName="bullet5d"/>
+                    <dgm:constr type="b" for="ch" forName="textBox5d" refType="ctrY" refFor="ch" refForName="bullet5d"/>
+                    <dgm:constr type="w" for="ch" forName="textBox5d" refType="w" fact="0.193"/>
+                    <dgm:constr type="h" for="ch" forName="textBox5d" refType="h" fact="0.33"/>
+                    <dgm:constr type="userD" refType="h" refFor="ch" refForName="bullet5d" fact="0.53"/>
+                    <dgm:constr type="rMarg" for="ch" forName="textBox5d" refType="userD" fact="2.834"/>
+                    <dgm:constr type="ctrX" for="ch" forName="bullet5e" refType="w" fact="0.8"/>
+                    <dgm:constr type="ctrY" for="ch" forName="bullet5e" refType="h" fact="0.264"/>
+                    <dgm:constr type="w" for="ch" forName="bullet5e" refType="w" fact="0.079"/>
+                    <dgm:constr type="h" for="ch" forName="bullet5e" refType="w" refFor="ch" refForName="bullet5e"/>
+                    <dgm:constr type="r" for="ch" forName="textBox5e" refType="ctrX" refFor="ch" refForName="bullet5e"/>
+                    <dgm:constr type="b" for="ch" forName="textBox5e" refType="ctrY" refFor="ch" refForName="bullet5e"/>
+                    <dgm:constr type="w" for="ch" forName="textBox5e" refType="w" fact="0.2"/>
+                    <dgm:constr type="h" for="ch" forName="textBox5e" refType="h" fact="0.264"/>
+                    <dgm:constr type="userE" refType="h" refFor="ch" refForName="bullet5e" fact="0.53"/>
+                    <dgm:constr type="rMarg" for="ch" forName="textBox5e" refType="userE" fact="2.834"/>
+                    <dgm:constr type="primFontSz" for="ch" ptType="node" op="equ" val="65"/>
+                  </dgm:constrLst>
+                </dgm:else>
+              </dgm:choose>
+              <dgm:ruleLst/>
+              <dgm:forEach name="Name139" axis="ch" ptType="node" cnt="1">
+                <dgm:layoutNode name="bullet5a" styleLbl="node1">
+                  <dgm:alg type="sp"/>
+                  <dgm:shape xmlns:r="http://schemas.openxmlformats.org/officeDocument/2006/relationships" type="ellipse" r:blip="">
+                    <dgm:adjLst/>
+                  </dgm:shape>
+                  <dgm:presOf/>
+                  <dgm:constrLst/>
+                  <dgm:ruleLst/>
+                </dgm:layoutNode>
+                <dgm:layoutNode name="textBox5a" styleLbl="revTx">
+                  <dgm:varLst>
+                    <dgm:bulletEnabled val="1"/>
+                  </dgm:varLst>
+                  <dgm:choose name="Name140">
+                    <dgm:if name="Name141" func="var" arg="dir" op="equ" val="norm">
+                      <dgm:choose name="Name142">
+                        <dgm:if name="Name143" axis="root des" ptType="all node" func="maxDepth" op="gt" val="1">
+                          <dgm:alg type="tx">
+                            <dgm:param type="txAnchorVert" val="t"/>
+                            <dgm:param type="parTxLTRAlign" val="l"/>
+                            <dgm:param type="parTxRTLAlign" val="r"/>
+                          </dgm:alg>
+                        </dgm:if>
+                        <dgm:else name="Name144">
+                          <dgm:alg type="tx">
+                            <dgm:param type="txAnchorVert" val="t"/>
+                            <dgm:param type="parTxLTRAlign" val="l"/>
+                            <dgm:param type="parTxRTLAlign" val="l"/>
+                          </dgm:alg>
+                        </dgm:else>
+                      </dgm:choose>
+                    </dgm:if>
+                    <dgm:else name="Name145">
+                      <dgm:choose name="Name146">
+                        <dgm:if name="Name147" axis="root des" ptType="all node" func="maxDepth" op="gt" val="1">
+                          <dgm:alg type="tx">
+                            <dgm:param type="txAnchorVert" val="b"/>
+                            <dgm:param type="txAnchorVertCh" val="b"/>
+                            <dgm:param type="parTxLTRAlign" val="l"/>
+                            <dgm:param type="parTxRTLAlign" val="r"/>
+                          </dgm:alg>
+                        </dgm:if>
+                        <dgm:else name="Name148">
+                          <dgm:alg type="tx">
+                            <dgm:param type="txAnchorVert" val="b"/>
+                            <dgm:param type="parTxLTRAlign" val="r"/>
+                            <dgm:param type="parTxRTLAlign" val="r"/>
+                          </dgm:alg>
+                        </dgm:else>
+                      </dgm:choose>
+                    </dgm:else>
+                  </dgm:choose>
+                  <dgm:shape xmlns:r="http://schemas.openxmlformats.org/officeDocument/2006/relationships" type="rect" r:blip="">
+                    <dgm:adjLst/>
+                  </dgm:shape>
+                  <dgm:presOf axis="desOrSelf" ptType="node"/>
+                  <dgm:choose name="Name149">
+                    <dgm:if name="Name150" func="var" arg="dir" op="equ" val="norm">
+                      <dgm:constrLst>
+                        <dgm:constr type="rMarg"/>
+                        <dgm:constr type="tMarg"/>
+                        <dgm:constr type="bMarg"/>
+                      </dgm:constrLst>
+                    </dgm:if>
+                    <dgm:else name="Name151">
+                      <dgm:constrLst>
+                        <dgm:constr type="lMarg"/>
+                        <dgm:constr type="tMarg"/>
+                        <dgm:constr type="bMarg"/>
+                      </dgm:constrLst>
+                    </dgm:else>
+                  </dgm:choose>
+                  <dgm:ruleLst>
+                    <dgm:rule type="primFontSz" val="5" fact="NaN" max="NaN"/>
+                  </dgm:ruleLst>
+                </dgm:layoutNode>
+              </dgm:forEach>
+              <dgm:forEach name="Name152" axis="ch" ptType="node" st="2" cnt="1">
+                <dgm:layoutNode name="bullet5b" styleLbl="node1">
+                  <dgm:alg type="sp"/>
+                  <dgm:shape xmlns:r="http://schemas.openxmlformats.org/officeDocument/2006/relationships" type="ellipse" r:blip="">
+                    <dgm:adjLst/>
+                  </dgm:shape>
+                  <dgm:presOf/>
+                  <dgm:constrLst/>
+                  <dgm:ruleLst/>
+                </dgm:layoutNode>
+                <dgm:layoutNode name="textBox5b" styleLbl="revTx">
+                  <dgm:varLst>
+                    <dgm:bulletEnabled val="1"/>
+                  </dgm:varLst>
+                  <dgm:choose name="Name153">
+                    <dgm:if name="Name154" func="var" arg="dir" op="equ" val="norm">
+                      <dgm:choose name="Name155">
+                        <dgm:if name="Name156" axis="root des" ptType="all node" func="maxDepth" op="gt" val="1">
+                          <dgm:alg type="tx">
+                            <dgm:param type="txAnchorVert" val="t"/>
+                            <dgm:param type="parTxLTRAlign" val="l"/>
+                            <dgm:param type="parTxRTLAlign" val="r"/>
+                          </dgm:alg>
+                        </dgm:if>
+                        <dgm:else name="Name157">
+                          <dgm:alg type="tx">
+                            <dgm:param type="txAnchorVert" val="t"/>
+                            <dgm:param type="parTxLTRAlign" val="l"/>
+                            <dgm:param type="parTxRTLAlign" val="l"/>
+                          </dgm:alg>
+                        </dgm:else>
+                      </dgm:choose>
+                    </dgm:if>
+                    <dgm:else name="Name158">
+                      <dgm:choose name="Name159">
+                        <dgm:if name="Name160" axis="root des" ptType="all node" func="maxDepth" op="gt" val="1">
+                          <dgm:alg type="tx">
+                            <dgm:param type="txAnchorVert" val="b"/>
+                            <dgm:param type="txAnchorVertCh" val="b"/>
+                            <dgm:param type="parTxLTRAlign" val="l"/>
+                            <dgm:param type="parTxRTLAlign" val="r"/>
+                          </dgm:alg>
+                        </dgm:if>
+                        <dgm:else name="Name161">
+                          <dgm:alg type="tx">
+                            <dgm:param type="txAnchorVert" val="b"/>
+                            <dgm:param type="parTxLTRAlign" val="r"/>
+                            <dgm:param type="parTxRTLAlign" val="r"/>
+                          </dgm:alg>
+                        </dgm:else>
+                      </dgm:choose>
+                    </dgm:else>
+                  </dgm:choose>
+                  <dgm:shape xmlns:r="http://schemas.openxmlformats.org/officeDocument/2006/relationships" type="rect" r:blip="">
+                    <dgm:adjLst/>
+                  </dgm:shape>
+                  <dgm:presOf axis="desOrSelf" ptType="node"/>
+                  <dgm:choose name="Name162">
+                    <dgm:if name="Name163" func="var" arg="dir" op="equ" val="norm">
+                      <dgm:constrLst>
+                        <dgm:constr type="rMarg"/>
+                        <dgm:constr type="tMarg"/>
+                        <dgm:constr type="bMarg"/>
+                      </dgm:constrLst>
+                    </dgm:if>
+                    <dgm:else name="Name164">
+                      <dgm:constrLst>
+                        <dgm:constr type="lMarg"/>
+                        <dgm:constr type="tMarg"/>
+                        <dgm:constr type="bMarg"/>
+                      </dgm:constrLst>
+                    </dgm:else>
+                  </dgm:choose>
+                  <dgm:ruleLst>
+                    <dgm:rule type="primFontSz" val="5" fact="NaN" max="NaN"/>
+                  </dgm:ruleLst>
+                </dgm:layoutNode>
+              </dgm:forEach>
+              <dgm:forEach name="Name165" axis="ch" ptType="node" st="3" cnt="1">
+                <dgm:layoutNode name="bullet5c" styleLbl="node1">
+                  <dgm:alg type="sp"/>
+                  <dgm:shape xmlns:r="http://schemas.openxmlformats.org/officeDocument/2006/relationships" type="ellipse" r:blip="">
+                    <dgm:adjLst/>
+                  </dgm:shape>
+                  <dgm:presOf/>
+                  <dgm:constrLst/>
+                  <dgm:ruleLst/>
+                </dgm:layoutNode>
+                <dgm:layoutNode name="textBox5c" styleLbl="revTx">
+                  <dgm:varLst>
+                    <dgm:bulletEnabled val="1"/>
+                  </dgm:varLst>
+                  <dgm:choose name="Name166">
+                    <dgm:if name="Name167" func="var" arg="dir" op="equ" val="norm">
+                      <dgm:choose name="Name168">
+                        <dgm:if name="Name169" axis="root des" ptType="all node" func="maxDepth" op="gt" val="1">
+                          <dgm:alg type="tx">
+                            <dgm:param type="txAnchorVert" val="t"/>
+                            <dgm:param type="parTxLTRAlign" val="l"/>
+                            <dgm:param type="parTxRTLAlign" val="r"/>
+                          </dgm:alg>
+                        </dgm:if>
+                        <dgm:else name="Name170">
+                          <dgm:alg type="tx">
+                            <dgm:param type="txAnchorVert" val="t"/>
+                            <dgm:param type="parTxLTRAlign" val="l"/>
+                            <dgm:param type="parTxRTLAlign" val="l"/>
+                          </dgm:alg>
+                        </dgm:else>
+                      </dgm:choose>
+                    </dgm:if>
+                    <dgm:else name="Name171">
+                      <dgm:choose name="Name172">
+                        <dgm:if name="Name173" axis="root des" ptType="all node" func="maxDepth" op="gt" val="1">
+                          <dgm:alg type="tx">
+                            <dgm:param type="txAnchorVert" val="b"/>
+                            <dgm:param type="txAnchorVertCh" val="b"/>
+                            <dgm:param type="parTxLTRAlign" val="l"/>
+                            <dgm:param type="parTxRTLAlign" val="r"/>
+                          </dgm:alg>
+                        </dgm:if>
+                        <dgm:else name="Name174">
+                          <dgm:alg type="tx">
+                            <dgm:param type="txAnchorVert" val="b"/>
+                            <dgm:param type="parTxLTRAlign" val="r"/>
+                            <dgm:param type="parTxRTLAlign" val="r"/>
+                          </dgm:alg>
+                        </dgm:else>
+                      </dgm:choose>
+                    </dgm:else>
+                  </dgm:choose>
+                  <dgm:shape xmlns:r="http://schemas.openxmlformats.org/officeDocument/2006/relationships" type="rect" r:blip="">
+                    <dgm:adjLst/>
+                  </dgm:shape>
+                  <dgm:presOf axis="desOrSelf" ptType="node"/>
+                  <dgm:choose name="Name175">
+                    <dgm:if name="Name176" func="var" arg="dir" op="equ" val="norm">
+                      <dgm:constrLst>
+                        <dgm:constr type="rMarg"/>
+                        <dgm:constr type="tMarg"/>
+                        <dgm:constr type="bMarg"/>
+                      </dgm:constrLst>
+                    </dgm:if>
+                    <dgm:else name="Name177">
+                      <dgm:constrLst>
+                        <dgm:constr type="lMarg"/>
+                        <dgm:constr type="tMarg"/>
+                        <dgm:constr type="bMarg"/>
+                      </dgm:constrLst>
+                    </dgm:else>
+                  </dgm:choose>
+                  <dgm:ruleLst>
+                    <dgm:rule type="primFontSz" val="5" fact="NaN" max="NaN"/>
+                  </dgm:ruleLst>
+                </dgm:layoutNode>
+              </dgm:forEach>
+              <dgm:forEach name="Name178" axis="ch" ptType="node" st="4" cnt="1">
+                <dgm:layoutNode name="bullet5d" styleLbl="node1">
+                  <dgm:alg type="sp"/>
+                  <dgm:shape xmlns:r="http://schemas.openxmlformats.org/officeDocument/2006/relationships" type="ellipse" r:blip="">
+                    <dgm:adjLst/>
+                  </dgm:shape>
+                  <dgm:presOf/>
+                  <dgm:constrLst/>
+                  <dgm:ruleLst/>
+                </dgm:layoutNode>
+                <dgm:layoutNode name="textBox5d" styleLbl="revTx">
+                  <dgm:varLst>
+                    <dgm:bulletEnabled val="1"/>
+                  </dgm:varLst>
+                  <dgm:choose name="Name179">
+                    <dgm:if name="Name180" func="var" arg="dir" op="equ" val="norm">
+                      <dgm:choose name="Name181">
+                        <dgm:if name="Name182" axis="root des" ptType="all node" func="maxDepth" op="gt" val="1">
+                          <dgm:alg type="tx">
+                            <dgm:param type="txAnchorVert" val="t"/>
+                            <dgm:param type="parTxLTRAlign" val="l"/>
+                            <dgm:param type="parTxRTLAlign" val="r"/>
+                          </dgm:alg>
+                        </dgm:if>
+                        <dgm:else name="Name183">
+                          <dgm:alg type="tx">
+                            <dgm:param type="txAnchorVert" val="t"/>
+                            <dgm:param type="parTxLTRAlign" val="l"/>
+                            <dgm:param type="parTxRTLAlign" val="l"/>
+                          </dgm:alg>
+                        </dgm:else>
+                      </dgm:choose>
+                    </dgm:if>
+                    <dgm:else name="Name184">
+                      <dgm:choose name="Name185">
+                        <dgm:if name="Name186" axis="root des" ptType="all node" func="maxDepth" op="gt" val="1">
+                          <dgm:alg type="tx">
+                            <dgm:param type="txAnchorVert" val="b"/>
+                            <dgm:param type="txAnchorVertCh" val="b"/>
+                            <dgm:param type="parTxLTRAlign" val="l"/>
+                            <dgm:param type="parTxRTLAlign" val="r"/>
+                          </dgm:alg>
+                        </dgm:if>
+                        <dgm:else name="Name187">
+                          <dgm:alg type="tx">
+                            <dgm:param type="txAnchorVert" val="b"/>
+                            <dgm:param type="parTxLTRAlign" val="r"/>
+                            <dgm:param type="parTxRTLAlign" val="r"/>
+                          </dgm:alg>
+                        </dgm:else>
+                      </dgm:choose>
+                    </dgm:else>
+                  </dgm:choose>
+                  <dgm:shape xmlns:r="http://schemas.openxmlformats.org/officeDocument/2006/relationships" type="rect" r:blip="">
+                    <dgm:adjLst/>
+                  </dgm:shape>
+                  <dgm:presOf axis="desOrSelf" ptType="node"/>
+                  <dgm:choose name="Name188">
+                    <dgm:if name="Name189" func="var" arg="dir" op="equ" val="norm">
+                      <dgm:constrLst>
+                        <dgm:constr type="rMarg"/>
+                        <dgm:constr type="tMarg"/>
+                        <dgm:constr type="bMarg"/>
+                      </dgm:constrLst>
+                    </dgm:if>
+                    <dgm:else name="Name190">
+                      <dgm:constrLst>
+                        <dgm:constr type="lMarg"/>
+                        <dgm:constr type="tMarg"/>
+                        <dgm:constr type="bMarg"/>
+                      </dgm:constrLst>
+                    </dgm:else>
+                  </dgm:choose>
+                  <dgm:ruleLst>
+                    <dgm:rule type="primFontSz" val="5" fact="NaN" max="NaN"/>
+                  </dgm:ruleLst>
+                </dgm:layoutNode>
+              </dgm:forEach>
+              <dgm:forEach name="Name191" axis="ch" ptType="node" st="5" cnt="1">
+                <dgm:layoutNode name="bullet5e" styleLbl="node1">
+                  <dgm:alg type="sp"/>
+                  <dgm:shape xmlns:r="http://schemas.openxmlformats.org/officeDocument/2006/relationships" type="ellipse" r:blip="">
+                    <dgm:adjLst/>
+                  </dgm:shape>
+                  <dgm:presOf/>
+                  <dgm:constrLst/>
+                  <dgm:ruleLst/>
+                </dgm:layoutNode>
+                <dgm:layoutNode name="textBox5e" styleLbl="revTx">
+                  <dgm:varLst>
+                    <dgm:bulletEnabled val="1"/>
+                  </dgm:varLst>
+                  <dgm:choose name="Name192">
+                    <dgm:if name="Name193" func="var" arg="dir" op="equ" val="norm">
+                      <dgm:choose name="Name194">
+                        <dgm:if name="Name195" axis="root des" ptType="all node" func="maxDepth" op="gt" val="1">
+                          <dgm:alg type="tx">
+                            <dgm:param type="txAnchorVert" val="t"/>
+                            <dgm:param type="parTxLTRAlign" val="l"/>
+                            <dgm:param type="parTxRTLAlign" val="r"/>
+                          </dgm:alg>
+                        </dgm:if>
+                        <dgm:else name="Name196">
+                          <dgm:alg type="tx">
+                            <dgm:param type="txAnchorVert" val="t"/>
+                            <dgm:param type="parTxLTRAlign" val="l"/>
+                            <dgm:param type="parTxRTLAlign" val="l"/>
+                          </dgm:alg>
+                        </dgm:else>
+                      </dgm:choose>
+                    </dgm:if>
+                    <dgm:else name="Name197">
+                      <dgm:choose name="Name198">
+                        <dgm:if name="Name199" axis="root des" ptType="all node" func="maxDepth" op="gt" val="1">
+                          <dgm:alg type="tx">
+                            <dgm:param type="txAnchorVert" val="b"/>
+                            <dgm:param type="txAnchorVertCh" val="b"/>
+                            <dgm:param type="parTxLTRAlign" val="l"/>
+                            <dgm:param type="parTxRTLAlign" val="r"/>
+                          </dgm:alg>
+                        </dgm:if>
+                        <dgm:else name="Name200">
+                          <dgm:alg type="tx">
+                            <dgm:param type="txAnchorVert" val="b"/>
+                            <dgm:param type="parTxLTRAlign" val="r"/>
+                            <dgm:param type="parTxRTLAlign" val="r"/>
+                          </dgm:alg>
+                        </dgm:else>
+                      </dgm:choose>
+                    </dgm:else>
+                  </dgm:choose>
+                  <dgm:shape xmlns:r="http://schemas.openxmlformats.org/officeDocument/2006/relationships" type="rect" r:blip="">
+                    <dgm:adjLst/>
+                  </dgm:shape>
+                  <dgm:presOf axis="desOrSelf" ptType="node"/>
+                  <dgm:choose name="Name201">
+                    <dgm:if name="Name202" func="var" arg="dir" op="equ" val="norm">
+                      <dgm:constrLst>
+                        <dgm:constr type="rMarg"/>
+                        <dgm:constr type="tMarg"/>
+                        <dgm:constr type="bMarg"/>
+                      </dgm:constrLst>
+                    </dgm:if>
+                    <dgm:else name="Name203">
+                      <dgm:constrLst>
+                        <dgm:constr type="lMarg"/>
+                        <dgm:constr type="tMarg"/>
+                        <dgm:constr type="bMarg"/>
+                      </dgm:constrLst>
+                    </dgm:else>
+                  </dgm:choose>
+                  <dgm:ruleLst>
+                    <dgm:rule type="primFontSz" val="5" fact="NaN" max="NaN"/>
+                  </dgm:ruleLst>
+                </dgm:layoutNode>
+              </dgm:forEach>
+            </dgm:layoutNode>
+          </dgm:else>
+        </dgm:choose>
+      </dgm:if>
+      <dgm:else name="Name204"/>
+    </dgm:choose>
+  </dgm:layoutNode>
+</dgm:layoutDef>
+</file>
+
+<file path=ppt/diagrams/quickStyle1.xml><?xml version="1.0" encoding="utf-8"?>
+<dgm:styleDef xmlns:dgm="http://schemas.openxmlformats.org/drawingml/2006/diagram" xmlns:a="http://schemas.openxmlformats.org/drawingml/2006/main" uniqueId="urn:microsoft.com/office/officeart/2005/8/quickstyle/simple1">
+  <dgm:title val=""/>
+  <dgm:desc val=""/>
+  <dgm:catLst>
+    <dgm:cat type="simple" pri="10100"/>
+  </dgm:catLst>
+  <dgm:scene3d>
+    <a:camera prst="orthographicFront"/>
+    <a:lightRig rig="threePt" dir="t"/>
+  </dgm:scene3d>
+  <dgm:styleLbl name="node0">
+    <dgm:scene3d>
+      <a:camera prst="orthographicFront"/>
+      <a:lightRig rig="threePt" dir="t"/>
+    </dgm:scene3d>
+    <dgm:sp3d/>
+    <dgm:txPr/>
+    <dgm:style>
+      <a:lnRef idx="2">
+        <a:scrgbClr r="0" g="0" b="0"/>
+      </a:lnRef>
+      <a:fillRef idx="1">
+        <a:scrgbClr r="0" g="0" b="0"/>
+      </a:fillRef>
+      <a:effectRef idx="0">
+        <a:scrgbClr r="0" g="0" b="0"/>
+      </a:effectRef>
+      <a:fontRef idx="minor">
+        <a:schemeClr val="lt1"/>
+      </a:fontRef>
+    </dgm:style>
+  </dgm:styleLbl>
+  <dgm:styleLbl name="lnNode1">
+    <dgm:scene3d>
+      <a:camera prst="orthographicFront"/>
+      <a:lightRig rig="threePt" dir="t"/>
+    </dgm:scene3d>
+    <dgm:sp3d/>
+    <dgm:txPr/>
+    <dgm:style>
+      <a:lnRef idx="2">
+        <a:scrgbClr r="0" g="0" b="0"/>
+      </a:lnRef>
+      <a:fillRef idx="1">
+        <a:scrgbClr r="0" g="0" b="0"/>
+      </a:fillRef>
+      <a:effectRef idx="0">
+        <a:scrgbClr r="0" g="0" b="0"/>
+      </a:effectRef>
+      <a:fontRef idx="minor">
+        <a:schemeClr val="lt1"/>
+      </a:fontRef>
+    </dgm:style>
+  </dgm:styleLbl>
+  <dgm:styleLbl name="vennNode1">
+    <dgm:scene3d>
+      <a:camera prst="orthographicFront"/>
+      <a:lightRig rig="threePt" dir="t"/>
+    </dgm:scene3d>
+    <dgm:sp3d/>
+    <dgm:txPr/>
+    <dgm:style>
+      <a:lnRef idx="2">
+        <a:scrgbClr r="0" g="0" b="0"/>
+      </a:lnRef>
+      <a:fillRef idx="1">
+        <a:scrgbClr r="0" g="0" b="0"/>
+      </a:fillRef>
+      <a:effectRef idx="0">
+        <a:scrgbClr r="0" g="0" b="0"/>
+      </a:effectRef>
+      <a:fontRef idx="minor">
+        <a:schemeClr val="tx1"/>
+      </a:fontRef>
+    </dgm:style>
+  </dgm:styleLbl>
+  <dgm:styleLbl name="alignNode1">
+    <dgm:scene3d>
+      <a:camera prst="orthographicFront"/>
+      <a:lightRig rig="threePt" dir="t"/>
+    </dgm:scene3d>
+    <dgm:sp3d/>
+    <dgm:txPr/>
+    <dgm:style>
+      <a:lnRef idx="2">
+        <a:scrgbClr r="0" g="0" b="0"/>
+      </a:lnRef>
+      <a:fillRef idx="1">
+        <a:scrgbClr r="0" g="0" b="0"/>
+      </a:fillRef>
+      <a:effectRef idx="0">
+        <a:scrgbClr r="0" g="0" b="0"/>
+      </a:effectRef>
+      <a:fontRef idx="minor">
+        <a:schemeClr val="lt1"/>
+      </a:fontRef>
+    </dgm:style>
+  </dgm:styleLbl>
+  <dgm:styleLbl name="node1">
+    <dgm:scene3d>
+      <a:camera prst="orthographicFront"/>
+      <a:lightRig rig="threePt" dir="t"/>
+    </dgm:scene3d>
+    <dgm:sp3d/>
+    <dgm:txPr/>
+    <dgm:style>
+      <a:lnRef idx="2">
+        <a:scrgbClr r="0" g="0" b="0"/>
+      </a:lnRef>
+      <a:fillRef idx="1">
+        <a:scrgbClr r="0" g="0" b="0"/>
+      </a:fillRef>
+      <a:effectRef idx="0">
+        <a:scrgbClr r="0" g="0" b="0"/>
+      </a:effectRef>
+      <a:fontRef idx="minor">
+        <a:schemeClr val="lt1"/>
+      </a:fontRef>
+    </dgm:style>
+  </dgm:styleLbl>
+  <dgm:styleLbl name="node2">
+    <dgm:scene3d>
+      <a:camera prst="orthographicFront"/>
+      <a:lightRig rig="threePt" dir="t"/>
+    </dgm:scene3d>
+    <dgm:sp3d/>
+    <dgm:txPr/>
+    <dgm:style>
+      <a:lnRef idx="2">
+        <a:scrgbClr r="0" g="0" b="0"/>
+      </a:lnRef>
+      <a:fillRef idx="1">
+        <a:scrgbClr r="0" g="0" b="0"/>
+      </a:fillRef>
+      <a:effectRef idx="0">
+        <a:scrgbClr r="0" g="0" b="0"/>
+      </a:effectRef>
+      <a:fontRef idx="minor">
+        <a:schemeClr val="lt1"/>
+      </a:fontRef>
+    </dgm:style>
+  </dgm:styleLbl>
+  <dgm:styleLbl name="node3">
+    <dgm:scene3d>
+      <a:camera prst="orthographicFront"/>
+      <a:lightRig rig="threePt" dir="t"/>
+    </dgm:scene3d>
+    <dgm:sp3d/>
+    <dgm:txPr/>
+    <dgm:style>
+      <a:lnRef idx="2">
+        <a:scrgbClr r="0" g="0" b="0"/>
+      </a:lnRef>
+      <a:fillRef idx="1">
+        <a:scrgbClr r="0" g="0" b="0"/>
+      </a:fillRef>
+      <a:effectRef idx="0">
+        <a:scrgbClr r="0" g="0" b="0"/>
+      </a:effectRef>
+      <a:fontRef idx="minor">
+        <a:schemeClr val="lt1"/>
+      </a:fontRef>
+    </dgm:style>
+  </dgm:styleLbl>
+  <dgm:styleLbl name="node4">
+    <dgm:scene3d>
+      <a:camera prst="orthographicFront"/>
+      <a:lightRig rig="threePt" dir="t"/>
+    </dgm:scene3d>
+    <dgm:sp3d/>
+    <dgm:txPr/>
+    <dgm:style>
+      <a:lnRef idx="2">
+        <a:scrgbClr r="0" g="0" b="0"/>
+      </a:lnRef>
+      <a:fillRef idx="1">
+        <a:scrgbClr r="0" g="0" b="0"/>
+      </a:fillRef>
+      <a:effectRef idx="0">
+        <a:scrgbClr r="0" g="0" b="0"/>
+      </a:effectRef>
+      <a:fontRef idx="minor">
+        <a:schemeClr val="lt1"/>
+      </a:fontRef>
+    </dgm:style>
+  </dgm:styleLbl>
+  <dgm:styleLbl name="fgImgPlace1">
+    <dgm:scene3d>
+      <a:camera prst="orthographicFront"/>
+      <a:lightRig rig="threePt" dir="t"/>
+    </dgm:scene3d>
+    <dgm:sp3d/>
+    <dgm:txPr/>
+    <dgm:style>
+      <a:lnRef idx="2">
+        <a:scrgbClr r="0" g="0" b="0"/>
+      </a:lnRef>
+      <a:fillRef idx="1">
+        <a:scrgbClr r="0" g="0" b="0"/>
+      </a:fillRef>
+      <a:effectRef idx="0">
+        <a:scrgbClr r="0" g="0" b="0"/>
+      </a:effectRef>
+      <a:fontRef idx="minor"/>
+    </dgm:style>
+  </dgm:styleLbl>
+  <dgm:styleLbl name="alignImgPlace1">
+    <dgm:scene3d>
+      <a:camera prst="orthographicFront"/>
+      <a:lightRig rig="threePt" dir="t"/>
+    </dgm:scene3d>
+    <dgm:sp3d/>
+    <dgm:txPr/>
+    <dgm:style>
+      <a:lnRef idx="2">
+        <a:scrgbClr r="0" g="0" b="0"/>
+      </a:lnRef>
+      <a:fillRef idx="1">
+        <a:scrgbClr r="0" g="0" b="0"/>
+      </a:fillRef>
+      <a:effectRef idx="0">
+        <a:scrgbClr r="0" g="0" b="0"/>
+      </a:effectRef>
+      <a:fontRef idx="minor"/>
+    </dgm:style>
+  </dgm:styleLbl>
+  <dgm:styleLbl name="bgImgPlace1">
+    <dgm:scene3d>
+      <a:camera prst="orthographicFront"/>
+      <a:lightRig rig="threePt" dir="t"/>
+    </dgm:scene3d>
+    <dgm:sp3d/>
+    <dgm:txPr/>
+    <dgm:style>
+      <a:lnRef idx="2">
+        <a:scrgbClr r="0" g="0" b="0"/>
+      </a:lnRef>
+      <a:fillRef idx="1">
+        <a:scrgbClr r="0" g="0" b="0"/>
+      </a:fillRef>
+      <a:effectRef idx="0">
+        <a:scrgbClr r="0" g="0" b="0"/>
+      </a:effectRef>
+      <a:fontRef idx="minor"/>
+    </dgm:style>
+  </dgm:styleLbl>
+  <dgm:styleLbl name="sibTrans2D1">
+    <dgm:scene3d>
+      <a:camera prst="orthographicFront"/>
+      <a:lightRig rig="threePt" dir="t"/>
+    </dgm:scene3d>
+    <dgm:sp3d/>
+    <dgm:txPr/>
+    <dgm:style>
+      <a:lnRef idx="0">
+        <a:scrgbClr r="0" g="0" b="0"/>
+      </a:lnRef>
+      <a:fillRef idx="1">
+        <a:scrgbClr r="0" g="0" b="0"/>
+      </a:fillRef>
+      <a:effectRef idx="0">
+        <a:scrgbClr r="0" g="0" b="0"/>
+      </a:effectRef>
+      <a:fontRef idx="minor">
+        <a:schemeClr val="lt1"/>
+      </a:fontRef>
+    </dgm:style>
+  </dgm:styleLbl>
+  <dgm:styleLbl name="fgSibTrans2D1">
+    <dgm:scene3d>
+      <a:camera prst="orthographicFront"/>
+      <a:lightRig rig="threePt" dir="t"/>
+    </dgm:scene3d>
+    <dgm:sp3d/>
+    <dgm:txPr/>
+    <dgm:style>
+      <a:lnRef idx="0">
+        <a:scrgbClr r="0" g="0" b="0"/>
+      </a:lnRef>
+      <a:fillRef idx="1">
+        <a:scrgbClr r="0" g="0" b="0"/>
+      </a:fillRef>
+      <a:effectRef idx="0">
+        <a:scrgbClr r="0" g="0" b="0"/>
+      </a:effectRef>
+      <a:fontRef idx="minor">
+        <a:schemeClr val="lt1"/>
+      </a:fontRef>
+    </dgm:style>
+  </dgm:styleLbl>
+  <dgm:styleLbl name="bgSibTrans2D1">
+    <dgm:scene3d>
+      <a:camera prst="orthographicFront"/>
+      <a:lightRig rig="threePt" dir="t"/>
+    </dgm:scene3d>
+    <dgm:sp3d/>
+    <dgm:txPr/>
+    <dgm:style>
+      <a:lnRef idx="0">
+        <a:scrgbClr r="0" g="0" b="0"/>
+      </a:lnRef>
+      <a:fillRef idx="1">
+        <a:scrgbClr r="0" g="0" b="0"/>
+      </a:fillRef>
+      <a:effectRef idx="0">
+        <a:scrgbClr r="0" g="0" b="0"/>
+      </a:effectRef>
+      <a:fontRef idx="minor">
+        <a:schemeClr val="lt1"/>
+      </a:fontRef>
+    </dgm:style>
+  </dgm:styleLbl>
+  <dgm:styleLbl name="sibTrans1D1">
+    <dgm:scene3d>
+      <a:camera prst="orthographicFront"/>
+      <a:lightRig rig="threePt" dir="t"/>
+    </dgm:scene3d>
+    <dgm:sp3d/>
+    <dgm:txPr/>
+    <dgm:style>
+      <a:lnRef idx="1">
+        <a:scrgbClr r="0" g="0" b="0"/>
+      </a:lnRef>
+      <a:fillRef idx="0">
+        <a:scrgbClr r="0" g="0" b="0"/>
+      </a:fillRef>
+      <a:effectRef idx="0">
+        <a:scrgbClr r="0" g="0" b="0"/>
+      </a:effectRef>
+      <a:fontRef idx="minor"/>
+    </dgm:style>
+  </dgm:styleLbl>
+  <dgm:styleLbl name="callout">
+    <dgm:scene3d>
+      <a:camera prst="orthographicFront"/>
+      <a:lightRig rig="threePt" dir="t"/>
+    </dgm:scene3d>
+    <dgm:sp3d/>
+    <dgm:txPr/>
+    <dgm:style>
+      <a:lnRef idx="2">
+        <a:scrgbClr r="0" g="0" b="0"/>
+      </a:lnRef>
+      <a:fillRef idx="1">
+        <a:scrgbClr r="0" g="0" b="0"/>
+      </a:fillRef>
+      <a:effectRef idx="0">
+        <a:scrgbClr r="0" g="0" b="0"/>
+      </a:effectRef>
+      <a:fontRef idx="minor"/>
+    </dgm:style>
+  </dgm:styleLbl>
+  <dgm:styleLbl name="asst0">
+    <dgm:scene3d>
+      <a:camera prst="orthographicFront"/>
+      <a:lightRig rig="threePt" dir="t"/>
+    </dgm:scene3d>
+    <dgm:sp3d/>
+    <dgm:txPr/>
+    <dgm:style>
+      <a:lnRef idx="2">
+        <a:scrgbClr r="0" g="0" b="0"/>
+      </a:lnRef>
+      <a:fillRef idx="1">
+        <a:scrgbClr r="0" g="0" b="0"/>
+      </a:fillRef>
+      <a:effectRef idx="0">
+        <a:scrgbClr r="0" g="0" b="0"/>
+      </a:effectRef>
+      <a:fontRef idx="minor">
+        <a:schemeClr val="lt1"/>
+      </a:fontRef>
+    </dgm:style>
+  </dgm:styleLbl>
+  <dgm:styleLbl name="asst1">
+    <dgm:scene3d>
+      <a:camera prst="orthographicFront"/>
+      <a:lightRig rig="threePt" dir="t"/>
+    </dgm:scene3d>
+    <dgm:sp3d/>
+    <dgm:txPr/>
+    <dgm:style>
+      <a:lnRef idx="2">
+        <a:scrgbClr r="0" g="0" b="0"/>
+      </a:lnRef>
+      <a:fillRef idx="1">
+        <a:scrgbClr r="0" g="0" b="0"/>
+      </a:fillRef>
+      <a:effectRef idx="0">
+        <a:scrgbClr r="0" g="0" b="0"/>
+      </a:effectRef>
+      <a:fontRef idx="minor">
+        <a:schemeClr val="lt1"/>
+      </a:fontRef>
+    </dgm:style>
+  </dgm:styleLbl>
+  <dgm:styleLbl name="asst2">
+    <dgm:scene3d>
+      <a:camera prst="orthographicFront"/>
+      <a:lightRig rig="threePt" dir="t"/>
+    </dgm:scene3d>
+    <dgm:sp3d/>
+    <dgm:txPr/>
+    <dgm:style>
+      <a:lnRef idx="2">
+        <a:scrgbClr r="0" g="0" b="0"/>
+      </a:lnRef>
+      <a:fillRef idx="1">
+        <a:scrgbClr r="0" g="0" b="0"/>
+      </a:fillRef>
+      <a:effectRef idx="0">
+        <a:scrgbClr r="0" g="0" b="0"/>
+      </a:effectRef>
+      <a:fontRef idx="minor">
+        <a:schemeClr val="lt1"/>
+      </a:fontRef>
+    </dgm:style>
+  </dgm:styleLbl>
+  <dgm:styleLbl name="asst3">
+    <dgm:scene3d>
+      <a:camera prst="orthographicFront"/>
+      <a:lightRig rig="threePt" dir="t"/>
+    </dgm:scene3d>
+    <dgm:sp3d/>
+    <dgm:txPr/>
+    <dgm:style>
+      <a:lnRef idx="2">
+        <a:scrgbClr r="0" g="0" b="0"/>
+      </a:lnRef>
+      <a:fillRef idx="1">
+        <a:scrgbClr r="0" g="0" b="0"/>
+      </a:fillRef>
+      <a:effectRef idx="0">
+        <a:scrgbClr r="0" g="0" b="0"/>
+      </a:effectRef>
+      <a:fontRef idx="minor">
+        <a:schemeClr val="lt1"/>
+      </a:fontRef>
+    </dgm:style>
+  </dgm:styleLbl>
+  <dgm:styleLbl name="asst4">
+    <dgm:scene3d>
+      <a:camera prst="orthographicFront"/>
+      <a:lightRig rig="threePt" dir="t"/>
+    </dgm:scene3d>
+    <dgm:sp3d/>
+    <dgm:txPr/>
+    <dgm:style>
+      <a:lnRef idx="2">
+        <a:scrgbClr r="0" g="0" b="0"/>
+      </a:lnRef>
+      <a:fillRef idx="1">
+        <a:scrgbClr r="0" g="0" b="0"/>
+      </a:fillRef>
+      <a:effectRef idx="0">
+        <a:scrgbClr r="0" g="0" b="0"/>
+      </a:effectRef>
+      <a:fontRef idx="minor">
+        <a:schemeClr val="lt1"/>
+      </a:fontRef>
+    </dgm:style>
+  </dgm:styleLbl>
+  <dgm:styleLbl name="parChTrans2D1">
+    <dgm:scene3d>
+      <a:camera prst="orthographicFront"/>
+      <a:lightRig rig="threePt" dir="t"/>
+    </dgm:scene3d>
+    <dgm:sp3d/>
+    <dgm:txPr/>
+    <dgm:style>
+      <a:lnRef idx="2">
+        <a:scrgbClr r="0" g="0" b="0"/>
+      </a:lnRef>
+      <a:fillRef idx="1">
+        <a:scrgbClr r="0" g="0" b="0"/>
+      </a:fillRef>
+      <a:effectRef idx="0">
+        <a:scrgbClr r="0" g="0" b="0"/>
+      </a:effectRef>
+      <a:fontRef idx="minor">
+        <a:schemeClr val="lt1"/>
+      </a:fontRef>
+    </dgm:style>
+  </dgm:styleLbl>
+  <dgm:styleLbl name="parChTrans2D2">
+    <dgm:scene3d>
+      <a:camera prst="orthographicFront"/>
+      <a:lightRig rig="threePt" dir="t"/>
+    </dgm:scene3d>
+    <dgm:sp3d/>
+    <dgm:txPr/>
+    <dgm:style>
+      <a:lnRef idx="2">
+        <a:scrgbClr r="0" g="0" b="0"/>
+      </a:lnRef>
+      <a:fillRef idx="1">
+        <a:scrgbClr r="0" g="0" b="0"/>
+      </a:fillRef>
+      <a:effectRef idx="0">
+        <a:scrgbClr r="0" g="0" b="0"/>
+      </a:effectRef>
+      <a:fontRef idx="minor">
+        <a:schemeClr val="lt1"/>
+      </a:fontRef>
+    </dgm:style>
+  </dgm:styleLbl>
+  <dgm:styleLbl name="parChTrans2D3">
+    <dgm:scene3d>
+      <a:camera prst="orthographicFront"/>
+      <a:lightRig rig="threePt" dir="t"/>
+    </dgm:scene3d>
+    <dgm:sp3d/>
+    <dgm:txPr/>
+    <dgm:style>
+      <a:lnRef idx="2">
+        <a:scrgbClr r="0" g="0" b="0"/>
+      </a:lnRef>
+      <a:fillRef idx="1">
+        <a:scrgbClr r="0" g="0" b="0"/>
+      </a:fillRef>
+      <a:effectRef idx="0">
+        <a:scrgbClr r="0" g="0" b="0"/>
+      </a:effectRef>
+      <a:fontRef idx="minor">
+        <a:schemeClr val="lt1"/>
+      </a:fontRef>
+    </dgm:style>
+  </dgm:styleLbl>
+  <dgm:styleLbl name="parChTrans2D4">
+    <dgm:scene3d>
+      <a:camera prst="orthographicFront"/>
+      <a:lightRig rig="threePt" dir="t"/>
+    </dgm:scene3d>
+    <dgm:sp3d/>
+    <dgm:txPr/>
+    <dgm:style>
+      <a:lnRef idx="2">
+        <a:scrgbClr r="0" g="0" b="0"/>
+      </a:lnRef>
+      <a:fillRef idx="1">
+        <a:scrgbClr r="0" g="0" b="0"/>
+      </a:fillRef>
+      <a:effectRef idx="0">
+        <a:scrgbClr r="0" g="0" b="0"/>
+      </a:effectRef>
+      <a:fontRef idx="minor">
+        <a:schemeClr val="lt1"/>
+      </a:fontRef>
+    </dgm:style>
+  </dgm:styleLbl>
+  <dgm:styleLbl name="parChTrans1D1">
+    <dgm:scene3d>
+      <a:camera prst="orthographicFront"/>
+      <a:lightRig rig="threePt" dir="t"/>
+    </dgm:scene3d>
+    <dgm:sp3d/>
+    <dgm:txPr/>
+    <dgm:style>
+      <a:lnRef idx="2">
+        <a:scrgbClr r="0" g="0" b="0"/>
+      </a:lnRef>
+      <a:fillRef idx="0">
+        <a:scrgbClr r="0" g="0" b="0"/>
+      </a:fillRef>
+      <a:effectRef idx="0">
+        <a:scrgbClr r="0" g="0" b="0"/>
+      </a:effectRef>
+      <a:fontRef idx="minor"/>
+    </dgm:style>
+  </dgm:styleLbl>
+  <dgm:styleLbl name="parChTrans1D2">
+    <dgm:scene3d>
+      <a:camera prst="orthographicFront"/>
+      <a:lightRig rig="threePt" dir="t"/>
+    </dgm:scene3d>
+    <dgm:sp3d/>
+    <dgm:txPr/>
+    <dgm:style>
+      <a:lnRef idx="2">
+        <a:scrgbClr r="0" g="0" b="0"/>
+      </a:lnRef>
+      <a:fillRef idx="0">
+        <a:scrgbClr r="0" g="0" b="0"/>
+      </a:fillRef>
+      <a:effectRef idx="0">
+        <a:scrgbClr r="0" g="0" b="0"/>
+      </a:effectRef>
+      <a:fontRef idx="minor"/>
+    </dgm:style>
+  </dgm:styleLbl>
+  <dgm:styleLbl name="parChTrans1D3">
+    <dgm:scene3d>
+      <a:camera prst="orthographicFront"/>
+      <a:lightRig rig="threePt" dir="t"/>
+    </dgm:scene3d>
+    <dgm:sp3d/>
+    <dgm:txPr/>
+    <dgm:style>
+      <a:lnRef idx="2">
+        <a:scrgbClr r="0" g="0" b="0"/>
+      </a:lnRef>
+      <a:fillRef idx="0">
+        <a:scrgbClr r="0" g="0" b="0"/>
+      </a:fillRef>
+      <a:effectRef idx="0">
+        <a:scrgbClr r="0" g="0" b="0"/>
+      </a:effectRef>
+      <a:fontRef idx="minor"/>
+    </dgm:style>
+  </dgm:styleLbl>
+  <dgm:styleLbl name="parChTrans1D4">
+    <dgm:scene3d>
+      <a:camera prst="orthographicFront"/>
+      <a:lightRig rig="threePt" dir="t"/>
+    </dgm:scene3d>
+    <dgm:sp3d/>
+    <dgm:txPr/>
+    <dgm:style>
+      <a:lnRef idx="2">
+        <a:scrgbClr r="0" g="0" b="0"/>
+      </a:lnRef>
+      <a:fillRef idx="0">
+        <a:scrgbClr r="0" g="0" b="0"/>
+      </a:fillRef>
+      <a:effectRef idx="0">
+        <a:scrgbClr r="0" g="0" b="0"/>
+      </a:effectRef>
+      <a:fontRef idx="minor"/>
+    </dgm:style>
+  </dgm:styleLbl>
+  <dgm:styleLbl name="fgAcc1">
+    <dgm:scene3d>
+      <a:camera prst="orthographicFront"/>
+      <a:lightRig rig="threePt" dir="t"/>
+    </dgm:scene3d>
+    <dgm:sp3d/>
+    <dgm:txPr/>
+    <dgm:style>
+      <a:lnRef idx="2">
+        <a:scrgbClr r="0" g="0" b="0"/>
+      </a:lnRef>
+      <a:fillRef idx="1">
+        <a:scrgbClr r="0" g="0" b="0"/>
+      </a:fillRef>
+      <a:effectRef idx="0">
+        <a:scrgbClr r="0" g="0" b="0"/>
+      </a:effectRef>
+      <a:fontRef idx="minor"/>
+    </dgm:style>
+  </dgm:styleLbl>
+  <dgm:styleLbl name="conFgAcc1">
+    <dgm:scene3d>
+      <a:camera prst="orthographicFront"/>
+      <a:lightRig rig="threePt" dir="t"/>
+    </dgm:scene3d>
+    <dgm:sp3d/>
+    <dgm:txPr/>
+    <dgm:style>
+      <a:lnRef idx="2">
+        <a:scrgbClr r="0" g="0" b="0"/>
+      </a:lnRef>
+      <a:fillRef idx="1">
+        <a:scrgbClr r="0" g="0" b="0"/>
+      </a:fillRef>
+      <a:effectRef idx="0">
+        <a:scrgbClr r="0" g="0" b="0"/>
+      </a:effectRef>
+      <a:fontRef idx="minor"/>
+    </dgm:style>
+  </dgm:styleLbl>
+  <dgm:styleLbl name="alignAcc1">
+    <dgm:scene3d>
+      <a:camera prst="orthographicFront"/>
+      <a:lightRig rig="threePt" dir="t"/>
+    </dgm:scene3d>
+    <dgm:sp3d/>
+    <dgm:txPr/>
+    <dgm:style>
+      <a:lnRef idx="2">
+        <a:scrgbClr r="0" g="0" b="0"/>
+      </a:lnRef>
+      <a:fillRef idx="1">
+        <a:scrgbClr r="0" g="0" b="0"/>
+      </a:fillRef>
+      <a:effectRef idx="0">
+        <a:scrgbClr r="0" g="0" b="0"/>
+      </a:effectRef>
+      <a:fontRef idx="minor"/>
+    </dgm:style>
+  </dgm:styleLbl>
+  <dgm:styleLbl name="trAlignAcc1">
+    <dgm:scene3d>
+      <a:camera prst="orthographicFront"/>
+      <a:lightRig rig="threePt" dir="t"/>
+    </dgm:scene3d>
+    <dgm:sp3d/>
+    <dgm:txPr/>
+    <dgm:style>
+      <a:lnRef idx="1">
+        <a:scrgbClr r="0" g="0" b="0"/>
+      </a:lnRef>
+      <a:fillRef idx="1">
+        <a:scrgbClr r="0" g="0" b="0"/>
+      </a:fillRef>
+      <a:effectRef idx="0">
+        <a:scrgbClr r="0" g="0" b="0"/>
+      </a:effectRef>
+      <a:fontRef idx="minor"/>
+    </dgm:style>
+  </dgm:styleLbl>
+  <dgm:styleLbl name="bgAcc1">
+    <dgm:scene3d>
+      <a:camera prst="orthographicFront"/>
+      <a:lightRig rig="threePt" dir="t"/>
+    </dgm:scene3d>
+    <dgm:sp3d/>
+    <dgm:txPr/>
+    <dgm:style>
+      <a:lnRef idx="2">
+        <a:scrgbClr r="0" g="0" b="0"/>
+      </a:lnRef>
+      <a:fillRef idx="1">
+        <a:scrgbClr r="0" g="0" b="0"/>
+      </a:fillRef>
+      <a:effectRef idx="0">
+        <a:scrgbClr r="0" g="0" b="0"/>
+      </a:effectRef>
+      <a:fontRef idx="minor"/>
+    </dgm:style>
+  </dgm:styleLbl>
+  <dgm:styleLbl name="solidFgAcc1">
+    <dgm:scene3d>
+      <a:camera prst="orthographicFront"/>
+      <a:lightRig rig="threePt" dir="t"/>
+    </dgm:scene3d>
+    <dgm:sp3d/>
+    <dgm:txPr/>
+    <dgm:style>
+      <a:lnRef idx="2">
+        <a:scrgbClr r="0" g="0" b="0"/>
+      </a:lnRef>
+      <a:fillRef idx="1">
+        <a:scrgbClr r="0" g="0" b="0"/>
+      </a:fillRef>
+      <a:effectRef idx="0">
+        <a:scrgbClr r="0" g="0" b="0"/>
+      </a:effectRef>
+      <a:fontRef idx="minor"/>
+    </dgm:style>
+  </dgm:styleLbl>
+  <dgm:styleLbl name="solidAlignAcc1">
+    <dgm:scene3d>
+      <a:camera prst="orthographicFront"/>
+      <a:lightRig rig="threePt" dir="t"/>
+    </dgm:scene3d>
+    <dgm:sp3d/>
+    <dgm:txPr/>
+    <dgm:style>
+      <a:lnRef idx="2">
+        <a:scrgbClr r="0" g="0" b="0"/>
+      </a:lnRef>
+      <a:fillRef idx="1">
+        <a:scrgbClr r="0" g="0" b="0"/>
+      </a:fillRef>
+      <a:effectRef idx="0">
+        <a:scrgbClr r="0" g="0" b="0"/>
+      </a:effectRef>
+      <a:fontRef idx="minor"/>
+    </dgm:style>
+  </dgm:styleLbl>
+  <dgm:styleLbl name="solidBgAcc1">
+    <dgm:scene3d>
+      <a:camera prst="orthographicFront"/>
+      <a:lightRig rig="threePt" dir="t"/>
+    </dgm:scene3d>
+    <dgm:sp3d/>
+    <dgm:txPr/>
+    <dgm:style>
+      <a:lnRef idx="2">
+        <a:scrgbClr r="0" g="0" b="0"/>
+      </a:lnRef>
+      <a:fillRef idx="1">
+        <a:scrgbClr r="0" g="0" b="0"/>
+      </a:fillRef>
+      <a:effectRef idx="0">
+        <a:scrgbClr r="0" g="0" b="0"/>
+      </a:effectRef>
+      <a:fontRef idx="minor"/>
+    </dgm:style>
+  </dgm:styleLbl>
+  <dgm:styleLbl name="fgAccFollowNode1">
+    <dgm:scene3d>
+      <a:camera prst="orthographicFront"/>
+      <a:lightRig rig="threePt" dir="t"/>
+    </dgm:scene3d>
+    <dgm:sp3d/>
+    <dgm:txPr/>
+    <dgm:style>
+      <a:lnRef idx="2">
+        <a:scrgbClr r="0" g="0" b="0"/>
+      </a:lnRef>
+      <a:fillRef idx="1">
+        <a:scrgbClr r="0" g="0" b="0"/>
+      </a:fillRef>
+      <a:effectRef idx="0">
+        <a:scrgbClr r="0" g="0" b="0"/>
+      </a:effectRef>
+      <a:fontRef idx="minor"/>
+    </dgm:style>
+  </dgm:styleLbl>
+  <dgm:styleLbl name="alignAccFollowNode1">
+    <dgm:scene3d>
+      <a:camera prst="orthographicFront"/>
+      <a:lightRig rig="threePt" dir="t"/>
+    </dgm:scene3d>
+    <dgm:sp3d/>
+    <dgm:txPr/>
+    <dgm:style>
+      <a:lnRef idx="2">
+        <a:scrgbClr r="0" g="0" b="0"/>
+      </a:lnRef>
+      <a:fillRef idx="1">
+        <a:scrgbClr r="0" g="0" b="0"/>
+      </a:fillRef>
+      <a:effectRef idx="0">
+        <a:scrgbClr r="0" g="0" b="0"/>
+      </a:effectRef>
+      <a:fontRef idx="minor"/>
+    </dgm:style>
+  </dgm:styleLbl>
+  <dgm:styleLbl name="bgAccFollowNode1">
+    <dgm:scene3d>
+      <a:camera prst="orthographicFront"/>
+      <a:lightRig rig="threePt" dir="t"/>
+    </dgm:scene3d>
+    <dgm:sp3d/>
+    <dgm:txPr/>
+    <dgm:style>
+      <a:lnRef idx="2">
+        <a:scrgbClr r="0" g="0" b="0"/>
+      </a:lnRef>
+      <a:fillRef idx="1">
+        <a:scrgbClr r="0" g="0" b="0"/>
+      </a:fillRef>
+      <a:effectRef idx="0">
+        <a:scrgbClr r="0" g="0" b="0"/>
+      </a:effectRef>
+      <a:fontRef idx="minor"/>
+    </dgm:style>
+  </dgm:styleLbl>
+  <dgm:styleLbl name="fgAcc0">
+    <dgm:scene3d>
+      <a:camera prst="orthographicFront"/>
+      <a:lightRig rig="threePt" dir="t"/>
+    </dgm:scene3d>
+    <dgm:sp3d/>
+    <dgm:txPr/>
+    <dgm:style>
+      <a:lnRef idx="2">
+        <a:scrgbClr r="0" g="0" b="0"/>
+      </a:lnRef>
+      <a:fillRef idx="1">
+        <a:scrgbClr r="0" g="0" b="0"/>
+      </a:fillRef>
+      <a:effectRef idx="0">
+        <a:scrgbClr r="0" g="0" b="0"/>
+      </a:effectRef>
+      <a:fontRef idx="minor"/>
+    </dgm:style>
+  </dgm:styleLbl>
+  <dgm:styleLbl name="fgAcc2">
+    <dgm:scene3d>
+      <a:camera prst="orthographicFront"/>
+      <a:lightRig rig="threePt" dir="t"/>
+    </dgm:scene3d>
+    <dgm:sp3d/>
+    <dgm:txPr/>
+    <dgm:style>
+      <a:lnRef idx="2">
+        <a:scrgbClr r="0" g="0" b="0"/>
+      </a:lnRef>
+      <a:fillRef idx="1">
+        <a:scrgbClr r="0" g="0" b="0"/>
+      </a:fillRef>
+      <a:effectRef idx="0">
+        <a:scrgbClr r="0" g="0" b="0"/>
+      </a:effectRef>
+      <a:fontRef idx="minor"/>
+    </dgm:style>
+  </dgm:styleLbl>
+  <dgm:styleLbl name="fgAcc3">
+    <dgm:scene3d>
+      <a:camera prst="orthographicFront"/>
+      <a:lightRig rig="threePt" dir="t"/>
+    </dgm:scene3d>
+    <dgm:sp3d/>
+    <dgm:txPr/>
+    <dgm:style>
+      <a:lnRef idx="2">
+        <a:scrgbClr r="0" g="0" b="0"/>
+      </a:lnRef>
+      <a:fillRef idx="1">
+        <a:scrgbClr r="0" g="0" b="0"/>
+      </a:fillRef>
+      <a:effectRef idx="0">
+        <a:scrgbClr r="0" g="0" b="0"/>
+      </a:effectRef>
+      <a:fontRef idx="minor"/>
+    </dgm:style>
+  </dgm:styleLbl>
+  <dgm:styleLbl name="fgAcc4">
+    <dgm:scene3d>
+      <a:camera prst="orthographicFront"/>
+      <a:lightRig rig="threePt" dir="t"/>
+    </dgm:scene3d>
+    <dgm:sp3d/>
+    <dgm:txPr/>
+    <dgm:style>
+      <a:lnRef idx="2">
+        <a:scrgbClr r="0" g="0" b="0"/>
+      </a:lnRef>
+      <a:fillRef idx="1">
+        <a:scrgbClr r="0" g="0" b="0"/>
+      </a:fillRef>
+      <a:effectRef idx="0">
+        <a:scrgbClr r="0" g="0" b="0"/>
+      </a:effectRef>
+      <a:fontRef idx="minor"/>
+    </dgm:style>
+  </dgm:styleLbl>
+  <dgm:styleLbl name="bgShp">
+    <dgm:scene3d>
+      <a:camera prst="orthographicFront"/>
+      <a:lightRig rig="threePt" dir="t"/>
+    </dgm:scene3d>
+    <dgm:sp3d/>
+    <dgm:txPr/>
+    <dgm:style>
+      <a:lnRef idx="0">
+        <a:scrgbClr r="0" g="0" b="0"/>
+      </a:lnRef>
+      <a:fillRef idx="1">
+        <a:scrgbClr r="0" g="0" b="0"/>
+      </a:fillRef>
+      <a:effectRef idx="0">
+        <a:scrgbClr r="0" g="0" b="0"/>
+      </a:effectRef>
+      <a:fontRef idx="minor"/>
+    </dgm:style>
+  </dgm:styleLbl>
+  <dgm:styleLbl name="dkBgShp">
+    <dgm:scene3d>
+      <a:camera prst="orthographicFront"/>
+      <a:lightRig rig="threePt" dir="t"/>
+    </dgm:scene3d>
+    <dgm:sp3d/>
+    <dgm:txPr/>
+    <dgm:style>
+      <a:lnRef idx="0">
+        <a:scrgbClr r="0" g="0" b="0"/>
+      </a:lnRef>
+      <a:fillRef idx="1">
+        <a:scrgbClr r="0" g="0" b="0"/>
+      </a:fillRef>
+      <a:effectRef idx="0">
+        <a:scrgbClr r="0" g="0" b="0"/>
+      </a:effectRef>
+      <a:fontRef idx="minor"/>
+    </dgm:style>
+  </dgm:styleLbl>
+  <dgm:styleLbl name="trBgShp">
+    <dgm:scene3d>
+      <a:camera prst="orthographicFront"/>
+      <a:lightRig rig="threePt" dir="t"/>
+    </dgm:scene3d>
+    <dgm:sp3d/>
+    <dgm:txPr/>
+    <dgm:style>
+      <a:lnRef idx="0">
+        <a:scrgbClr r="0" g="0" b="0"/>
+      </a:lnRef>
+      <a:fillRef idx="1">
+        <a:scrgbClr r="0" g="0" b="0"/>
+      </a:fillRef>
+      <a:effectRef idx="0">
+        <a:scrgbClr r="0" g="0" b="0"/>
+      </a:effectRef>
+      <a:fontRef idx="minor"/>
+    </dgm:style>
+  </dgm:styleLbl>
+  <dgm:styleLbl name="fgShp">
+    <dgm:scene3d>
+      <a:camera prst="orthographicFront"/>
+      <a:lightRig rig="threePt" dir="t"/>
+    </dgm:scene3d>
+    <dgm:sp3d/>
+    <dgm:txPr/>
+    <dgm:style>
+      <a:lnRef idx="2">
+        <a:scrgbClr r="0" g="0" b="0"/>
+      </a:lnRef>
+      <a:fillRef idx="1">
+        <a:scrgbClr r="0" g="0" b="0"/>
+      </a:fillRef>
+      <a:effectRef idx="0">
+        <a:scrgbClr r="0" g="0" b="0"/>
+      </a:effectRef>
+      <a:fontRef idx="minor"/>
+    </dgm:style>
+  </dgm:styleLbl>
+  <dgm:styleLbl name="revTx">
+    <dgm:scene3d>
+      <a:camera prst="orthographicFront"/>
+      <a:lightRig rig="threePt" dir="t"/>
+    </dgm:scene3d>
+    <dgm:sp3d/>
+    <dgm:txPr/>
+    <dgm:style>
+      <a:lnRef idx="0">
+        <a:scrgbClr r="0" g="0" b="0"/>
+      </a:lnRef>
+      <a:fillRef idx="0">
+        <a:scrgbClr r="0" g="0" b="0"/>
+      </a:fillRef>
+      <a:effectRef idx="0">
+        <a:scrgbClr r="0" g="0" b="0"/>
+      </a:effectRef>
+      <a:fontRef idx="minor"/>
+    </dgm:style>
+  </dgm:styleLbl>
+</dgm:styleDef>
 </file>
 
 <file path=ppt/slideLayouts/slideLayout1.xml><?xml version="1.0" encoding="utf-8"?>
@@ -4443,6 +8482,61 @@
 </p:sld>
 </file>
 
+<file path=ppt/slides/slide4.xml><?xml version="1.0" encoding="utf-8"?>
+<p:sld xmlns:a="http://schemas.openxmlformats.org/drawingml/2006/main" xmlns:r="http://schemas.openxmlformats.org/officeDocument/2006/relationships" xmlns:p="http://schemas.openxmlformats.org/presentationml/2006/main">
+  <p:cSld>
+    <p:spTree>
+      <p:nvGrpSpPr>
+        <p:cNvPr id="1" name=""/>
+        <p:cNvGrpSpPr/>
+        <p:nvPr/>
+      </p:nvGrpSpPr>
+      <p:grpSpPr>
+        <a:xfrm>
+          <a:off x="0" y="0"/>
+          <a:ext cx="0" cy="0"/>
+          <a:chOff x="0" y="0"/>
+          <a:chExt cx="0" cy="0"/>
+        </a:xfrm>
+      </p:grpSpPr>
+      <p:graphicFrame>
+        <p:nvGraphicFramePr>
+          <p:cNvPr id="4" name="Inhaltsplatzhalter 3"/>
+          <p:cNvGraphicFramePr>
+            <a:graphicFrameLocks noGrp="1"/>
+          </p:cNvGraphicFramePr>
+          <p:nvPr>
+            <p:ph idx="1"/>
+            <p:extLst>
+              <p:ext uri="{D42A27DB-BD31-4B8C-83A1-F6EECF244321}">
+                <p14:modId xmlns:p14="http://schemas.microsoft.com/office/powerpoint/2010/main" val="3004374604"/>
+              </p:ext>
+            </p:extLst>
+          </p:nvPr>
+        </p:nvGraphicFramePr>
+        <p:xfrm>
+          <a:off x="-238538" y="106017"/>
+          <a:ext cx="13662990" cy="6586331"/>
+        </p:xfrm>
+        <a:graphic>
+          <a:graphicData uri="http://schemas.openxmlformats.org/drawingml/2006/diagram">
+            <dgm:relIds xmlns:dgm="http://schemas.openxmlformats.org/drawingml/2006/diagram" xmlns:r="http://schemas.openxmlformats.org/officeDocument/2006/relationships" r:dm="rId2" r:lo="rId3" r:qs="rId4" r:cs="rId5"/>
+          </a:graphicData>
+        </a:graphic>
+      </p:graphicFrame>
+    </p:spTree>
+    <p:extLst>
+      <p:ext uri="{BB962C8B-B14F-4D97-AF65-F5344CB8AC3E}">
+        <p14:creationId xmlns:p14="http://schemas.microsoft.com/office/powerpoint/2010/main" val="3209053917"/>
+      </p:ext>
+    </p:extLst>
+  </p:cSld>
+  <p:clrMapOvr>
+    <a:masterClrMapping/>
+  </p:clrMapOvr>
+</p:sld>
+</file>
+
 <file path=ppt/theme/theme1.xml><?xml version="1.0" encoding="utf-8"?>
 <a:theme xmlns:a="http://schemas.openxmlformats.org/drawingml/2006/main" name="Office">
   <a:themeElements>
